--- a/dev/20200324/osp1/UISpecPres/src/UISpecPresGroup20.pptx
+++ b/dev/20200324/osp1/UISpecPres/src/UISpecPresGroup20.pptx
@@ -4,47 +4,46 @@
   <p:sldMasterIdLst>
     <p:sldMasterId id="2147483648" r:id="rId2"/>
     <p:sldMasterId id="2147483661" r:id="rId3"/>
-    <p:sldMasterId id="2147483674" r:id="rId4"/>
   </p:sldMasterIdLst>
   <p:sldIdLst>
-    <p:sldId id="256" r:id="rId5"/>
-    <p:sldId id="257" r:id="rId6"/>
-    <p:sldId id="258" r:id="rId7"/>
-    <p:sldId id="259" r:id="rId8"/>
-    <p:sldId id="260" r:id="rId9"/>
-    <p:sldId id="261" r:id="rId10"/>
-    <p:sldId id="262" r:id="rId11"/>
-    <p:sldId id="263" r:id="rId12"/>
-    <p:sldId id="264" r:id="rId13"/>
-    <p:sldId id="265" r:id="rId14"/>
-    <p:sldId id="266" r:id="rId15"/>
-    <p:sldId id="267" r:id="rId16"/>
-    <p:sldId id="268" r:id="rId17"/>
-    <p:sldId id="269" r:id="rId18"/>
-    <p:sldId id="270" r:id="rId19"/>
-    <p:sldId id="271" r:id="rId20"/>
-    <p:sldId id="272" r:id="rId21"/>
-    <p:sldId id="273" r:id="rId22"/>
-    <p:sldId id="274" r:id="rId23"/>
-    <p:sldId id="275" r:id="rId24"/>
-    <p:sldId id="276" r:id="rId25"/>
-    <p:sldId id="277" r:id="rId26"/>
-    <p:sldId id="278" r:id="rId27"/>
-    <p:sldId id="279" r:id="rId28"/>
-    <p:sldId id="280" r:id="rId29"/>
-    <p:sldId id="281" r:id="rId30"/>
-    <p:sldId id="282" r:id="rId31"/>
-    <p:sldId id="283" r:id="rId32"/>
-    <p:sldId id="284" r:id="rId33"/>
-    <p:sldId id="285" r:id="rId34"/>
-    <p:sldId id="286" r:id="rId35"/>
-    <p:sldId id="287" r:id="rId36"/>
-    <p:sldId id="288" r:id="rId37"/>
-    <p:sldId id="289" r:id="rId38"/>
-    <p:sldId id="290" r:id="rId39"/>
-    <p:sldId id="291" r:id="rId40"/>
-    <p:sldId id="292" r:id="rId41"/>
-    <p:sldId id="293" r:id="rId42"/>
+    <p:sldId id="256" r:id="rId4"/>
+    <p:sldId id="257" r:id="rId5"/>
+    <p:sldId id="258" r:id="rId6"/>
+    <p:sldId id="259" r:id="rId7"/>
+    <p:sldId id="260" r:id="rId8"/>
+    <p:sldId id="261" r:id="rId9"/>
+    <p:sldId id="262" r:id="rId10"/>
+    <p:sldId id="263" r:id="rId11"/>
+    <p:sldId id="264" r:id="rId12"/>
+    <p:sldId id="265" r:id="rId13"/>
+    <p:sldId id="266" r:id="rId14"/>
+    <p:sldId id="267" r:id="rId15"/>
+    <p:sldId id="268" r:id="rId16"/>
+    <p:sldId id="269" r:id="rId17"/>
+    <p:sldId id="270" r:id="rId18"/>
+    <p:sldId id="271" r:id="rId19"/>
+    <p:sldId id="272" r:id="rId20"/>
+    <p:sldId id="273" r:id="rId21"/>
+    <p:sldId id="274" r:id="rId22"/>
+    <p:sldId id="275" r:id="rId23"/>
+    <p:sldId id="276" r:id="rId24"/>
+    <p:sldId id="277" r:id="rId25"/>
+    <p:sldId id="278" r:id="rId26"/>
+    <p:sldId id="279" r:id="rId27"/>
+    <p:sldId id="280" r:id="rId28"/>
+    <p:sldId id="281" r:id="rId29"/>
+    <p:sldId id="282" r:id="rId30"/>
+    <p:sldId id="283" r:id="rId31"/>
+    <p:sldId id="284" r:id="rId32"/>
+    <p:sldId id="285" r:id="rId33"/>
+    <p:sldId id="286" r:id="rId34"/>
+    <p:sldId id="287" r:id="rId35"/>
+    <p:sldId id="288" r:id="rId36"/>
+    <p:sldId id="289" r:id="rId37"/>
+    <p:sldId id="290" r:id="rId38"/>
+    <p:sldId id="291" r:id="rId39"/>
+    <p:sldId id="292" r:id="rId40"/>
+    <p:sldId id="293" r:id="rId41"/>
   </p:sldIdLst>
   <p:sldSz cx="9144000" cy="5148262"/>
   <p:notesSz cx="7772400" cy="10058400"/>
@@ -102,8 +101,8 @@
         </p:nvSpPr>
         <p:spPr>
           <a:xfrm>
-            <a:off x="628560" y="273960"/>
-            <a:ext cx="7887600" cy="995040"/>
+            <a:off x="457200" y="205200"/>
+            <a:ext cx="8229240" cy="859320"/>
           </a:xfrm>
           <a:prstGeom prst="rect">
             <a:avLst/>
@@ -133,8 +132,8 @@
         </p:nvSpPr>
         <p:spPr>
           <a:xfrm>
-            <a:off x="628560" y="1370520"/>
-            <a:ext cx="7887600" cy="1558080"/>
+            <a:off x="457200" y="1204560"/>
+            <a:ext cx="8229240" cy="1423800"/>
           </a:xfrm>
           <a:prstGeom prst="rect">
             <a:avLst/>
@@ -163,8 +162,8 @@
         </p:nvSpPr>
         <p:spPr>
           <a:xfrm>
-            <a:off x="628560" y="3076920"/>
-            <a:ext cx="7887600" cy="1558080"/>
+            <a:off x="457200" y="2764080"/>
+            <a:ext cx="8229240" cy="1423800"/>
           </a:xfrm>
           <a:prstGeom prst="rect">
             <a:avLst/>
@@ -215,8 +214,8 @@
         </p:nvSpPr>
         <p:spPr>
           <a:xfrm>
-            <a:off x="628560" y="273960"/>
-            <a:ext cx="7887600" cy="995040"/>
+            <a:off x="457200" y="205200"/>
+            <a:ext cx="8229240" cy="859320"/>
           </a:xfrm>
           <a:prstGeom prst="rect">
             <a:avLst/>
@@ -246,8 +245,8 @@
         </p:nvSpPr>
         <p:spPr>
           <a:xfrm>
-            <a:off x="628560" y="1370520"/>
-            <a:ext cx="3849120" cy="1558080"/>
+            <a:off x="457200" y="1204560"/>
+            <a:ext cx="4015800" cy="1423800"/>
           </a:xfrm>
           <a:prstGeom prst="rect">
             <a:avLst/>
@@ -276,8 +275,8 @@
         </p:nvSpPr>
         <p:spPr>
           <a:xfrm>
-            <a:off x="4670640" y="1370520"/>
-            <a:ext cx="3849120" cy="1558080"/>
+            <a:off x="4674240" y="1204560"/>
+            <a:ext cx="4015800" cy="1423800"/>
           </a:xfrm>
           <a:prstGeom prst="rect">
             <a:avLst/>
@@ -306,8 +305,8 @@
         </p:nvSpPr>
         <p:spPr>
           <a:xfrm>
-            <a:off x="628560" y="3076920"/>
-            <a:ext cx="3849120" cy="1558080"/>
+            <a:off x="457200" y="2764080"/>
+            <a:ext cx="4015800" cy="1423800"/>
           </a:xfrm>
           <a:prstGeom prst="rect">
             <a:avLst/>
@@ -336,8 +335,8 @@
         </p:nvSpPr>
         <p:spPr>
           <a:xfrm>
-            <a:off x="4670640" y="3076920"/>
-            <a:ext cx="3849120" cy="1558080"/>
+            <a:off x="4674240" y="2764080"/>
+            <a:ext cx="4015800" cy="1423800"/>
           </a:xfrm>
           <a:prstGeom prst="rect">
             <a:avLst/>
@@ -388,8 +387,8 @@
         </p:nvSpPr>
         <p:spPr>
           <a:xfrm>
-            <a:off x="628560" y="273960"/>
-            <a:ext cx="7887600" cy="995040"/>
+            <a:off x="457200" y="205200"/>
+            <a:ext cx="8229240" cy="859320"/>
           </a:xfrm>
           <a:prstGeom prst="rect">
             <a:avLst/>
@@ -419,8 +418,8 @@
         </p:nvSpPr>
         <p:spPr>
           <a:xfrm>
-            <a:off x="628560" y="1370520"/>
-            <a:ext cx="2539440" cy="1558080"/>
+            <a:off x="457200" y="1204560"/>
+            <a:ext cx="2649600" cy="1423800"/>
           </a:xfrm>
           <a:prstGeom prst="rect">
             <a:avLst/>
@@ -449,8 +448,8 @@
         </p:nvSpPr>
         <p:spPr>
           <a:xfrm>
-            <a:off x="3295440" y="1370520"/>
-            <a:ext cx="2539440" cy="1558080"/>
+            <a:off x="3239640" y="1204560"/>
+            <a:ext cx="2649600" cy="1423800"/>
           </a:xfrm>
           <a:prstGeom prst="rect">
             <a:avLst/>
@@ -479,8 +478,8 @@
         </p:nvSpPr>
         <p:spPr>
           <a:xfrm>
-            <a:off x="5962320" y="1370520"/>
-            <a:ext cx="2539440" cy="1558080"/>
+            <a:off x="6022080" y="1204560"/>
+            <a:ext cx="2649600" cy="1423800"/>
           </a:xfrm>
           <a:prstGeom prst="rect">
             <a:avLst/>
@@ -509,8 +508,8 @@
         </p:nvSpPr>
         <p:spPr>
           <a:xfrm>
-            <a:off x="628560" y="3076920"/>
-            <a:ext cx="2539440" cy="1558080"/>
+            <a:off x="457200" y="2764080"/>
+            <a:ext cx="2649600" cy="1423800"/>
           </a:xfrm>
           <a:prstGeom prst="rect">
             <a:avLst/>
@@ -539,8 +538,8 @@
         </p:nvSpPr>
         <p:spPr>
           <a:xfrm>
-            <a:off x="3295440" y="3076920"/>
-            <a:ext cx="2539440" cy="1558080"/>
+            <a:off x="3239640" y="2764080"/>
+            <a:ext cx="2649600" cy="1423800"/>
           </a:xfrm>
           <a:prstGeom prst="rect">
             <a:avLst/>
@@ -569,8 +568,8 @@
         </p:nvSpPr>
         <p:spPr>
           <a:xfrm>
-            <a:off x="5962320" y="3076920"/>
-            <a:ext cx="2539440" cy="1558080"/>
+            <a:off x="6022080" y="2764080"/>
+            <a:ext cx="2649600" cy="1423800"/>
           </a:xfrm>
           <a:prstGeom prst="rect">
             <a:avLst/>
@@ -643,8 +642,8 @@
         </p:nvSpPr>
         <p:spPr>
           <a:xfrm>
-            <a:off x="628560" y="273960"/>
-            <a:ext cx="7887600" cy="995040"/>
+            <a:off x="457200" y="205200"/>
+            <a:ext cx="8229240" cy="859320"/>
           </a:xfrm>
           <a:prstGeom prst="rect">
             <a:avLst/>
@@ -674,8 +673,8 @@
         </p:nvSpPr>
         <p:spPr>
           <a:xfrm>
-            <a:off x="628560" y="1370520"/>
-            <a:ext cx="7887600" cy="3266640"/>
+            <a:off x="457200" y="1204560"/>
+            <a:ext cx="8229240" cy="2985480"/>
           </a:xfrm>
           <a:prstGeom prst="rect">
             <a:avLst/>
@@ -727,8 +726,8 @@
         </p:nvSpPr>
         <p:spPr>
           <a:xfrm>
-            <a:off x="628560" y="273960"/>
-            <a:ext cx="7887600" cy="995040"/>
+            <a:off x="457200" y="205200"/>
+            <a:ext cx="8229240" cy="859320"/>
           </a:xfrm>
           <a:prstGeom prst="rect">
             <a:avLst/>
@@ -758,8 +757,8 @@
         </p:nvSpPr>
         <p:spPr>
           <a:xfrm>
-            <a:off x="628560" y="1370520"/>
-            <a:ext cx="7887600" cy="3266640"/>
+            <a:off x="457200" y="1204560"/>
+            <a:ext cx="8229240" cy="2985480"/>
           </a:xfrm>
           <a:prstGeom prst="rect">
             <a:avLst/>
@@ -810,8 +809,8 @@
         </p:nvSpPr>
         <p:spPr>
           <a:xfrm>
-            <a:off x="628560" y="273960"/>
-            <a:ext cx="7887600" cy="995040"/>
+            <a:off x="457200" y="205200"/>
+            <a:ext cx="8229240" cy="859320"/>
           </a:xfrm>
           <a:prstGeom prst="rect">
             <a:avLst/>
@@ -841,8 +840,8 @@
         </p:nvSpPr>
         <p:spPr>
           <a:xfrm>
-            <a:off x="628560" y="1370520"/>
-            <a:ext cx="3849120" cy="3266640"/>
+            <a:off x="457200" y="1204560"/>
+            <a:ext cx="4015800" cy="2985480"/>
           </a:xfrm>
           <a:prstGeom prst="rect">
             <a:avLst/>
@@ -871,8 +870,8 @@
         </p:nvSpPr>
         <p:spPr>
           <a:xfrm>
-            <a:off x="4670640" y="1370520"/>
-            <a:ext cx="3849120" cy="3266640"/>
+            <a:off x="4674240" y="1204560"/>
+            <a:ext cx="4015800" cy="2985480"/>
           </a:xfrm>
           <a:prstGeom prst="rect">
             <a:avLst/>
@@ -923,8 +922,8 @@
         </p:nvSpPr>
         <p:spPr>
           <a:xfrm>
-            <a:off x="628560" y="273960"/>
-            <a:ext cx="7887600" cy="995040"/>
+            <a:off x="457200" y="205200"/>
+            <a:ext cx="8229240" cy="859320"/>
           </a:xfrm>
           <a:prstGeom prst="rect">
             <a:avLst/>
@@ -976,8 +975,8 @@
         </p:nvSpPr>
         <p:spPr>
           <a:xfrm>
-            <a:off x="628560" y="273960"/>
-            <a:ext cx="7887600" cy="4613760"/>
+            <a:off x="457200" y="205200"/>
+            <a:ext cx="8229240" cy="3984480"/>
           </a:xfrm>
           <a:prstGeom prst="rect">
             <a:avLst/>
@@ -1029,8 +1028,8 @@
         </p:nvSpPr>
         <p:spPr>
           <a:xfrm>
-            <a:off x="628560" y="273960"/>
-            <a:ext cx="7887600" cy="995040"/>
+            <a:off x="457200" y="205200"/>
+            <a:ext cx="8229240" cy="859320"/>
           </a:xfrm>
           <a:prstGeom prst="rect">
             <a:avLst/>
@@ -1060,8 +1059,8 @@
         </p:nvSpPr>
         <p:spPr>
           <a:xfrm>
-            <a:off x="628560" y="1370520"/>
-            <a:ext cx="3849120" cy="1558080"/>
+            <a:off x="457200" y="1204560"/>
+            <a:ext cx="4015800" cy="1423800"/>
           </a:xfrm>
           <a:prstGeom prst="rect">
             <a:avLst/>
@@ -1090,8 +1089,8 @@
         </p:nvSpPr>
         <p:spPr>
           <a:xfrm>
-            <a:off x="4670640" y="1370520"/>
-            <a:ext cx="3849120" cy="3266640"/>
+            <a:off x="4674240" y="1204560"/>
+            <a:ext cx="4015800" cy="2985480"/>
           </a:xfrm>
           <a:prstGeom prst="rect">
             <a:avLst/>
@@ -1120,8 +1119,8 @@
         </p:nvSpPr>
         <p:spPr>
           <a:xfrm>
-            <a:off x="628560" y="3076920"/>
-            <a:ext cx="3849120" cy="1558080"/>
+            <a:off x="457200" y="2764080"/>
+            <a:ext cx="4015800" cy="1423800"/>
           </a:xfrm>
           <a:prstGeom prst="rect">
             <a:avLst/>
@@ -1172,8 +1171,8 @@
         </p:nvSpPr>
         <p:spPr>
           <a:xfrm>
-            <a:off x="628560" y="273960"/>
-            <a:ext cx="7887600" cy="995040"/>
+            <a:off x="457200" y="205200"/>
+            <a:ext cx="8229240" cy="859320"/>
           </a:xfrm>
           <a:prstGeom prst="rect">
             <a:avLst/>
@@ -1203,8 +1202,8 @@
         </p:nvSpPr>
         <p:spPr>
           <a:xfrm>
-            <a:off x="628560" y="1370520"/>
-            <a:ext cx="7887600" cy="3266640"/>
+            <a:off x="457200" y="1204560"/>
+            <a:ext cx="8229240" cy="2985480"/>
           </a:xfrm>
           <a:prstGeom prst="rect">
             <a:avLst/>
@@ -1256,8 +1255,8 @@
         </p:nvSpPr>
         <p:spPr>
           <a:xfrm>
-            <a:off x="628560" y="273960"/>
-            <a:ext cx="7887600" cy="995040"/>
+            <a:off x="457200" y="205200"/>
+            <a:ext cx="8229240" cy="859320"/>
           </a:xfrm>
           <a:prstGeom prst="rect">
             <a:avLst/>
@@ -1287,8 +1286,8 @@
         </p:nvSpPr>
         <p:spPr>
           <a:xfrm>
-            <a:off x="628560" y="1370520"/>
-            <a:ext cx="3849120" cy="3266640"/>
+            <a:off x="457200" y="1204560"/>
+            <a:ext cx="4015800" cy="2985480"/>
           </a:xfrm>
           <a:prstGeom prst="rect">
             <a:avLst/>
@@ -1317,8 +1316,8 @@
         </p:nvSpPr>
         <p:spPr>
           <a:xfrm>
-            <a:off x="4670640" y="1370520"/>
-            <a:ext cx="3849120" cy="1558080"/>
+            <a:off x="4674240" y="1204560"/>
+            <a:ext cx="4015800" cy="1423800"/>
           </a:xfrm>
           <a:prstGeom prst="rect">
             <a:avLst/>
@@ -1347,8 +1346,8 @@
         </p:nvSpPr>
         <p:spPr>
           <a:xfrm>
-            <a:off x="4670640" y="3076920"/>
-            <a:ext cx="3849120" cy="1558080"/>
+            <a:off x="4674240" y="2764080"/>
+            <a:ext cx="4015800" cy="1423800"/>
           </a:xfrm>
           <a:prstGeom prst="rect">
             <a:avLst/>
@@ -1399,8 +1398,8 @@
         </p:nvSpPr>
         <p:spPr>
           <a:xfrm>
-            <a:off x="628560" y="273960"/>
-            <a:ext cx="7887600" cy="995040"/>
+            <a:off x="457200" y="205200"/>
+            <a:ext cx="8229240" cy="859320"/>
           </a:xfrm>
           <a:prstGeom prst="rect">
             <a:avLst/>
@@ -1430,8 +1429,8 @@
         </p:nvSpPr>
         <p:spPr>
           <a:xfrm>
-            <a:off x="628560" y="1370520"/>
-            <a:ext cx="3849120" cy="1558080"/>
+            <a:off x="457200" y="1204560"/>
+            <a:ext cx="4015800" cy="1423800"/>
           </a:xfrm>
           <a:prstGeom prst="rect">
             <a:avLst/>
@@ -1460,8 +1459,8 @@
         </p:nvSpPr>
         <p:spPr>
           <a:xfrm>
-            <a:off x="4670640" y="1370520"/>
-            <a:ext cx="3849120" cy="1558080"/>
+            <a:off x="4674240" y="1204560"/>
+            <a:ext cx="4015800" cy="1423800"/>
           </a:xfrm>
           <a:prstGeom prst="rect">
             <a:avLst/>
@@ -1490,8 +1489,8 @@
         </p:nvSpPr>
         <p:spPr>
           <a:xfrm>
-            <a:off x="628560" y="3076920"/>
-            <a:ext cx="7887600" cy="1558080"/>
+            <a:off x="457200" y="2764080"/>
+            <a:ext cx="8229240" cy="1423800"/>
           </a:xfrm>
           <a:prstGeom prst="rect">
             <a:avLst/>
@@ -1542,8 +1541,8 @@
         </p:nvSpPr>
         <p:spPr>
           <a:xfrm>
-            <a:off x="628560" y="273960"/>
-            <a:ext cx="7887600" cy="995040"/>
+            <a:off x="457200" y="205200"/>
+            <a:ext cx="8229240" cy="859320"/>
           </a:xfrm>
           <a:prstGeom prst="rect">
             <a:avLst/>
@@ -1573,8 +1572,8 @@
         </p:nvSpPr>
         <p:spPr>
           <a:xfrm>
-            <a:off x="628560" y="1370520"/>
-            <a:ext cx="7887600" cy="1558080"/>
+            <a:off x="457200" y="1204560"/>
+            <a:ext cx="8229240" cy="1423800"/>
           </a:xfrm>
           <a:prstGeom prst="rect">
             <a:avLst/>
@@ -1603,8 +1602,8 @@
         </p:nvSpPr>
         <p:spPr>
           <a:xfrm>
-            <a:off x="628560" y="3076920"/>
-            <a:ext cx="7887600" cy="1558080"/>
+            <a:off x="457200" y="2764080"/>
+            <a:ext cx="8229240" cy="1423800"/>
           </a:xfrm>
           <a:prstGeom prst="rect">
             <a:avLst/>
@@ -1655,8 +1654,8 @@
         </p:nvSpPr>
         <p:spPr>
           <a:xfrm>
-            <a:off x="628560" y="273960"/>
-            <a:ext cx="7887600" cy="995040"/>
+            <a:off x="457200" y="205200"/>
+            <a:ext cx="8229240" cy="859320"/>
           </a:xfrm>
           <a:prstGeom prst="rect">
             <a:avLst/>
@@ -1686,8 +1685,8 @@
         </p:nvSpPr>
         <p:spPr>
           <a:xfrm>
-            <a:off x="628560" y="1370520"/>
-            <a:ext cx="3849120" cy="1558080"/>
+            <a:off x="457200" y="1204560"/>
+            <a:ext cx="4015800" cy="1423800"/>
           </a:xfrm>
           <a:prstGeom prst="rect">
             <a:avLst/>
@@ -1716,8 +1715,8 @@
         </p:nvSpPr>
         <p:spPr>
           <a:xfrm>
-            <a:off x="4670640" y="1370520"/>
-            <a:ext cx="3849120" cy="1558080"/>
+            <a:off x="4674240" y="1204560"/>
+            <a:ext cx="4015800" cy="1423800"/>
           </a:xfrm>
           <a:prstGeom prst="rect">
             <a:avLst/>
@@ -1746,8 +1745,8 @@
         </p:nvSpPr>
         <p:spPr>
           <a:xfrm>
-            <a:off x="628560" y="3076920"/>
-            <a:ext cx="3849120" cy="1558080"/>
+            <a:off x="457200" y="2764080"/>
+            <a:ext cx="4015800" cy="1423800"/>
           </a:xfrm>
           <a:prstGeom prst="rect">
             <a:avLst/>
@@ -1776,8 +1775,8 @@
         </p:nvSpPr>
         <p:spPr>
           <a:xfrm>
-            <a:off x="4670640" y="3076920"/>
-            <a:ext cx="3849120" cy="1558080"/>
+            <a:off x="4674240" y="2764080"/>
+            <a:ext cx="4015800" cy="1423800"/>
           </a:xfrm>
           <a:prstGeom prst="rect">
             <a:avLst/>
@@ -1828,8 +1827,8 @@
         </p:nvSpPr>
         <p:spPr>
           <a:xfrm>
-            <a:off x="628560" y="273960"/>
-            <a:ext cx="7887600" cy="995040"/>
+            <a:off x="457200" y="205200"/>
+            <a:ext cx="8229240" cy="859320"/>
           </a:xfrm>
           <a:prstGeom prst="rect">
             <a:avLst/>
@@ -1859,8 +1858,8 @@
         </p:nvSpPr>
         <p:spPr>
           <a:xfrm>
-            <a:off x="628560" y="1370520"/>
-            <a:ext cx="2539440" cy="1558080"/>
+            <a:off x="457200" y="1204560"/>
+            <a:ext cx="2649600" cy="1423800"/>
           </a:xfrm>
           <a:prstGeom prst="rect">
             <a:avLst/>
@@ -1889,8 +1888,8 @@
         </p:nvSpPr>
         <p:spPr>
           <a:xfrm>
-            <a:off x="3295440" y="1370520"/>
-            <a:ext cx="2539440" cy="1558080"/>
+            <a:off x="3239640" y="1204560"/>
+            <a:ext cx="2649600" cy="1423800"/>
           </a:xfrm>
           <a:prstGeom prst="rect">
             <a:avLst/>
@@ -1919,8 +1918,8 @@
         </p:nvSpPr>
         <p:spPr>
           <a:xfrm>
-            <a:off x="5962320" y="1370520"/>
-            <a:ext cx="2539440" cy="1558080"/>
+            <a:off x="6022080" y="1204560"/>
+            <a:ext cx="2649600" cy="1423800"/>
           </a:xfrm>
           <a:prstGeom prst="rect">
             <a:avLst/>
@@ -1949,8 +1948,8 @@
         </p:nvSpPr>
         <p:spPr>
           <a:xfrm>
-            <a:off x="628560" y="3076920"/>
-            <a:ext cx="2539440" cy="1558080"/>
+            <a:off x="457200" y="2764080"/>
+            <a:ext cx="2649600" cy="1423800"/>
           </a:xfrm>
           <a:prstGeom prst="rect">
             <a:avLst/>
@@ -1979,8 +1978,8 @@
         </p:nvSpPr>
         <p:spPr>
           <a:xfrm>
-            <a:off x="3295440" y="3076920"/>
-            <a:ext cx="2539440" cy="1558080"/>
+            <a:off x="3239640" y="2764080"/>
+            <a:ext cx="2649600" cy="1423800"/>
           </a:xfrm>
           <a:prstGeom prst="rect">
             <a:avLst/>
@@ -2009,8 +2008,8 @@
         </p:nvSpPr>
         <p:spPr>
           <a:xfrm>
-            <a:off x="5962320" y="3076920"/>
-            <a:ext cx="2539440" cy="1558080"/>
+            <a:off x="6022080" y="2764080"/>
+            <a:ext cx="2649600" cy="1423800"/>
           </a:xfrm>
           <a:prstGeom prst="rect">
             <a:avLst/>
@@ -2022,361 +2021,6 @@
           </a:bodyPr>
           <a:p>
             <a:endParaRPr b="0" lang="en-GB" sz="3200" spc="-1" strike="noStrike">
-              <a:latin typeface="Arial"/>
-            </a:endParaRPr>
-          </a:p>
-        </p:txBody>
-      </p:sp>
-    </p:spTree>
-  </p:cSld>
-</p:sldLayout>
-</file>
-
-<file path=ppt/slideLayouts/slideLayout25.xml><?xml version="1.0" encoding="utf-8"?>
-<p:sldLayout xmlns:a="http://schemas.openxmlformats.org/drawingml/2006/main" xmlns:p="http://schemas.openxmlformats.org/presentationml/2006/main" xmlns:r="http://schemas.openxmlformats.org/officeDocument/2006/relationships" xmlns:p14="http://schemas.microsoft.com/office/powerpoint/2010/main" xmlns:p15="http://schemas.microsoft.com/office/powerpoint/2012/main" xmlns:mc="http://schemas.openxmlformats.org/markup-compatibility/2006" type="blank" preserve="1">
-  <p:cSld name="Blank Slide">
-    <p:spTree>
-      <p:nvGrpSpPr>
-        <p:cNvPr id="1" name=""/>
-        <p:cNvGrpSpPr/>
-        <p:nvPr/>
-      </p:nvGrpSpPr>
-      <p:grpSpPr>
-        <a:xfrm>
-          <a:off x="0" y="0"/>
-          <a:ext cx="0" cy="0"/>
-          <a:chOff x="0" y="0"/>
-          <a:chExt cx="0" cy="0"/>
-        </a:xfrm>
-      </p:grpSpPr>
-    </p:spTree>
-  </p:cSld>
-</p:sldLayout>
-</file>
-
-<file path=ppt/slideLayouts/slideLayout26.xml><?xml version="1.0" encoding="utf-8"?>
-<p:sldLayout xmlns:a="http://schemas.openxmlformats.org/drawingml/2006/main" xmlns:p="http://schemas.openxmlformats.org/presentationml/2006/main" xmlns:r="http://schemas.openxmlformats.org/officeDocument/2006/relationships" xmlns:p14="http://schemas.microsoft.com/office/powerpoint/2010/main" xmlns:p15="http://schemas.microsoft.com/office/powerpoint/2012/main" xmlns:mc="http://schemas.openxmlformats.org/markup-compatibility/2006" type="tx" preserve="1">
-  <p:cSld name="Title Slide">
-    <p:spTree>
-      <p:nvGrpSpPr>
-        <p:cNvPr id="1" name=""/>
-        <p:cNvGrpSpPr/>
-        <p:nvPr/>
-      </p:nvGrpSpPr>
-      <p:grpSpPr>
-        <a:xfrm>
-          <a:off x="0" y="0"/>
-          <a:ext cx="0" cy="0"/>
-          <a:chOff x="0" y="0"/>
-          <a:chExt cx="0" cy="0"/>
-        </a:xfrm>
-      </p:grpSpPr>
-      <p:sp>
-        <p:nvSpPr>
-          <p:cNvPr id="78" name="PlaceHolder 1"/>
-          <p:cNvSpPr>
-            <a:spLocks noGrp="1"/>
-          </p:cNvSpPr>
-          <p:nvPr>
-            <p:ph type="title"/>
-          </p:nvPr>
-        </p:nvSpPr>
-        <p:spPr>
-          <a:xfrm>
-            <a:off x="628560" y="273960"/>
-            <a:ext cx="7887600" cy="995040"/>
-          </a:xfrm>
-          <a:prstGeom prst="rect">
-            <a:avLst/>
-          </a:prstGeom>
-        </p:spPr>
-        <p:txBody>
-          <a:bodyPr lIns="0" rIns="0" tIns="0" bIns="0" anchor="ctr">
-            <a:noAutofit/>
-          </a:bodyPr>
-          <a:p>
-            <a:pPr algn="ctr"/>
-            <a:endParaRPr b="0" lang="en-GB" sz="4400" spc="-1" strike="noStrike">
-              <a:latin typeface="Arial"/>
-            </a:endParaRPr>
-          </a:p>
-        </p:txBody>
-      </p:sp>
-      <p:sp>
-        <p:nvSpPr>
-          <p:cNvPr id="79" name="PlaceHolder 2"/>
-          <p:cNvSpPr>
-            <a:spLocks noGrp="1"/>
-          </p:cNvSpPr>
-          <p:nvPr>
-            <p:ph type="subTitle"/>
-          </p:nvPr>
-        </p:nvSpPr>
-        <p:spPr>
-          <a:xfrm>
-            <a:off x="628560" y="1370520"/>
-            <a:ext cx="7887600" cy="3266640"/>
-          </a:xfrm>
-          <a:prstGeom prst="rect">
-            <a:avLst/>
-          </a:prstGeom>
-        </p:spPr>
-        <p:txBody>
-          <a:bodyPr lIns="0" rIns="0" tIns="0" bIns="0" anchor="ctr">
-            <a:noAutofit/>
-          </a:bodyPr>
-          <a:p>
-            <a:pPr algn="ctr"/>
-            <a:endParaRPr b="0" lang="en-GB" sz="3200" spc="-1" strike="noStrike">
-              <a:latin typeface="Arial"/>
-            </a:endParaRPr>
-          </a:p>
-        </p:txBody>
-      </p:sp>
-    </p:spTree>
-  </p:cSld>
-</p:sldLayout>
-</file>
-
-<file path=ppt/slideLayouts/slideLayout27.xml><?xml version="1.0" encoding="utf-8"?>
-<p:sldLayout xmlns:a="http://schemas.openxmlformats.org/drawingml/2006/main" xmlns:p="http://schemas.openxmlformats.org/presentationml/2006/main" xmlns:r="http://schemas.openxmlformats.org/officeDocument/2006/relationships" xmlns:p14="http://schemas.microsoft.com/office/powerpoint/2010/main" xmlns:p15="http://schemas.microsoft.com/office/powerpoint/2012/main" xmlns:mc="http://schemas.openxmlformats.org/markup-compatibility/2006" type="obj" preserve="1">
-  <p:cSld name="Title, Content">
-    <p:spTree>
-      <p:nvGrpSpPr>
-        <p:cNvPr id="1" name=""/>
-        <p:cNvGrpSpPr/>
-        <p:nvPr/>
-      </p:nvGrpSpPr>
-      <p:grpSpPr>
-        <a:xfrm>
-          <a:off x="0" y="0"/>
-          <a:ext cx="0" cy="0"/>
-          <a:chOff x="0" y="0"/>
-          <a:chExt cx="0" cy="0"/>
-        </a:xfrm>
-      </p:grpSpPr>
-      <p:sp>
-        <p:nvSpPr>
-          <p:cNvPr id="80" name="PlaceHolder 1"/>
-          <p:cNvSpPr>
-            <a:spLocks noGrp="1"/>
-          </p:cNvSpPr>
-          <p:nvPr>
-            <p:ph type="title"/>
-          </p:nvPr>
-        </p:nvSpPr>
-        <p:spPr>
-          <a:xfrm>
-            <a:off x="628560" y="273960"/>
-            <a:ext cx="7887600" cy="995040"/>
-          </a:xfrm>
-          <a:prstGeom prst="rect">
-            <a:avLst/>
-          </a:prstGeom>
-        </p:spPr>
-        <p:txBody>
-          <a:bodyPr lIns="0" rIns="0" tIns="0" bIns="0" anchor="ctr">
-            <a:noAutofit/>
-          </a:bodyPr>
-          <a:p>
-            <a:pPr algn="ctr"/>
-            <a:endParaRPr b="0" lang="en-GB" sz="4400" spc="-1" strike="noStrike">
-              <a:latin typeface="Arial"/>
-            </a:endParaRPr>
-          </a:p>
-        </p:txBody>
-      </p:sp>
-      <p:sp>
-        <p:nvSpPr>
-          <p:cNvPr id="81" name="PlaceHolder 2"/>
-          <p:cNvSpPr>
-            <a:spLocks noGrp="1"/>
-          </p:cNvSpPr>
-          <p:nvPr>
-            <p:ph type="body"/>
-          </p:nvPr>
-        </p:nvSpPr>
-        <p:spPr>
-          <a:xfrm>
-            <a:off x="628560" y="1370520"/>
-            <a:ext cx="7887600" cy="3266640"/>
-          </a:xfrm>
-          <a:prstGeom prst="rect">
-            <a:avLst/>
-          </a:prstGeom>
-        </p:spPr>
-        <p:txBody>
-          <a:bodyPr lIns="0" rIns="0" tIns="0" bIns="0">
-            <a:normAutofit/>
-          </a:bodyPr>
-          <a:p>
-            <a:endParaRPr b="0" lang="en-GB" sz="3200" spc="-1" strike="noStrike">
-              <a:latin typeface="Arial"/>
-            </a:endParaRPr>
-          </a:p>
-        </p:txBody>
-      </p:sp>
-    </p:spTree>
-  </p:cSld>
-</p:sldLayout>
-</file>
-
-<file path=ppt/slideLayouts/slideLayout28.xml><?xml version="1.0" encoding="utf-8"?>
-<p:sldLayout xmlns:a="http://schemas.openxmlformats.org/drawingml/2006/main" xmlns:p="http://schemas.openxmlformats.org/presentationml/2006/main" xmlns:r="http://schemas.openxmlformats.org/officeDocument/2006/relationships" xmlns:p14="http://schemas.microsoft.com/office/powerpoint/2010/main" xmlns:p15="http://schemas.microsoft.com/office/powerpoint/2012/main" xmlns:mc="http://schemas.openxmlformats.org/markup-compatibility/2006" type="twoObj" preserve="1">
-  <p:cSld name="Title, 2 Content">
-    <p:spTree>
-      <p:nvGrpSpPr>
-        <p:cNvPr id="1" name=""/>
-        <p:cNvGrpSpPr/>
-        <p:nvPr/>
-      </p:nvGrpSpPr>
-      <p:grpSpPr>
-        <a:xfrm>
-          <a:off x="0" y="0"/>
-          <a:ext cx="0" cy="0"/>
-          <a:chOff x="0" y="0"/>
-          <a:chExt cx="0" cy="0"/>
-        </a:xfrm>
-      </p:grpSpPr>
-      <p:sp>
-        <p:nvSpPr>
-          <p:cNvPr id="82" name="PlaceHolder 1"/>
-          <p:cNvSpPr>
-            <a:spLocks noGrp="1"/>
-          </p:cNvSpPr>
-          <p:nvPr>
-            <p:ph type="title"/>
-          </p:nvPr>
-        </p:nvSpPr>
-        <p:spPr>
-          <a:xfrm>
-            <a:off x="628560" y="273960"/>
-            <a:ext cx="7887600" cy="995040"/>
-          </a:xfrm>
-          <a:prstGeom prst="rect">
-            <a:avLst/>
-          </a:prstGeom>
-        </p:spPr>
-        <p:txBody>
-          <a:bodyPr lIns="0" rIns="0" tIns="0" bIns="0" anchor="ctr">
-            <a:noAutofit/>
-          </a:bodyPr>
-          <a:p>
-            <a:pPr algn="ctr"/>
-            <a:endParaRPr b="0" lang="en-GB" sz="4400" spc="-1" strike="noStrike">
-              <a:latin typeface="Arial"/>
-            </a:endParaRPr>
-          </a:p>
-        </p:txBody>
-      </p:sp>
-      <p:sp>
-        <p:nvSpPr>
-          <p:cNvPr id="83" name="PlaceHolder 2"/>
-          <p:cNvSpPr>
-            <a:spLocks noGrp="1"/>
-          </p:cNvSpPr>
-          <p:nvPr>
-            <p:ph type="body"/>
-          </p:nvPr>
-        </p:nvSpPr>
-        <p:spPr>
-          <a:xfrm>
-            <a:off x="628560" y="1370520"/>
-            <a:ext cx="3849120" cy="3266640"/>
-          </a:xfrm>
-          <a:prstGeom prst="rect">
-            <a:avLst/>
-          </a:prstGeom>
-        </p:spPr>
-        <p:txBody>
-          <a:bodyPr lIns="0" rIns="0" tIns="0" bIns="0">
-            <a:normAutofit/>
-          </a:bodyPr>
-          <a:p>
-            <a:endParaRPr b="0" lang="en-GB" sz="3200" spc="-1" strike="noStrike">
-              <a:latin typeface="Arial"/>
-            </a:endParaRPr>
-          </a:p>
-        </p:txBody>
-      </p:sp>
-      <p:sp>
-        <p:nvSpPr>
-          <p:cNvPr id="84" name="PlaceHolder 3"/>
-          <p:cNvSpPr>
-            <a:spLocks noGrp="1"/>
-          </p:cNvSpPr>
-          <p:nvPr>
-            <p:ph type="body"/>
-          </p:nvPr>
-        </p:nvSpPr>
-        <p:spPr>
-          <a:xfrm>
-            <a:off x="4670640" y="1370520"/>
-            <a:ext cx="3849120" cy="3266640"/>
-          </a:xfrm>
-          <a:prstGeom prst="rect">
-            <a:avLst/>
-          </a:prstGeom>
-        </p:spPr>
-        <p:txBody>
-          <a:bodyPr lIns="0" rIns="0" tIns="0" bIns="0">
-            <a:normAutofit/>
-          </a:bodyPr>
-          <a:p>
-            <a:endParaRPr b="0" lang="en-GB" sz="3200" spc="-1" strike="noStrike">
-              <a:latin typeface="Arial"/>
-            </a:endParaRPr>
-          </a:p>
-        </p:txBody>
-      </p:sp>
-    </p:spTree>
-  </p:cSld>
-</p:sldLayout>
-</file>
-
-<file path=ppt/slideLayouts/slideLayout29.xml><?xml version="1.0" encoding="utf-8"?>
-<p:sldLayout xmlns:a="http://schemas.openxmlformats.org/drawingml/2006/main" xmlns:p="http://schemas.openxmlformats.org/presentationml/2006/main" xmlns:r="http://schemas.openxmlformats.org/officeDocument/2006/relationships" xmlns:p14="http://schemas.microsoft.com/office/powerpoint/2010/main" xmlns:p15="http://schemas.microsoft.com/office/powerpoint/2012/main" xmlns:mc="http://schemas.openxmlformats.org/markup-compatibility/2006" type="titleOnly" preserve="1">
-  <p:cSld name="Title Only">
-    <p:spTree>
-      <p:nvGrpSpPr>
-        <p:cNvPr id="1" name=""/>
-        <p:cNvGrpSpPr/>
-        <p:nvPr/>
-      </p:nvGrpSpPr>
-      <p:grpSpPr>
-        <a:xfrm>
-          <a:off x="0" y="0"/>
-          <a:ext cx="0" cy="0"/>
-          <a:chOff x="0" y="0"/>
-          <a:chExt cx="0" cy="0"/>
-        </a:xfrm>
-      </p:grpSpPr>
-      <p:sp>
-        <p:nvSpPr>
-          <p:cNvPr id="85" name="PlaceHolder 1"/>
-          <p:cNvSpPr>
-            <a:spLocks noGrp="1"/>
-          </p:cNvSpPr>
-          <p:nvPr>
-            <p:ph type="title"/>
-          </p:nvPr>
-        </p:nvSpPr>
-        <p:spPr>
-          <a:xfrm>
-            <a:off x="628560" y="273960"/>
-            <a:ext cx="7887600" cy="995040"/>
-          </a:xfrm>
-          <a:prstGeom prst="rect">
-            <a:avLst/>
-          </a:prstGeom>
-        </p:spPr>
-        <p:txBody>
-          <a:bodyPr lIns="0" rIns="0" tIns="0" bIns="0" anchor="ctr">
-            <a:noAutofit/>
-          </a:bodyPr>
-          <a:p>
-            <a:pPr algn="ctr"/>
-            <a:endParaRPr b="0" lang="en-GB" sz="4400" spc="-1" strike="noStrike">
               <a:latin typeface="Arial"/>
             </a:endParaRPr>
           </a:p>
@@ -2416,8 +2060,8 @@
         </p:nvSpPr>
         <p:spPr>
           <a:xfrm>
-            <a:off x="628560" y="273960"/>
-            <a:ext cx="7887600" cy="995040"/>
+            <a:off x="457200" y="205200"/>
+            <a:ext cx="8229240" cy="859320"/>
           </a:xfrm>
           <a:prstGeom prst="rect">
             <a:avLst/>
@@ -2447,1009 +2091,8 @@
         </p:nvSpPr>
         <p:spPr>
           <a:xfrm>
-            <a:off x="628560" y="1370520"/>
-            <a:ext cx="7887600" cy="3266640"/>
-          </a:xfrm>
-          <a:prstGeom prst="rect">
-            <a:avLst/>
-          </a:prstGeom>
-        </p:spPr>
-        <p:txBody>
-          <a:bodyPr lIns="0" rIns="0" tIns="0" bIns="0">
-            <a:normAutofit/>
-          </a:bodyPr>
-          <a:p>
-            <a:endParaRPr b="0" lang="en-GB" sz="3200" spc="-1" strike="noStrike">
-              <a:latin typeface="Arial"/>
-            </a:endParaRPr>
-          </a:p>
-        </p:txBody>
-      </p:sp>
-    </p:spTree>
-  </p:cSld>
-</p:sldLayout>
-</file>
-
-<file path=ppt/slideLayouts/slideLayout30.xml><?xml version="1.0" encoding="utf-8"?>
-<p:sldLayout xmlns:a="http://schemas.openxmlformats.org/drawingml/2006/main" xmlns:p="http://schemas.openxmlformats.org/presentationml/2006/main" xmlns:r="http://schemas.openxmlformats.org/officeDocument/2006/relationships" xmlns:p14="http://schemas.microsoft.com/office/powerpoint/2010/main" xmlns:p15="http://schemas.microsoft.com/office/powerpoint/2012/main" xmlns:mc="http://schemas.openxmlformats.org/markup-compatibility/2006" type="objOnly" preserve="1">
-  <p:cSld name="Centered Text">
-    <p:spTree>
-      <p:nvGrpSpPr>
-        <p:cNvPr id="1" name=""/>
-        <p:cNvGrpSpPr/>
-        <p:nvPr/>
-      </p:nvGrpSpPr>
-      <p:grpSpPr>
-        <a:xfrm>
-          <a:off x="0" y="0"/>
-          <a:ext cx="0" cy="0"/>
-          <a:chOff x="0" y="0"/>
-          <a:chExt cx="0" cy="0"/>
-        </a:xfrm>
-      </p:grpSpPr>
-      <p:sp>
-        <p:nvSpPr>
-          <p:cNvPr id="86" name="PlaceHolder 1"/>
-          <p:cNvSpPr>
-            <a:spLocks noGrp="1"/>
-          </p:cNvSpPr>
-          <p:nvPr>
-            <p:ph type="subTitle"/>
-          </p:nvPr>
-        </p:nvSpPr>
-        <p:spPr>
-          <a:xfrm>
-            <a:off x="628560" y="273960"/>
-            <a:ext cx="7887600" cy="4613760"/>
-          </a:xfrm>
-          <a:prstGeom prst="rect">
-            <a:avLst/>
-          </a:prstGeom>
-        </p:spPr>
-        <p:txBody>
-          <a:bodyPr lIns="0" rIns="0" tIns="0" bIns="0" anchor="ctr">
-            <a:noAutofit/>
-          </a:bodyPr>
-          <a:p>
-            <a:pPr algn="ctr"/>
-            <a:endParaRPr b="0" lang="en-GB" sz="3200" spc="-1" strike="noStrike">
-              <a:latin typeface="Arial"/>
-            </a:endParaRPr>
-          </a:p>
-        </p:txBody>
-      </p:sp>
-    </p:spTree>
-  </p:cSld>
-</p:sldLayout>
-</file>
-
-<file path=ppt/slideLayouts/slideLayout31.xml><?xml version="1.0" encoding="utf-8"?>
-<p:sldLayout xmlns:a="http://schemas.openxmlformats.org/drawingml/2006/main" xmlns:p="http://schemas.openxmlformats.org/presentationml/2006/main" xmlns:r="http://schemas.openxmlformats.org/officeDocument/2006/relationships" xmlns:p14="http://schemas.microsoft.com/office/powerpoint/2010/main" xmlns:p15="http://schemas.microsoft.com/office/powerpoint/2012/main" xmlns:mc="http://schemas.openxmlformats.org/markup-compatibility/2006" type="twoObjAndObj" preserve="1">
-  <p:cSld name="Title, 2 Content and Content">
-    <p:spTree>
-      <p:nvGrpSpPr>
-        <p:cNvPr id="1" name=""/>
-        <p:cNvGrpSpPr/>
-        <p:nvPr/>
-      </p:nvGrpSpPr>
-      <p:grpSpPr>
-        <a:xfrm>
-          <a:off x="0" y="0"/>
-          <a:ext cx="0" cy="0"/>
-          <a:chOff x="0" y="0"/>
-          <a:chExt cx="0" cy="0"/>
-        </a:xfrm>
-      </p:grpSpPr>
-      <p:sp>
-        <p:nvSpPr>
-          <p:cNvPr id="87" name="PlaceHolder 1"/>
-          <p:cNvSpPr>
-            <a:spLocks noGrp="1"/>
-          </p:cNvSpPr>
-          <p:nvPr>
-            <p:ph type="title"/>
-          </p:nvPr>
-        </p:nvSpPr>
-        <p:spPr>
-          <a:xfrm>
-            <a:off x="628560" y="273960"/>
-            <a:ext cx="7887600" cy="995040"/>
-          </a:xfrm>
-          <a:prstGeom prst="rect">
-            <a:avLst/>
-          </a:prstGeom>
-        </p:spPr>
-        <p:txBody>
-          <a:bodyPr lIns="0" rIns="0" tIns="0" bIns="0" anchor="ctr">
-            <a:noAutofit/>
-          </a:bodyPr>
-          <a:p>
-            <a:pPr algn="ctr"/>
-            <a:endParaRPr b="0" lang="en-GB" sz="4400" spc="-1" strike="noStrike">
-              <a:latin typeface="Arial"/>
-            </a:endParaRPr>
-          </a:p>
-        </p:txBody>
-      </p:sp>
-      <p:sp>
-        <p:nvSpPr>
-          <p:cNvPr id="88" name="PlaceHolder 2"/>
-          <p:cNvSpPr>
-            <a:spLocks noGrp="1"/>
-          </p:cNvSpPr>
-          <p:nvPr>
-            <p:ph type="body"/>
-          </p:nvPr>
-        </p:nvSpPr>
-        <p:spPr>
-          <a:xfrm>
-            <a:off x="628560" y="1370520"/>
-            <a:ext cx="3849120" cy="1558080"/>
-          </a:xfrm>
-          <a:prstGeom prst="rect">
-            <a:avLst/>
-          </a:prstGeom>
-        </p:spPr>
-        <p:txBody>
-          <a:bodyPr lIns="0" rIns="0" tIns="0" bIns="0">
-            <a:normAutofit/>
-          </a:bodyPr>
-          <a:p>
-            <a:endParaRPr b="0" lang="en-GB" sz="3200" spc="-1" strike="noStrike">
-              <a:latin typeface="Arial"/>
-            </a:endParaRPr>
-          </a:p>
-        </p:txBody>
-      </p:sp>
-      <p:sp>
-        <p:nvSpPr>
-          <p:cNvPr id="89" name="PlaceHolder 3"/>
-          <p:cNvSpPr>
-            <a:spLocks noGrp="1"/>
-          </p:cNvSpPr>
-          <p:nvPr>
-            <p:ph type="body"/>
-          </p:nvPr>
-        </p:nvSpPr>
-        <p:spPr>
-          <a:xfrm>
-            <a:off x="4670640" y="1370520"/>
-            <a:ext cx="3849120" cy="3266640"/>
-          </a:xfrm>
-          <a:prstGeom prst="rect">
-            <a:avLst/>
-          </a:prstGeom>
-        </p:spPr>
-        <p:txBody>
-          <a:bodyPr lIns="0" rIns="0" tIns="0" bIns="0">
-            <a:normAutofit/>
-          </a:bodyPr>
-          <a:p>
-            <a:endParaRPr b="0" lang="en-GB" sz="3200" spc="-1" strike="noStrike">
-              <a:latin typeface="Arial"/>
-            </a:endParaRPr>
-          </a:p>
-        </p:txBody>
-      </p:sp>
-      <p:sp>
-        <p:nvSpPr>
-          <p:cNvPr id="90" name="PlaceHolder 4"/>
-          <p:cNvSpPr>
-            <a:spLocks noGrp="1"/>
-          </p:cNvSpPr>
-          <p:nvPr>
-            <p:ph type="body"/>
-          </p:nvPr>
-        </p:nvSpPr>
-        <p:spPr>
-          <a:xfrm>
-            <a:off x="628560" y="3076920"/>
-            <a:ext cx="3849120" cy="1558080"/>
-          </a:xfrm>
-          <a:prstGeom prst="rect">
-            <a:avLst/>
-          </a:prstGeom>
-        </p:spPr>
-        <p:txBody>
-          <a:bodyPr lIns="0" rIns="0" tIns="0" bIns="0">
-            <a:normAutofit/>
-          </a:bodyPr>
-          <a:p>
-            <a:endParaRPr b="0" lang="en-GB" sz="3200" spc="-1" strike="noStrike">
-              <a:latin typeface="Arial"/>
-            </a:endParaRPr>
-          </a:p>
-        </p:txBody>
-      </p:sp>
-    </p:spTree>
-  </p:cSld>
-</p:sldLayout>
-</file>
-
-<file path=ppt/slideLayouts/slideLayout32.xml><?xml version="1.0" encoding="utf-8"?>
-<p:sldLayout xmlns:a="http://schemas.openxmlformats.org/drawingml/2006/main" xmlns:p="http://schemas.openxmlformats.org/presentationml/2006/main" xmlns:r="http://schemas.openxmlformats.org/officeDocument/2006/relationships" xmlns:p14="http://schemas.microsoft.com/office/powerpoint/2010/main" xmlns:p15="http://schemas.microsoft.com/office/powerpoint/2012/main" xmlns:mc="http://schemas.openxmlformats.org/markup-compatibility/2006" type="objAndTwoObj" preserve="1">
-  <p:cSld name="Title Content and 2 Content">
-    <p:spTree>
-      <p:nvGrpSpPr>
-        <p:cNvPr id="1" name=""/>
-        <p:cNvGrpSpPr/>
-        <p:nvPr/>
-      </p:nvGrpSpPr>
-      <p:grpSpPr>
-        <a:xfrm>
-          <a:off x="0" y="0"/>
-          <a:ext cx="0" cy="0"/>
-          <a:chOff x="0" y="0"/>
-          <a:chExt cx="0" cy="0"/>
-        </a:xfrm>
-      </p:grpSpPr>
-      <p:sp>
-        <p:nvSpPr>
-          <p:cNvPr id="91" name="PlaceHolder 1"/>
-          <p:cNvSpPr>
-            <a:spLocks noGrp="1"/>
-          </p:cNvSpPr>
-          <p:nvPr>
-            <p:ph type="title"/>
-          </p:nvPr>
-        </p:nvSpPr>
-        <p:spPr>
-          <a:xfrm>
-            <a:off x="628560" y="273960"/>
-            <a:ext cx="7887600" cy="995040"/>
-          </a:xfrm>
-          <a:prstGeom prst="rect">
-            <a:avLst/>
-          </a:prstGeom>
-        </p:spPr>
-        <p:txBody>
-          <a:bodyPr lIns="0" rIns="0" tIns="0" bIns="0" anchor="ctr">
-            <a:noAutofit/>
-          </a:bodyPr>
-          <a:p>
-            <a:pPr algn="ctr"/>
-            <a:endParaRPr b="0" lang="en-GB" sz="4400" spc="-1" strike="noStrike">
-              <a:latin typeface="Arial"/>
-            </a:endParaRPr>
-          </a:p>
-        </p:txBody>
-      </p:sp>
-      <p:sp>
-        <p:nvSpPr>
-          <p:cNvPr id="92" name="PlaceHolder 2"/>
-          <p:cNvSpPr>
-            <a:spLocks noGrp="1"/>
-          </p:cNvSpPr>
-          <p:nvPr>
-            <p:ph type="body"/>
-          </p:nvPr>
-        </p:nvSpPr>
-        <p:spPr>
-          <a:xfrm>
-            <a:off x="628560" y="1370520"/>
-            <a:ext cx="3849120" cy="3266640"/>
-          </a:xfrm>
-          <a:prstGeom prst="rect">
-            <a:avLst/>
-          </a:prstGeom>
-        </p:spPr>
-        <p:txBody>
-          <a:bodyPr lIns="0" rIns="0" tIns="0" bIns="0">
-            <a:normAutofit/>
-          </a:bodyPr>
-          <a:p>
-            <a:endParaRPr b="0" lang="en-GB" sz="3200" spc="-1" strike="noStrike">
-              <a:latin typeface="Arial"/>
-            </a:endParaRPr>
-          </a:p>
-        </p:txBody>
-      </p:sp>
-      <p:sp>
-        <p:nvSpPr>
-          <p:cNvPr id="93" name="PlaceHolder 3"/>
-          <p:cNvSpPr>
-            <a:spLocks noGrp="1"/>
-          </p:cNvSpPr>
-          <p:nvPr>
-            <p:ph type="body"/>
-          </p:nvPr>
-        </p:nvSpPr>
-        <p:spPr>
-          <a:xfrm>
-            <a:off x="4670640" y="1370520"/>
-            <a:ext cx="3849120" cy="1558080"/>
-          </a:xfrm>
-          <a:prstGeom prst="rect">
-            <a:avLst/>
-          </a:prstGeom>
-        </p:spPr>
-        <p:txBody>
-          <a:bodyPr lIns="0" rIns="0" tIns="0" bIns="0">
-            <a:normAutofit/>
-          </a:bodyPr>
-          <a:p>
-            <a:endParaRPr b="0" lang="en-GB" sz="3200" spc="-1" strike="noStrike">
-              <a:latin typeface="Arial"/>
-            </a:endParaRPr>
-          </a:p>
-        </p:txBody>
-      </p:sp>
-      <p:sp>
-        <p:nvSpPr>
-          <p:cNvPr id="94" name="PlaceHolder 4"/>
-          <p:cNvSpPr>
-            <a:spLocks noGrp="1"/>
-          </p:cNvSpPr>
-          <p:nvPr>
-            <p:ph type="body"/>
-          </p:nvPr>
-        </p:nvSpPr>
-        <p:spPr>
-          <a:xfrm>
-            <a:off x="4670640" y="3076920"/>
-            <a:ext cx="3849120" cy="1558080"/>
-          </a:xfrm>
-          <a:prstGeom prst="rect">
-            <a:avLst/>
-          </a:prstGeom>
-        </p:spPr>
-        <p:txBody>
-          <a:bodyPr lIns="0" rIns="0" tIns="0" bIns="0">
-            <a:normAutofit/>
-          </a:bodyPr>
-          <a:p>
-            <a:endParaRPr b="0" lang="en-GB" sz="3200" spc="-1" strike="noStrike">
-              <a:latin typeface="Arial"/>
-            </a:endParaRPr>
-          </a:p>
-        </p:txBody>
-      </p:sp>
-    </p:spTree>
-  </p:cSld>
-</p:sldLayout>
-</file>
-
-<file path=ppt/slideLayouts/slideLayout33.xml><?xml version="1.0" encoding="utf-8"?>
-<p:sldLayout xmlns:a="http://schemas.openxmlformats.org/drawingml/2006/main" xmlns:p="http://schemas.openxmlformats.org/presentationml/2006/main" xmlns:r="http://schemas.openxmlformats.org/officeDocument/2006/relationships" xmlns:p14="http://schemas.microsoft.com/office/powerpoint/2010/main" xmlns:p15="http://schemas.microsoft.com/office/powerpoint/2012/main" xmlns:mc="http://schemas.openxmlformats.org/markup-compatibility/2006" type="twoObjOverTx" preserve="1">
-  <p:cSld name="Title, 2 Content over Content">
-    <p:spTree>
-      <p:nvGrpSpPr>
-        <p:cNvPr id="1" name=""/>
-        <p:cNvGrpSpPr/>
-        <p:nvPr/>
-      </p:nvGrpSpPr>
-      <p:grpSpPr>
-        <a:xfrm>
-          <a:off x="0" y="0"/>
-          <a:ext cx="0" cy="0"/>
-          <a:chOff x="0" y="0"/>
-          <a:chExt cx="0" cy="0"/>
-        </a:xfrm>
-      </p:grpSpPr>
-      <p:sp>
-        <p:nvSpPr>
-          <p:cNvPr id="95" name="PlaceHolder 1"/>
-          <p:cNvSpPr>
-            <a:spLocks noGrp="1"/>
-          </p:cNvSpPr>
-          <p:nvPr>
-            <p:ph type="title"/>
-          </p:nvPr>
-        </p:nvSpPr>
-        <p:spPr>
-          <a:xfrm>
-            <a:off x="628560" y="273960"/>
-            <a:ext cx="7887600" cy="995040"/>
-          </a:xfrm>
-          <a:prstGeom prst="rect">
-            <a:avLst/>
-          </a:prstGeom>
-        </p:spPr>
-        <p:txBody>
-          <a:bodyPr lIns="0" rIns="0" tIns="0" bIns="0" anchor="ctr">
-            <a:noAutofit/>
-          </a:bodyPr>
-          <a:p>
-            <a:pPr algn="ctr"/>
-            <a:endParaRPr b="0" lang="en-GB" sz="4400" spc="-1" strike="noStrike">
-              <a:latin typeface="Arial"/>
-            </a:endParaRPr>
-          </a:p>
-        </p:txBody>
-      </p:sp>
-      <p:sp>
-        <p:nvSpPr>
-          <p:cNvPr id="96" name="PlaceHolder 2"/>
-          <p:cNvSpPr>
-            <a:spLocks noGrp="1"/>
-          </p:cNvSpPr>
-          <p:nvPr>
-            <p:ph type="body"/>
-          </p:nvPr>
-        </p:nvSpPr>
-        <p:spPr>
-          <a:xfrm>
-            <a:off x="628560" y="1370520"/>
-            <a:ext cx="3849120" cy="1558080"/>
-          </a:xfrm>
-          <a:prstGeom prst="rect">
-            <a:avLst/>
-          </a:prstGeom>
-        </p:spPr>
-        <p:txBody>
-          <a:bodyPr lIns="0" rIns="0" tIns="0" bIns="0">
-            <a:normAutofit/>
-          </a:bodyPr>
-          <a:p>
-            <a:endParaRPr b="0" lang="en-GB" sz="3200" spc="-1" strike="noStrike">
-              <a:latin typeface="Arial"/>
-            </a:endParaRPr>
-          </a:p>
-        </p:txBody>
-      </p:sp>
-      <p:sp>
-        <p:nvSpPr>
-          <p:cNvPr id="97" name="PlaceHolder 3"/>
-          <p:cNvSpPr>
-            <a:spLocks noGrp="1"/>
-          </p:cNvSpPr>
-          <p:nvPr>
-            <p:ph type="body"/>
-          </p:nvPr>
-        </p:nvSpPr>
-        <p:spPr>
-          <a:xfrm>
-            <a:off x="4670640" y="1370520"/>
-            <a:ext cx="3849120" cy="1558080"/>
-          </a:xfrm>
-          <a:prstGeom prst="rect">
-            <a:avLst/>
-          </a:prstGeom>
-        </p:spPr>
-        <p:txBody>
-          <a:bodyPr lIns="0" rIns="0" tIns="0" bIns="0">
-            <a:normAutofit/>
-          </a:bodyPr>
-          <a:p>
-            <a:endParaRPr b="0" lang="en-GB" sz="3200" spc="-1" strike="noStrike">
-              <a:latin typeface="Arial"/>
-            </a:endParaRPr>
-          </a:p>
-        </p:txBody>
-      </p:sp>
-      <p:sp>
-        <p:nvSpPr>
-          <p:cNvPr id="98" name="PlaceHolder 4"/>
-          <p:cNvSpPr>
-            <a:spLocks noGrp="1"/>
-          </p:cNvSpPr>
-          <p:nvPr>
-            <p:ph type="body"/>
-          </p:nvPr>
-        </p:nvSpPr>
-        <p:spPr>
-          <a:xfrm>
-            <a:off x="628560" y="3076920"/>
-            <a:ext cx="7887600" cy="1558080"/>
-          </a:xfrm>
-          <a:prstGeom prst="rect">
-            <a:avLst/>
-          </a:prstGeom>
-        </p:spPr>
-        <p:txBody>
-          <a:bodyPr lIns="0" rIns="0" tIns="0" bIns="0">
-            <a:normAutofit/>
-          </a:bodyPr>
-          <a:p>
-            <a:endParaRPr b="0" lang="en-GB" sz="3200" spc="-1" strike="noStrike">
-              <a:latin typeface="Arial"/>
-            </a:endParaRPr>
-          </a:p>
-        </p:txBody>
-      </p:sp>
-    </p:spTree>
-  </p:cSld>
-</p:sldLayout>
-</file>
-
-<file path=ppt/slideLayouts/slideLayout34.xml><?xml version="1.0" encoding="utf-8"?>
-<p:sldLayout xmlns:a="http://schemas.openxmlformats.org/drawingml/2006/main" xmlns:p="http://schemas.openxmlformats.org/presentationml/2006/main" xmlns:r="http://schemas.openxmlformats.org/officeDocument/2006/relationships" xmlns:p14="http://schemas.microsoft.com/office/powerpoint/2010/main" xmlns:p15="http://schemas.microsoft.com/office/powerpoint/2012/main" xmlns:mc="http://schemas.openxmlformats.org/markup-compatibility/2006" type="objOverTx" preserve="1">
-  <p:cSld name="Title, Content over Content">
-    <p:spTree>
-      <p:nvGrpSpPr>
-        <p:cNvPr id="1" name=""/>
-        <p:cNvGrpSpPr/>
-        <p:nvPr/>
-      </p:nvGrpSpPr>
-      <p:grpSpPr>
-        <a:xfrm>
-          <a:off x="0" y="0"/>
-          <a:ext cx="0" cy="0"/>
-          <a:chOff x="0" y="0"/>
-          <a:chExt cx="0" cy="0"/>
-        </a:xfrm>
-      </p:grpSpPr>
-      <p:sp>
-        <p:nvSpPr>
-          <p:cNvPr id="99" name="PlaceHolder 1"/>
-          <p:cNvSpPr>
-            <a:spLocks noGrp="1"/>
-          </p:cNvSpPr>
-          <p:nvPr>
-            <p:ph type="title"/>
-          </p:nvPr>
-        </p:nvSpPr>
-        <p:spPr>
-          <a:xfrm>
-            <a:off x="628560" y="273960"/>
-            <a:ext cx="7887600" cy="995040"/>
-          </a:xfrm>
-          <a:prstGeom prst="rect">
-            <a:avLst/>
-          </a:prstGeom>
-        </p:spPr>
-        <p:txBody>
-          <a:bodyPr lIns="0" rIns="0" tIns="0" bIns="0" anchor="ctr">
-            <a:noAutofit/>
-          </a:bodyPr>
-          <a:p>
-            <a:pPr algn="ctr"/>
-            <a:endParaRPr b="0" lang="en-GB" sz="4400" spc="-1" strike="noStrike">
-              <a:latin typeface="Arial"/>
-            </a:endParaRPr>
-          </a:p>
-        </p:txBody>
-      </p:sp>
-      <p:sp>
-        <p:nvSpPr>
-          <p:cNvPr id="100" name="PlaceHolder 2"/>
-          <p:cNvSpPr>
-            <a:spLocks noGrp="1"/>
-          </p:cNvSpPr>
-          <p:nvPr>
-            <p:ph type="body"/>
-          </p:nvPr>
-        </p:nvSpPr>
-        <p:spPr>
-          <a:xfrm>
-            <a:off x="628560" y="1370520"/>
-            <a:ext cx="7887600" cy="1558080"/>
-          </a:xfrm>
-          <a:prstGeom prst="rect">
-            <a:avLst/>
-          </a:prstGeom>
-        </p:spPr>
-        <p:txBody>
-          <a:bodyPr lIns="0" rIns="0" tIns="0" bIns="0">
-            <a:normAutofit/>
-          </a:bodyPr>
-          <a:p>
-            <a:endParaRPr b="0" lang="en-GB" sz="3200" spc="-1" strike="noStrike">
-              <a:latin typeface="Arial"/>
-            </a:endParaRPr>
-          </a:p>
-        </p:txBody>
-      </p:sp>
-      <p:sp>
-        <p:nvSpPr>
-          <p:cNvPr id="101" name="PlaceHolder 3"/>
-          <p:cNvSpPr>
-            <a:spLocks noGrp="1"/>
-          </p:cNvSpPr>
-          <p:nvPr>
-            <p:ph type="body"/>
-          </p:nvPr>
-        </p:nvSpPr>
-        <p:spPr>
-          <a:xfrm>
-            <a:off x="628560" y="3076920"/>
-            <a:ext cx="7887600" cy="1558080"/>
-          </a:xfrm>
-          <a:prstGeom prst="rect">
-            <a:avLst/>
-          </a:prstGeom>
-        </p:spPr>
-        <p:txBody>
-          <a:bodyPr lIns="0" rIns="0" tIns="0" bIns="0">
-            <a:normAutofit/>
-          </a:bodyPr>
-          <a:p>
-            <a:endParaRPr b="0" lang="en-GB" sz="3200" spc="-1" strike="noStrike">
-              <a:latin typeface="Arial"/>
-            </a:endParaRPr>
-          </a:p>
-        </p:txBody>
-      </p:sp>
-    </p:spTree>
-  </p:cSld>
-</p:sldLayout>
-</file>
-
-<file path=ppt/slideLayouts/slideLayout35.xml><?xml version="1.0" encoding="utf-8"?>
-<p:sldLayout xmlns:a="http://schemas.openxmlformats.org/drawingml/2006/main" xmlns:p="http://schemas.openxmlformats.org/presentationml/2006/main" xmlns:r="http://schemas.openxmlformats.org/officeDocument/2006/relationships" xmlns:p14="http://schemas.microsoft.com/office/powerpoint/2010/main" xmlns:p15="http://schemas.microsoft.com/office/powerpoint/2012/main" xmlns:mc="http://schemas.openxmlformats.org/markup-compatibility/2006" type="fourObj" preserve="1">
-  <p:cSld name="Title, 4 Content">
-    <p:spTree>
-      <p:nvGrpSpPr>
-        <p:cNvPr id="1" name=""/>
-        <p:cNvGrpSpPr/>
-        <p:nvPr/>
-      </p:nvGrpSpPr>
-      <p:grpSpPr>
-        <a:xfrm>
-          <a:off x="0" y="0"/>
-          <a:ext cx="0" cy="0"/>
-          <a:chOff x="0" y="0"/>
-          <a:chExt cx="0" cy="0"/>
-        </a:xfrm>
-      </p:grpSpPr>
-      <p:sp>
-        <p:nvSpPr>
-          <p:cNvPr id="102" name="PlaceHolder 1"/>
-          <p:cNvSpPr>
-            <a:spLocks noGrp="1"/>
-          </p:cNvSpPr>
-          <p:nvPr>
-            <p:ph type="title"/>
-          </p:nvPr>
-        </p:nvSpPr>
-        <p:spPr>
-          <a:xfrm>
-            <a:off x="628560" y="273960"/>
-            <a:ext cx="7887600" cy="995040"/>
-          </a:xfrm>
-          <a:prstGeom prst="rect">
-            <a:avLst/>
-          </a:prstGeom>
-        </p:spPr>
-        <p:txBody>
-          <a:bodyPr lIns="0" rIns="0" tIns="0" bIns="0" anchor="ctr">
-            <a:noAutofit/>
-          </a:bodyPr>
-          <a:p>
-            <a:pPr algn="ctr"/>
-            <a:endParaRPr b="0" lang="en-GB" sz="4400" spc="-1" strike="noStrike">
-              <a:latin typeface="Arial"/>
-            </a:endParaRPr>
-          </a:p>
-        </p:txBody>
-      </p:sp>
-      <p:sp>
-        <p:nvSpPr>
-          <p:cNvPr id="103" name="PlaceHolder 2"/>
-          <p:cNvSpPr>
-            <a:spLocks noGrp="1"/>
-          </p:cNvSpPr>
-          <p:nvPr>
-            <p:ph type="body"/>
-          </p:nvPr>
-        </p:nvSpPr>
-        <p:spPr>
-          <a:xfrm>
-            <a:off x="628560" y="1370520"/>
-            <a:ext cx="3849120" cy="1558080"/>
-          </a:xfrm>
-          <a:prstGeom prst="rect">
-            <a:avLst/>
-          </a:prstGeom>
-        </p:spPr>
-        <p:txBody>
-          <a:bodyPr lIns="0" rIns="0" tIns="0" bIns="0">
-            <a:normAutofit/>
-          </a:bodyPr>
-          <a:p>
-            <a:endParaRPr b="0" lang="en-GB" sz="3200" spc="-1" strike="noStrike">
-              <a:latin typeface="Arial"/>
-            </a:endParaRPr>
-          </a:p>
-        </p:txBody>
-      </p:sp>
-      <p:sp>
-        <p:nvSpPr>
-          <p:cNvPr id="104" name="PlaceHolder 3"/>
-          <p:cNvSpPr>
-            <a:spLocks noGrp="1"/>
-          </p:cNvSpPr>
-          <p:nvPr>
-            <p:ph type="body"/>
-          </p:nvPr>
-        </p:nvSpPr>
-        <p:spPr>
-          <a:xfrm>
-            <a:off x="4670640" y="1370520"/>
-            <a:ext cx="3849120" cy="1558080"/>
-          </a:xfrm>
-          <a:prstGeom prst="rect">
-            <a:avLst/>
-          </a:prstGeom>
-        </p:spPr>
-        <p:txBody>
-          <a:bodyPr lIns="0" rIns="0" tIns="0" bIns="0">
-            <a:normAutofit/>
-          </a:bodyPr>
-          <a:p>
-            <a:endParaRPr b="0" lang="en-GB" sz="3200" spc="-1" strike="noStrike">
-              <a:latin typeface="Arial"/>
-            </a:endParaRPr>
-          </a:p>
-        </p:txBody>
-      </p:sp>
-      <p:sp>
-        <p:nvSpPr>
-          <p:cNvPr id="105" name="PlaceHolder 4"/>
-          <p:cNvSpPr>
-            <a:spLocks noGrp="1"/>
-          </p:cNvSpPr>
-          <p:nvPr>
-            <p:ph type="body"/>
-          </p:nvPr>
-        </p:nvSpPr>
-        <p:spPr>
-          <a:xfrm>
-            <a:off x="628560" y="3076920"/>
-            <a:ext cx="3849120" cy="1558080"/>
-          </a:xfrm>
-          <a:prstGeom prst="rect">
-            <a:avLst/>
-          </a:prstGeom>
-        </p:spPr>
-        <p:txBody>
-          <a:bodyPr lIns="0" rIns="0" tIns="0" bIns="0">
-            <a:normAutofit/>
-          </a:bodyPr>
-          <a:p>
-            <a:endParaRPr b="0" lang="en-GB" sz="3200" spc="-1" strike="noStrike">
-              <a:latin typeface="Arial"/>
-            </a:endParaRPr>
-          </a:p>
-        </p:txBody>
-      </p:sp>
-      <p:sp>
-        <p:nvSpPr>
-          <p:cNvPr id="106" name="PlaceHolder 5"/>
-          <p:cNvSpPr>
-            <a:spLocks noGrp="1"/>
-          </p:cNvSpPr>
-          <p:nvPr>
-            <p:ph type="body"/>
-          </p:nvPr>
-        </p:nvSpPr>
-        <p:spPr>
-          <a:xfrm>
-            <a:off x="4670640" y="3076920"/>
-            <a:ext cx="3849120" cy="1558080"/>
-          </a:xfrm>
-          <a:prstGeom prst="rect">
-            <a:avLst/>
-          </a:prstGeom>
-        </p:spPr>
-        <p:txBody>
-          <a:bodyPr lIns="0" rIns="0" tIns="0" bIns="0">
-            <a:normAutofit/>
-          </a:bodyPr>
-          <a:p>
-            <a:endParaRPr b="0" lang="en-GB" sz="3200" spc="-1" strike="noStrike">
-              <a:latin typeface="Arial"/>
-            </a:endParaRPr>
-          </a:p>
-        </p:txBody>
-      </p:sp>
-    </p:spTree>
-  </p:cSld>
-</p:sldLayout>
-</file>
-
-<file path=ppt/slideLayouts/slideLayout36.xml><?xml version="1.0" encoding="utf-8"?>
-<p:sldLayout xmlns:a="http://schemas.openxmlformats.org/drawingml/2006/main" xmlns:p="http://schemas.openxmlformats.org/presentationml/2006/main" xmlns:r="http://schemas.openxmlformats.org/officeDocument/2006/relationships" xmlns:p14="http://schemas.microsoft.com/office/powerpoint/2010/main" xmlns:p15="http://schemas.microsoft.com/office/powerpoint/2012/main" xmlns:mc="http://schemas.openxmlformats.org/markup-compatibility/2006" type="blank" preserve="1">
-  <p:cSld name="Title, 6 Content">
-    <p:spTree>
-      <p:nvGrpSpPr>
-        <p:cNvPr id="1" name=""/>
-        <p:cNvGrpSpPr/>
-        <p:nvPr/>
-      </p:nvGrpSpPr>
-      <p:grpSpPr>
-        <a:xfrm>
-          <a:off x="0" y="0"/>
-          <a:ext cx="0" cy="0"/>
-          <a:chOff x="0" y="0"/>
-          <a:chExt cx="0" cy="0"/>
-        </a:xfrm>
-      </p:grpSpPr>
-      <p:sp>
-        <p:nvSpPr>
-          <p:cNvPr id="107" name="PlaceHolder 1"/>
-          <p:cNvSpPr>
-            <a:spLocks noGrp="1"/>
-          </p:cNvSpPr>
-          <p:nvPr>
-            <p:ph type="title"/>
-          </p:nvPr>
-        </p:nvSpPr>
-        <p:spPr>
-          <a:xfrm>
-            <a:off x="628560" y="273960"/>
-            <a:ext cx="7887600" cy="995040"/>
-          </a:xfrm>
-          <a:prstGeom prst="rect">
-            <a:avLst/>
-          </a:prstGeom>
-        </p:spPr>
-        <p:txBody>
-          <a:bodyPr lIns="0" rIns="0" tIns="0" bIns="0" anchor="ctr">
-            <a:noAutofit/>
-          </a:bodyPr>
-          <a:p>
-            <a:pPr algn="ctr"/>
-            <a:endParaRPr b="0" lang="en-GB" sz="4400" spc="-1" strike="noStrike">
-              <a:latin typeface="Arial"/>
-            </a:endParaRPr>
-          </a:p>
-        </p:txBody>
-      </p:sp>
-      <p:sp>
-        <p:nvSpPr>
-          <p:cNvPr id="108" name="PlaceHolder 2"/>
-          <p:cNvSpPr>
-            <a:spLocks noGrp="1"/>
-          </p:cNvSpPr>
-          <p:nvPr>
-            <p:ph type="body"/>
-          </p:nvPr>
-        </p:nvSpPr>
-        <p:spPr>
-          <a:xfrm>
-            <a:off x="628560" y="1370520"/>
-            <a:ext cx="2539440" cy="1558080"/>
-          </a:xfrm>
-          <a:prstGeom prst="rect">
-            <a:avLst/>
-          </a:prstGeom>
-        </p:spPr>
-        <p:txBody>
-          <a:bodyPr lIns="0" rIns="0" tIns="0" bIns="0">
-            <a:normAutofit/>
-          </a:bodyPr>
-          <a:p>
-            <a:endParaRPr b="0" lang="en-GB" sz="3200" spc="-1" strike="noStrike">
-              <a:latin typeface="Arial"/>
-            </a:endParaRPr>
-          </a:p>
-        </p:txBody>
-      </p:sp>
-      <p:sp>
-        <p:nvSpPr>
-          <p:cNvPr id="109" name="PlaceHolder 3"/>
-          <p:cNvSpPr>
-            <a:spLocks noGrp="1"/>
-          </p:cNvSpPr>
-          <p:nvPr>
-            <p:ph type="body"/>
-          </p:nvPr>
-        </p:nvSpPr>
-        <p:spPr>
-          <a:xfrm>
-            <a:off x="3295440" y="1370520"/>
-            <a:ext cx="2539440" cy="1558080"/>
-          </a:xfrm>
-          <a:prstGeom prst="rect">
-            <a:avLst/>
-          </a:prstGeom>
-        </p:spPr>
-        <p:txBody>
-          <a:bodyPr lIns="0" rIns="0" tIns="0" bIns="0">
-            <a:normAutofit/>
-          </a:bodyPr>
-          <a:p>
-            <a:endParaRPr b="0" lang="en-GB" sz="3200" spc="-1" strike="noStrike">
-              <a:latin typeface="Arial"/>
-            </a:endParaRPr>
-          </a:p>
-        </p:txBody>
-      </p:sp>
-      <p:sp>
-        <p:nvSpPr>
-          <p:cNvPr id="110" name="PlaceHolder 4"/>
-          <p:cNvSpPr>
-            <a:spLocks noGrp="1"/>
-          </p:cNvSpPr>
-          <p:nvPr>
-            <p:ph type="body"/>
-          </p:nvPr>
-        </p:nvSpPr>
-        <p:spPr>
-          <a:xfrm>
-            <a:off x="5962320" y="1370520"/>
-            <a:ext cx="2539440" cy="1558080"/>
-          </a:xfrm>
-          <a:prstGeom prst="rect">
-            <a:avLst/>
-          </a:prstGeom>
-        </p:spPr>
-        <p:txBody>
-          <a:bodyPr lIns="0" rIns="0" tIns="0" bIns="0">
-            <a:normAutofit/>
-          </a:bodyPr>
-          <a:p>
-            <a:endParaRPr b="0" lang="en-GB" sz="3200" spc="-1" strike="noStrike">
-              <a:latin typeface="Arial"/>
-            </a:endParaRPr>
-          </a:p>
-        </p:txBody>
-      </p:sp>
-      <p:sp>
-        <p:nvSpPr>
-          <p:cNvPr id="111" name="PlaceHolder 5"/>
-          <p:cNvSpPr>
-            <a:spLocks noGrp="1"/>
-          </p:cNvSpPr>
-          <p:nvPr>
-            <p:ph type="body"/>
-          </p:nvPr>
-        </p:nvSpPr>
-        <p:spPr>
-          <a:xfrm>
-            <a:off x="628560" y="3076920"/>
-            <a:ext cx="2539440" cy="1558080"/>
-          </a:xfrm>
-          <a:prstGeom prst="rect">
-            <a:avLst/>
-          </a:prstGeom>
-        </p:spPr>
-        <p:txBody>
-          <a:bodyPr lIns="0" rIns="0" tIns="0" bIns="0">
-            <a:normAutofit/>
-          </a:bodyPr>
-          <a:p>
-            <a:endParaRPr b="0" lang="en-GB" sz="3200" spc="-1" strike="noStrike">
-              <a:latin typeface="Arial"/>
-            </a:endParaRPr>
-          </a:p>
-        </p:txBody>
-      </p:sp>
-      <p:sp>
-        <p:nvSpPr>
-          <p:cNvPr id="112" name="PlaceHolder 6"/>
-          <p:cNvSpPr>
-            <a:spLocks noGrp="1"/>
-          </p:cNvSpPr>
-          <p:nvPr>
-            <p:ph type="body"/>
-          </p:nvPr>
-        </p:nvSpPr>
-        <p:spPr>
-          <a:xfrm>
-            <a:off x="3295440" y="3076920"/>
-            <a:ext cx="2539440" cy="1558080"/>
-          </a:xfrm>
-          <a:prstGeom prst="rect">
-            <a:avLst/>
-          </a:prstGeom>
-        </p:spPr>
-        <p:txBody>
-          <a:bodyPr lIns="0" rIns="0" tIns="0" bIns="0">
-            <a:normAutofit/>
-          </a:bodyPr>
-          <a:p>
-            <a:endParaRPr b="0" lang="en-GB" sz="3200" spc="-1" strike="noStrike">
-              <a:latin typeface="Arial"/>
-            </a:endParaRPr>
-          </a:p>
-        </p:txBody>
-      </p:sp>
-      <p:sp>
-        <p:nvSpPr>
-          <p:cNvPr id="113" name="PlaceHolder 7"/>
-          <p:cNvSpPr>
-            <a:spLocks noGrp="1"/>
-          </p:cNvSpPr>
-          <p:nvPr>
-            <p:ph type="body"/>
-          </p:nvPr>
-        </p:nvSpPr>
-        <p:spPr>
-          <a:xfrm>
-            <a:off x="5962320" y="3076920"/>
-            <a:ext cx="2539440" cy="1558080"/>
+            <a:off x="457200" y="1204560"/>
+            <a:ext cx="8229240" cy="2985480"/>
           </a:xfrm>
           <a:prstGeom prst="rect">
             <a:avLst/>
@@ -3500,8 +2143,8 @@
         </p:nvSpPr>
         <p:spPr>
           <a:xfrm>
-            <a:off x="628560" y="273960"/>
-            <a:ext cx="7887600" cy="995040"/>
+            <a:off x="457200" y="205200"/>
+            <a:ext cx="8229240" cy="859320"/>
           </a:xfrm>
           <a:prstGeom prst="rect">
             <a:avLst/>
@@ -3531,8 +2174,8 @@
         </p:nvSpPr>
         <p:spPr>
           <a:xfrm>
-            <a:off x="628560" y="1370520"/>
-            <a:ext cx="3849120" cy="3266640"/>
+            <a:off x="457200" y="1204560"/>
+            <a:ext cx="4015800" cy="2985480"/>
           </a:xfrm>
           <a:prstGeom prst="rect">
             <a:avLst/>
@@ -3561,8 +2204,8 @@
         </p:nvSpPr>
         <p:spPr>
           <a:xfrm>
-            <a:off x="4670640" y="1370520"/>
-            <a:ext cx="3849120" cy="3266640"/>
+            <a:off x="4674240" y="1204560"/>
+            <a:ext cx="4015800" cy="2985480"/>
           </a:xfrm>
           <a:prstGeom prst="rect">
             <a:avLst/>
@@ -3613,8 +2256,8 @@
         </p:nvSpPr>
         <p:spPr>
           <a:xfrm>
-            <a:off x="628560" y="273960"/>
-            <a:ext cx="7887600" cy="995040"/>
+            <a:off x="457200" y="205200"/>
+            <a:ext cx="8229240" cy="859320"/>
           </a:xfrm>
           <a:prstGeom prst="rect">
             <a:avLst/>
@@ -3666,8 +2309,8 @@
         </p:nvSpPr>
         <p:spPr>
           <a:xfrm>
-            <a:off x="628560" y="273960"/>
-            <a:ext cx="7887600" cy="4613760"/>
+            <a:off x="457200" y="205200"/>
+            <a:ext cx="8229240" cy="3984480"/>
           </a:xfrm>
           <a:prstGeom prst="rect">
             <a:avLst/>
@@ -3719,8 +2362,8 @@
         </p:nvSpPr>
         <p:spPr>
           <a:xfrm>
-            <a:off x="628560" y="273960"/>
-            <a:ext cx="7887600" cy="995040"/>
+            <a:off x="457200" y="205200"/>
+            <a:ext cx="8229240" cy="859320"/>
           </a:xfrm>
           <a:prstGeom prst="rect">
             <a:avLst/>
@@ -3750,8 +2393,8 @@
         </p:nvSpPr>
         <p:spPr>
           <a:xfrm>
-            <a:off x="628560" y="1370520"/>
-            <a:ext cx="3849120" cy="1558080"/>
+            <a:off x="457200" y="1204560"/>
+            <a:ext cx="4015800" cy="1423800"/>
           </a:xfrm>
           <a:prstGeom prst="rect">
             <a:avLst/>
@@ -3780,8 +2423,8 @@
         </p:nvSpPr>
         <p:spPr>
           <a:xfrm>
-            <a:off x="4670640" y="1370520"/>
-            <a:ext cx="3849120" cy="3266640"/>
+            <a:off x="4674240" y="1204560"/>
+            <a:ext cx="4015800" cy="2985480"/>
           </a:xfrm>
           <a:prstGeom prst="rect">
             <a:avLst/>
@@ -3810,8 +2453,8 @@
         </p:nvSpPr>
         <p:spPr>
           <a:xfrm>
-            <a:off x="628560" y="3076920"/>
-            <a:ext cx="3849120" cy="1558080"/>
+            <a:off x="457200" y="2764080"/>
+            <a:ext cx="4015800" cy="1423800"/>
           </a:xfrm>
           <a:prstGeom prst="rect">
             <a:avLst/>
@@ -3862,8 +2505,8 @@
         </p:nvSpPr>
         <p:spPr>
           <a:xfrm>
-            <a:off x="628560" y="273960"/>
-            <a:ext cx="7887600" cy="995040"/>
+            <a:off x="457200" y="205200"/>
+            <a:ext cx="8229240" cy="859320"/>
           </a:xfrm>
           <a:prstGeom prst="rect">
             <a:avLst/>
@@ -3893,8 +2536,8 @@
         </p:nvSpPr>
         <p:spPr>
           <a:xfrm>
-            <a:off x="628560" y="1370520"/>
-            <a:ext cx="3849120" cy="3266640"/>
+            <a:off x="457200" y="1204560"/>
+            <a:ext cx="4015800" cy="2985480"/>
           </a:xfrm>
           <a:prstGeom prst="rect">
             <a:avLst/>
@@ -3923,8 +2566,8 @@
         </p:nvSpPr>
         <p:spPr>
           <a:xfrm>
-            <a:off x="4670640" y="1370520"/>
-            <a:ext cx="3849120" cy="1558080"/>
+            <a:off x="4674240" y="1204560"/>
+            <a:ext cx="4015800" cy="1423800"/>
           </a:xfrm>
           <a:prstGeom prst="rect">
             <a:avLst/>
@@ -3953,8 +2596,8 @@
         </p:nvSpPr>
         <p:spPr>
           <a:xfrm>
-            <a:off x="4670640" y="3076920"/>
-            <a:ext cx="3849120" cy="1558080"/>
+            <a:off x="4674240" y="2764080"/>
+            <a:ext cx="4015800" cy="1423800"/>
           </a:xfrm>
           <a:prstGeom prst="rect">
             <a:avLst/>
@@ -4005,8 +2648,8 @@
         </p:nvSpPr>
         <p:spPr>
           <a:xfrm>
-            <a:off x="628560" y="273960"/>
-            <a:ext cx="7887600" cy="995040"/>
+            <a:off x="457200" y="205200"/>
+            <a:ext cx="8229240" cy="859320"/>
           </a:xfrm>
           <a:prstGeom prst="rect">
             <a:avLst/>
@@ -4036,8 +2679,8 @@
         </p:nvSpPr>
         <p:spPr>
           <a:xfrm>
-            <a:off x="628560" y="1370520"/>
-            <a:ext cx="3849120" cy="1558080"/>
+            <a:off x="457200" y="1204560"/>
+            <a:ext cx="4015800" cy="1423800"/>
           </a:xfrm>
           <a:prstGeom prst="rect">
             <a:avLst/>
@@ -4066,8 +2709,8 @@
         </p:nvSpPr>
         <p:spPr>
           <a:xfrm>
-            <a:off x="4670640" y="1370520"/>
-            <a:ext cx="3849120" cy="1558080"/>
+            <a:off x="4674240" y="1204560"/>
+            <a:ext cx="4015800" cy="1423800"/>
           </a:xfrm>
           <a:prstGeom prst="rect">
             <a:avLst/>
@@ -4096,8 +2739,8 @@
         </p:nvSpPr>
         <p:spPr>
           <a:xfrm>
-            <a:off x="628560" y="3076920"/>
-            <a:ext cx="7887600" cy="1558080"/>
+            <a:off x="457200" y="2764080"/>
+            <a:ext cx="8229240" cy="1423800"/>
           </a:xfrm>
           <a:prstGeom prst="rect">
             <a:avLst/>
@@ -4155,34 +2798,26 @@
         </p:nvSpPr>
         <p:spPr>
           <a:xfrm>
-            <a:off x="1143000" y="842400"/>
-            <a:ext cx="6858000" cy="1792440"/>
-          </a:xfrm>
-          <a:prstGeom prst="rect">
-            <a:avLst/>
-          </a:prstGeom>
-        </p:spPr>
-        <p:txBody>
-          <a:bodyPr anchor="b">
+            <a:off x="628560" y="273960"/>
+            <a:ext cx="7886880" cy="994320"/>
+          </a:xfrm>
+          <a:prstGeom prst="rect">
+            <a:avLst/>
+          </a:prstGeom>
+        </p:spPr>
+        <p:txBody>
+          <a:bodyPr lIns="0" rIns="0" tIns="0" bIns="0" anchor="ctr">
             <a:noAutofit/>
           </a:bodyPr>
           <a:p>
-            <a:pPr algn="ctr">
-              <a:lnSpc>
-                <a:spcPct val="90000"/>
-              </a:lnSpc>
-            </a:pPr>
+            <a:pPr algn="ctr"/>
             <a:r>
-              <a:rPr b="0" lang="en-GB" sz="6000" spc="-1" strike="noStrike">
-                <a:solidFill>
-                  <a:srgbClr val="000000"/>
-                </a:solidFill>
+              <a:rPr b="0" lang="en-GB" sz="1800" spc="-1" strike="noStrike">
                 <a:latin typeface="Arial"/>
-                <a:ea typeface="Arial"/>
               </a:rPr>
-              <a:t>Click to edit Master title style</a:t>
+              <a:t>Click to edit the title text format</a:t>
             </a:r>
-            <a:endParaRPr b="0" lang="en-GB" sz="6000" spc="-1" strike="noStrike">
+            <a:endParaRPr b="0" lang="en-GB" sz="1800" spc="-1" strike="noStrike">
               <a:latin typeface="Arial"/>
             </a:endParaRPr>
           </a:p>
@@ -4200,8 +2835,8 @@
         </p:nvSpPr>
         <p:spPr>
           <a:xfrm>
-            <a:off x="457200" y="1204560"/>
-            <a:ext cx="8229240" cy="2985480"/>
+            <a:off x="628560" y="1370520"/>
+            <a:ext cx="7886880" cy="3265920"/>
           </a:xfrm>
           <a:prstGeom prst="rect">
             <a:avLst/>
@@ -4212,7 +2847,7 @@
             <a:normAutofit/>
           </a:bodyPr>
           <a:p>
-            <a:pPr marL="432000" indent="-324000">
+            <a:pPr marL="432000" indent="-324000" algn="ctr">
               <a:spcBef>
                 <a:spcPts val="1417"/>
               </a:spcBef>
@@ -4224,17 +2859,17 @@
               <a:buChar char=""/>
             </a:pPr>
             <a:r>
-              <a:rPr b="0" lang="en-GB" sz="3200" spc="-1" strike="noStrike">
+              <a:rPr b="0" lang="en-GB" sz="1800" spc="-1" strike="noStrike">
                 <a:latin typeface="Arial"/>
               </a:rPr>
               <a:t>Click to edit the outline text format</a:t>
             </a:r>
-            <a:endParaRPr b="0" lang="en-GB" sz="3200" spc="-1" strike="noStrike">
-              <a:latin typeface="Arial"/>
-            </a:endParaRPr>
-          </a:p>
-          <a:p>
-            <a:pPr lvl="1" marL="864000" indent="-324000">
+            <a:endParaRPr b="0" lang="en-GB" sz="1800" spc="-1" strike="noStrike">
+              <a:latin typeface="Arial"/>
+            </a:endParaRPr>
+          </a:p>
+          <a:p>
+            <a:pPr lvl="1" marL="864000" indent="-324000" algn="ctr">
               <a:spcBef>
                 <a:spcPts val="1134"/>
               </a:spcBef>
@@ -4246,17 +2881,17 @@
               <a:buChar char=""/>
             </a:pPr>
             <a:r>
-              <a:rPr b="0" lang="en-GB" sz="2800" spc="-1" strike="noStrike">
+              <a:rPr b="0" lang="en-GB" sz="1800" spc="-1" strike="noStrike">
                 <a:latin typeface="Arial"/>
               </a:rPr>
               <a:t>Second Outline Level</a:t>
             </a:r>
-            <a:endParaRPr b="0" lang="en-GB" sz="2800" spc="-1" strike="noStrike">
-              <a:latin typeface="Arial"/>
-            </a:endParaRPr>
-          </a:p>
-          <a:p>
-            <a:pPr lvl="2" marL="1296000" indent="-288000">
+            <a:endParaRPr b="0" lang="en-GB" sz="1800" spc="-1" strike="noStrike">
+              <a:latin typeface="Arial"/>
+            </a:endParaRPr>
+          </a:p>
+          <a:p>
+            <a:pPr lvl="2" marL="1296000" indent="-288000" algn="ctr">
               <a:spcBef>
                 <a:spcPts val="850"/>
               </a:spcBef>
@@ -4268,17 +2903,17 @@
               <a:buChar char=""/>
             </a:pPr>
             <a:r>
-              <a:rPr b="0" lang="en-GB" sz="2400" spc="-1" strike="noStrike">
+              <a:rPr b="0" lang="en-GB" sz="1800" spc="-1" strike="noStrike">
                 <a:latin typeface="Arial"/>
               </a:rPr>
               <a:t>Third Outline Level</a:t>
             </a:r>
-            <a:endParaRPr b="0" lang="en-GB" sz="2400" spc="-1" strike="noStrike">
-              <a:latin typeface="Arial"/>
-            </a:endParaRPr>
-          </a:p>
-          <a:p>
-            <a:pPr lvl="3" marL="1728000" indent="-216000">
+            <a:endParaRPr b="0" lang="en-GB" sz="1800" spc="-1" strike="noStrike">
+              <a:latin typeface="Arial"/>
+            </a:endParaRPr>
+          </a:p>
+          <a:p>
+            <a:pPr lvl="3" marL="1728000" indent="-216000" algn="ctr">
               <a:spcBef>
                 <a:spcPts val="567"/>
               </a:spcBef>
@@ -4290,17 +2925,17 @@
               <a:buChar char=""/>
             </a:pPr>
             <a:r>
-              <a:rPr b="0" lang="en-GB" sz="2000" spc="-1" strike="noStrike">
+              <a:rPr b="0" lang="en-GB" sz="1800" spc="-1" strike="noStrike">
                 <a:latin typeface="Arial"/>
               </a:rPr>
               <a:t>Fourth Outline Level</a:t>
             </a:r>
-            <a:endParaRPr b="0" lang="en-GB" sz="2000" spc="-1" strike="noStrike">
-              <a:latin typeface="Arial"/>
-            </a:endParaRPr>
-          </a:p>
-          <a:p>
-            <a:pPr lvl="4" marL="2160000" indent="-216000">
+            <a:endParaRPr b="0" lang="en-GB" sz="1800" spc="-1" strike="noStrike">
+              <a:latin typeface="Arial"/>
+            </a:endParaRPr>
+          </a:p>
+          <a:p>
+            <a:pPr lvl="4" marL="2160000" indent="-216000" algn="ctr">
               <a:spcBef>
                 <a:spcPts val="283"/>
               </a:spcBef>
@@ -4312,17 +2947,17 @@
               <a:buChar char=""/>
             </a:pPr>
             <a:r>
-              <a:rPr b="0" lang="en-GB" sz="2000" spc="-1" strike="noStrike">
+              <a:rPr b="0" lang="en-GB" sz="1800" spc="-1" strike="noStrike">
                 <a:latin typeface="Arial"/>
               </a:rPr>
               <a:t>Fifth Outline Level</a:t>
             </a:r>
-            <a:endParaRPr b="0" lang="en-GB" sz="2000" spc="-1" strike="noStrike">
-              <a:latin typeface="Arial"/>
-            </a:endParaRPr>
-          </a:p>
-          <a:p>
-            <a:pPr lvl="5" marL="2592000" indent="-216000">
+            <a:endParaRPr b="0" lang="en-GB" sz="1800" spc="-1" strike="noStrike">
+              <a:latin typeface="Arial"/>
+            </a:endParaRPr>
+          </a:p>
+          <a:p>
+            <a:pPr lvl="5" marL="2592000" indent="-216000" algn="ctr">
               <a:spcBef>
                 <a:spcPts val="283"/>
               </a:spcBef>
@@ -4334,17 +2969,17 @@
               <a:buChar char=""/>
             </a:pPr>
             <a:r>
-              <a:rPr b="0" lang="en-GB" sz="2000" spc="-1" strike="noStrike">
+              <a:rPr b="0" lang="en-GB" sz="1800" spc="-1" strike="noStrike">
                 <a:latin typeface="Arial"/>
               </a:rPr>
               <a:t>Sixth Outline Level</a:t>
             </a:r>
-            <a:endParaRPr b="0" lang="en-GB" sz="2000" spc="-1" strike="noStrike">
-              <a:latin typeface="Arial"/>
-            </a:endParaRPr>
-          </a:p>
-          <a:p>
-            <a:pPr lvl="6" marL="3024000" indent="-216000">
+            <a:endParaRPr b="0" lang="en-GB" sz="1800" spc="-1" strike="noStrike">
+              <a:latin typeface="Arial"/>
+            </a:endParaRPr>
+          </a:p>
+          <a:p>
+            <a:pPr lvl="6" marL="3024000" indent="-216000" algn="ctr">
               <a:spcBef>
                 <a:spcPts val="283"/>
               </a:spcBef>
@@ -4356,12 +2991,12 @@
               <a:buChar char=""/>
             </a:pPr>
             <a:r>
-              <a:rPr b="0" lang="en-GB" sz="2000" spc="-1" strike="noStrike">
+              <a:rPr b="0" lang="en-GB" sz="1800" spc="-1" strike="noStrike">
                 <a:latin typeface="Arial"/>
               </a:rPr>
               <a:t>Seventh Outline Level</a:t>
             </a:r>
-            <a:endParaRPr b="0" lang="en-GB" sz="2000" spc="-1" strike="noStrike">
+            <a:endParaRPr b="0" lang="en-GB" sz="1800" spc="-1" strike="noStrike">
               <a:latin typeface="Arial"/>
             </a:endParaRPr>
           </a:p>
@@ -4423,265 +3058,6 @@
         </p:nvSpPr>
         <p:spPr>
           <a:xfrm>
-            <a:off x="628560" y="273960"/>
-            <a:ext cx="7887600" cy="995040"/>
-          </a:xfrm>
-          <a:prstGeom prst="rect">
-            <a:avLst/>
-          </a:prstGeom>
-        </p:spPr>
-        <p:txBody>
-          <a:bodyPr anchor="ctr">
-            <a:noAutofit/>
-          </a:bodyPr>
-          <a:p>
-            <a:pPr>
-              <a:lnSpc>
-                <a:spcPct val="90000"/>
-              </a:lnSpc>
-            </a:pPr>
-            <a:r>
-              <a:rPr b="0" lang="en-GB" sz="4400" spc="-1" strike="noStrike">
-                <a:solidFill>
-                  <a:srgbClr val="000000"/>
-                </a:solidFill>
-                <a:latin typeface="Arial"/>
-                <a:ea typeface="Arial"/>
-              </a:rPr>
-              <a:t>Click to edit Master title style</a:t>
-            </a:r>
-            <a:endParaRPr b="0" lang="en-GB" sz="4400" spc="-1" strike="noStrike">
-              <a:latin typeface="Arial"/>
-            </a:endParaRPr>
-          </a:p>
-        </p:txBody>
-      </p:sp>
-      <p:sp>
-        <p:nvSpPr>
-          <p:cNvPr id="39" name="PlaceHolder 2"/>
-          <p:cNvSpPr>
-            <a:spLocks noGrp="1"/>
-          </p:cNvSpPr>
-          <p:nvPr>
-            <p:ph type="body"/>
-          </p:nvPr>
-        </p:nvSpPr>
-        <p:spPr>
-          <a:xfrm>
-            <a:off x="628560" y="1370520"/>
-            <a:ext cx="7887600" cy="3266640"/>
-          </a:xfrm>
-          <a:prstGeom prst="rect">
-            <a:avLst/>
-          </a:prstGeom>
-        </p:spPr>
-        <p:txBody>
-          <a:bodyPr>
-            <a:normAutofit/>
-          </a:bodyPr>
-          <a:p>
-            <a:pPr marL="228600" indent="-228600">
-              <a:lnSpc>
-                <a:spcPct val="90000"/>
-              </a:lnSpc>
-              <a:spcBef>
-                <a:spcPts val="1001"/>
-              </a:spcBef>
-              <a:buClr>
-                <a:srgbClr val="000000"/>
-              </a:buClr>
-              <a:buSzPct val="45000"/>
-              <a:buFont typeface="Wingdings" charset="2"/>
-              <a:buChar char=""/>
-            </a:pPr>
-            <a:r>
-              <a:rPr b="0" lang="en-GB" sz="2800" spc="-1" strike="noStrike">
-                <a:solidFill>
-                  <a:srgbClr val="000000"/>
-                </a:solidFill>
-                <a:latin typeface="Arial"/>
-                <a:ea typeface="Arial"/>
-              </a:rPr>
-              <a:t>Click to edit Master text styles</a:t>
-            </a:r>
-            <a:endParaRPr b="0" lang="en-GB" sz="2800" spc="-1" strike="noStrike">
-              <a:latin typeface="Arial"/>
-            </a:endParaRPr>
-          </a:p>
-          <a:p>
-            <a:pPr lvl="1" marL="685800" indent="-228600">
-              <a:lnSpc>
-                <a:spcPct val="90000"/>
-              </a:lnSpc>
-              <a:spcBef>
-                <a:spcPts val="499"/>
-              </a:spcBef>
-              <a:buClr>
-                <a:srgbClr val="000000"/>
-              </a:buClr>
-              <a:buSzPct val="75000"/>
-              <a:buFont typeface="Symbol" charset="2"/>
-              <a:buChar char=""/>
-            </a:pPr>
-            <a:r>
-              <a:rPr b="0" lang="en-GB" sz="2400" spc="-1" strike="noStrike">
-                <a:solidFill>
-                  <a:srgbClr val="000000"/>
-                </a:solidFill>
-                <a:latin typeface="Arial"/>
-                <a:ea typeface="Arial"/>
-              </a:rPr>
-              <a:t>Second level</a:t>
-            </a:r>
-            <a:endParaRPr b="0" lang="en-GB" sz="2400" spc="-1" strike="noStrike">
-              <a:latin typeface="Arial"/>
-            </a:endParaRPr>
-          </a:p>
-          <a:p>
-            <a:pPr lvl="2" marL="1143000" indent="-228600">
-              <a:lnSpc>
-                <a:spcPct val="90000"/>
-              </a:lnSpc>
-              <a:spcBef>
-                <a:spcPts val="499"/>
-              </a:spcBef>
-              <a:buClr>
-                <a:srgbClr val="000000"/>
-              </a:buClr>
-              <a:buSzPct val="45000"/>
-              <a:buFont typeface="Wingdings" charset="2"/>
-              <a:buChar char=""/>
-            </a:pPr>
-            <a:r>
-              <a:rPr b="0" lang="en-GB" sz="2000" spc="-1" strike="noStrike">
-                <a:solidFill>
-                  <a:srgbClr val="000000"/>
-                </a:solidFill>
-                <a:latin typeface="Arial"/>
-                <a:ea typeface="Arial"/>
-              </a:rPr>
-              <a:t>Third level</a:t>
-            </a:r>
-            <a:endParaRPr b="0" lang="en-GB" sz="2000" spc="-1" strike="noStrike">
-              <a:latin typeface="Arial"/>
-            </a:endParaRPr>
-          </a:p>
-          <a:p>
-            <a:pPr lvl="3" marL="1600200" indent="-228600">
-              <a:lnSpc>
-                <a:spcPct val="90000"/>
-              </a:lnSpc>
-              <a:spcBef>
-                <a:spcPts val="499"/>
-              </a:spcBef>
-              <a:buClr>
-                <a:srgbClr val="000000"/>
-              </a:buClr>
-              <a:buSzPct val="75000"/>
-              <a:buFont typeface="Symbol" charset="2"/>
-              <a:buChar char=""/>
-            </a:pPr>
-            <a:r>
-              <a:rPr b="0" lang="en-GB" sz="1800" spc="-1" strike="noStrike">
-                <a:solidFill>
-                  <a:srgbClr val="000000"/>
-                </a:solidFill>
-                <a:latin typeface="Arial"/>
-                <a:ea typeface="Arial"/>
-              </a:rPr>
-              <a:t>Fourth level</a:t>
-            </a:r>
-            <a:endParaRPr b="0" lang="en-GB" sz="1800" spc="-1" strike="noStrike">
-              <a:latin typeface="Arial"/>
-            </a:endParaRPr>
-          </a:p>
-          <a:p>
-            <a:pPr lvl="4" marL="2057400" indent="-228600">
-              <a:lnSpc>
-                <a:spcPct val="90000"/>
-              </a:lnSpc>
-              <a:spcBef>
-                <a:spcPts val="499"/>
-              </a:spcBef>
-              <a:buClr>
-                <a:srgbClr val="000000"/>
-              </a:buClr>
-              <a:buSzPct val="45000"/>
-              <a:buFont typeface="Wingdings" charset="2"/>
-              <a:buChar char=""/>
-            </a:pPr>
-            <a:r>
-              <a:rPr b="0" lang="en-GB" sz="1800" spc="-1" strike="noStrike">
-                <a:solidFill>
-                  <a:srgbClr val="000000"/>
-                </a:solidFill>
-                <a:latin typeface="Arial"/>
-                <a:ea typeface="Arial"/>
-              </a:rPr>
-              <a:t>Fifth level</a:t>
-            </a:r>
-            <a:endParaRPr b="0" lang="en-GB" sz="1800" spc="-1" strike="noStrike">
-              <a:latin typeface="Arial"/>
-            </a:endParaRPr>
-          </a:p>
-        </p:txBody>
-      </p:sp>
-    </p:spTree>
-  </p:cSld>
-  <p:clrMap bg1="lt1" bg2="lt2" tx1="dk1" tx2="dk2" accent1="accent1" accent2="accent2" accent3="accent3" accent4="accent4" accent5="accent5" accent6="accent6" hlink="hlink" folHlink="folHlink"/>
-  <p:sldLayoutIdLst>
-    <p:sldLayoutId id="2147483662" r:id="rId2"/>
-    <p:sldLayoutId id="2147483663" r:id="rId3"/>
-    <p:sldLayoutId id="2147483664" r:id="rId4"/>
-    <p:sldLayoutId id="2147483665" r:id="rId5"/>
-    <p:sldLayoutId id="2147483666" r:id="rId6"/>
-    <p:sldLayoutId id="2147483667" r:id="rId7"/>
-    <p:sldLayoutId id="2147483668" r:id="rId8"/>
-    <p:sldLayoutId id="2147483669" r:id="rId9"/>
-    <p:sldLayoutId id="2147483670" r:id="rId10"/>
-    <p:sldLayoutId id="2147483671" r:id="rId11"/>
-    <p:sldLayoutId id="2147483672" r:id="rId12"/>
-    <p:sldLayoutId id="2147483673" r:id="rId13"/>
-  </p:sldLayoutIdLst>
-</p:sldMaster>
-</file>
-
-<file path=ppt/slideMasters/slideMaster3.xml><?xml version="1.0" encoding="utf-8"?>
-<p:sldMaster xmlns:a="http://schemas.openxmlformats.org/drawingml/2006/main" xmlns:p="http://schemas.openxmlformats.org/presentationml/2006/main" xmlns:r="http://schemas.openxmlformats.org/officeDocument/2006/relationships" xmlns:p14="http://schemas.microsoft.com/office/powerpoint/2010/main" xmlns:p15="http://schemas.microsoft.com/office/powerpoint/2012/main" xmlns:mc="http://schemas.openxmlformats.org/markup-compatibility/2006">
-  <p:cSld>
-    <p:bg>
-      <p:bgPr>
-        <a:solidFill>
-          <a:srgbClr val="ffffff"/>
-        </a:solidFill>
-      </p:bgPr>
-    </p:bg>
-    <p:spTree>
-      <p:nvGrpSpPr>
-        <p:cNvPr id="1" name=""/>
-        <p:cNvGrpSpPr/>
-        <p:nvPr/>
-      </p:nvGrpSpPr>
-      <p:grpSpPr>
-        <a:xfrm>
-          <a:off x="0" y="0"/>
-          <a:ext cx="0" cy="0"/>
-          <a:chOff x="0" y="0"/>
-          <a:chExt cx="0" cy="0"/>
-        </a:xfrm>
-      </p:grpSpPr>
-      <p:sp>
-        <p:nvSpPr>
-          <p:cNvPr id="76" name="PlaceHolder 1"/>
-          <p:cNvSpPr>
-            <a:spLocks noGrp="1"/>
-          </p:cNvSpPr>
-          <p:nvPr>
-            <p:ph type="title"/>
-          </p:nvPr>
-        </p:nvSpPr>
-        <p:spPr>
-          <a:xfrm>
             <a:off x="457200" y="205200"/>
             <a:ext cx="8229240" cy="859320"/>
           </a:xfrm>
@@ -4709,7 +3085,7 @@
       </p:sp>
       <p:sp>
         <p:nvSpPr>
-          <p:cNvPr id="77" name="PlaceHolder 2"/>
+          <p:cNvPr id="39" name="PlaceHolder 2"/>
           <p:cNvSpPr>
             <a:spLocks noGrp="1"/>
           </p:cNvSpPr>
@@ -4890,18 +3266,18 @@
   </p:cSld>
   <p:clrMap bg1="lt1" bg2="lt2" tx1="dk1" tx2="dk2" accent1="accent1" accent2="accent2" accent3="accent3" accent4="accent4" accent5="accent5" accent6="accent6" hlink="hlink" folHlink="folHlink"/>
   <p:sldLayoutIdLst>
-    <p:sldLayoutId id="2147483675" r:id="rId2"/>
-    <p:sldLayoutId id="2147483676" r:id="rId3"/>
-    <p:sldLayoutId id="2147483677" r:id="rId4"/>
-    <p:sldLayoutId id="2147483678" r:id="rId5"/>
-    <p:sldLayoutId id="2147483679" r:id="rId6"/>
-    <p:sldLayoutId id="2147483680" r:id="rId7"/>
-    <p:sldLayoutId id="2147483681" r:id="rId8"/>
-    <p:sldLayoutId id="2147483682" r:id="rId9"/>
-    <p:sldLayoutId id="2147483683" r:id="rId10"/>
-    <p:sldLayoutId id="2147483684" r:id="rId11"/>
-    <p:sldLayoutId id="2147483685" r:id="rId12"/>
-    <p:sldLayoutId id="2147483686" r:id="rId13"/>
+    <p:sldLayoutId id="2147483662" r:id="rId2"/>
+    <p:sldLayoutId id="2147483663" r:id="rId3"/>
+    <p:sldLayoutId id="2147483664" r:id="rId4"/>
+    <p:sldLayoutId id="2147483665" r:id="rId5"/>
+    <p:sldLayoutId id="2147483666" r:id="rId6"/>
+    <p:sldLayoutId id="2147483667" r:id="rId7"/>
+    <p:sldLayoutId id="2147483668" r:id="rId8"/>
+    <p:sldLayoutId id="2147483669" r:id="rId9"/>
+    <p:sldLayoutId id="2147483670" r:id="rId10"/>
+    <p:sldLayoutId id="2147483671" r:id="rId11"/>
+    <p:sldLayoutId id="2147483672" r:id="rId12"/>
+    <p:sldLayoutId id="2147483673" r:id="rId13"/>
   </p:sldLayoutIdLst>
 </p:sldMaster>
 </file>
@@ -4925,14 +3301,14 @@
       </p:grpSpPr>
       <p:sp>
         <p:nvSpPr>
-          <p:cNvPr id="114" name="TextShape 1"/>
-          <p:cNvSpPr txBox="1"/>
+          <p:cNvPr id="76" name="CustomShape 1"/>
+          <p:cNvSpPr/>
           <p:nvPr/>
         </p:nvSpPr>
         <p:spPr>
           <a:xfrm>
             <a:off x="1143000" y="2703960"/>
-            <a:ext cx="6858000" cy="1243080"/>
+            <a:ext cx="6857280" cy="1242360"/>
           </a:xfrm>
           <a:prstGeom prst="rect">
             <a:avLst/>
@@ -4942,6 +3318,12 @@
             <a:noFill/>
           </a:ln>
         </p:spPr>
+        <p:style>
+          <a:lnRef idx="0"/>
+          <a:fillRef idx="0"/>
+          <a:effectRef idx="0"/>
+          <a:fontRef idx="minor"/>
+        </p:style>
         <p:txBody>
           <a:bodyPr lIns="0" rIns="0" tIns="0" bIns="0" anchor="ctr">
             <a:noAutofit/>
@@ -4973,14 +3355,14 @@
       </p:sp>
       <p:sp>
         <p:nvSpPr>
-          <p:cNvPr id="115" name="TextShape 2"/>
-          <p:cNvSpPr txBox="1"/>
+          <p:cNvPr id="77" name="CustomShape 2"/>
+          <p:cNvSpPr/>
           <p:nvPr/>
         </p:nvSpPr>
         <p:spPr>
           <a:xfrm>
             <a:off x="1143000" y="842400"/>
-            <a:ext cx="6858000" cy="1792440"/>
+            <a:ext cx="6857280" cy="1791720"/>
           </a:xfrm>
           <a:prstGeom prst="rect">
             <a:avLst/>
@@ -4990,8 +3372,14 @@
             <a:noFill/>
           </a:ln>
         </p:spPr>
-        <p:txBody>
-          <a:bodyPr anchor="b">
+        <p:style>
+          <a:lnRef idx="0"/>
+          <a:fillRef idx="0"/>
+          <a:effectRef idx="0"/>
+          <a:fontRef idx="minor"/>
+        </p:style>
+        <p:txBody>
+          <a:bodyPr lIns="90000" rIns="90000" tIns="45000" bIns="45000" anchor="b">
             <a:noAutofit/>
           </a:bodyPr>
           <a:p>
@@ -5018,14 +3406,14 @@
       </p:sp>
       <p:sp>
         <p:nvSpPr>
-          <p:cNvPr id="116" name="TextShape 3"/>
-          <p:cNvSpPr txBox="1"/>
+          <p:cNvPr id="78" name="CustomShape 3"/>
+          <p:cNvSpPr/>
           <p:nvPr/>
         </p:nvSpPr>
         <p:spPr>
           <a:xfrm>
             <a:off x="3888000" y="4333680"/>
-            <a:ext cx="1368000" cy="602280"/>
+            <a:ext cx="1367280" cy="601560"/>
           </a:xfrm>
           <a:prstGeom prst="rect">
             <a:avLst/>
@@ -5035,20 +3423,31 @@
             <a:noFill/>
           </a:ln>
         </p:spPr>
+        <p:style>
+          <a:lnRef idx="0"/>
+          <a:fillRef idx="0"/>
+          <a:effectRef idx="0"/>
+          <a:fontRef idx="minor"/>
+        </p:style>
         <p:txBody>
           <a:bodyPr lIns="90000" rIns="90000" tIns="45000" bIns="45000">
             <a:noAutofit/>
           </a:bodyPr>
           <a:p>
-            <a:pPr algn="ctr"/>
+            <a:pPr algn="ctr">
+              <a:lnSpc>
+                <a:spcPct val="100000"/>
+              </a:lnSpc>
+            </a:pPr>
             <a:r>
               <a:rPr b="0" i="1" lang="en-GB" sz="1800" spc="-1" strike="noStrike">
                 <a:solidFill>
                   <a:srgbClr val="808080"/>
                 </a:solidFill>
                 <a:latin typeface="Arial"/>
+                <a:ea typeface="DejaVu Sans"/>
               </a:rPr>
-              <a:t>Version 1.1 (Review)</a:t>
+              <a:t>Version 1.1 (Release)</a:t>
             </a:r>
             <a:endParaRPr b="0" lang="en-GB" sz="1800" spc="-1" strike="noStrike">
               <a:latin typeface="Arial"/>
@@ -5088,7 +3487,7 @@
       </p:grpSpPr>
       <p:pic>
         <p:nvPicPr>
-          <p:cNvPr id="189" name="" descr=""/>
+          <p:cNvPr id="151" name="" descr=""/>
           <p:cNvPicPr/>
           <p:nvPr/>
         </p:nvPicPr>
@@ -5099,7 +3498,7 @@
         <p:spPr>
           <a:xfrm>
             <a:off x="360" y="2520"/>
-            <a:ext cx="9143640" cy="5142960"/>
+            <a:ext cx="9142920" cy="5142240"/>
           </a:xfrm>
           <a:prstGeom prst="rect">
             <a:avLst/>
@@ -5111,14 +3510,14 @@
       </p:pic>
       <p:sp>
         <p:nvSpPr>
-          <p:cNvPr id="190" name="CustomShape 1"/>
+          <p:cNvPr id="152" name="CustomShape 1"/>
           <p:cNvSpPr/>
           <p:nvPr/>
         </p:nvSpPr>
         <p:spPr>
           <a:xfrm>
             <a:off x="6264000" y="2520"/>
-            <a:ext cx="2592000" cy="432000"/>
+            <a:ext cx="2591280" cy="431280"/>
           </a:xfrm>
           <a:prstGeom prst="rect">
             <a:avLst/>
@@ -5143,10 +3542,18 @@
             <a:noAutofit/>
           </a:bodyPr>
           <a:p>
-            <a:pPr algn="ctr"/>
+            <a:pPr algn="ctr">
+              <a:lnSpc>
+                <a:spcPct val="100000"/>
+              </a:lnSpc>
+            </a:pPr>
             <a:r>
               <a:rPr b="0" lang="en-GB" sz="1400" spc="-1" strike="noStrike">
+                <a:solidFill>
+                  <a:srgbClr val="000000"/>
+                </a:solidFill>
                 <a:latin typeface="Arial"/>
+                <a:ea typeface="DejaVu Sans"/>
               </a:rPr>
               <a:t>Use Case 3: View practice list</a:t>
             </a:r>
@@ -5158,14 +3565,14 @@
       </p:sp>
       <p:sp>
         <p:nvSpPr>
-          <p:cNvPr id="191" name="TextShape 2"/>
-          <p:cNvSpPr txBox="1"/>
+          <p:cNvPr id="153" name="CustomShape 2"/>
+          <p:cNvSpPr/>
           <p:nvPr/>
         </p:nvSpPr>
         <p:spPr>
           <a:xfrm>
             <a:off x="3598560" y="2016000"/>
-            <a:ext cx="3241800" cy="648000"/>
+            <a:ext cx="3241080" cy="647280"/>
           </a:xfrm>
           <a:prstGeom prst="rect">
             <a:avLst/>
@@ -5182,11 +3589,22 @@
             <a:round/>
           </a:ln>
         </p:spPr>
+        <p:style>
+          <a:lnRef idx="0"/>
+          <a:fillRef idx="0"/>
+          <a:effectRef idx="0"/>
+          <a:fontRef idx="minor"/>
+        </p:style>
         <p:txBody>
           <a:bodyPr lIns="96120" rIns="96120" tIns="51120" bIns="51120">
             <a:noAutofit/>
           </a:bodyPr>
           <a:p>
+            <a:pPr>
+              <a:lnSpc>
+                <a:spcPct val="100000"/>
+              </a:lnSpc>
+            </a:pPr>
             <a:r>
               <a:rPr b="0" lang="en-GB" sz="1800" spc="-1" strike="noStrike">
                 <a:solidFill>
@@ -5205,7 +3623,7 @@
       </p:sp>
       <p:sp>
         <p:nvSpPr>
-          <p:cNvPr id="192" name="Line 3"/>
+          <p:cNvPr id="154" name="Line 3"/>
           <p:cNvSpPr/>
           <p:nvPr/>
         </p:nvSpPr>
@@ -5234,7 +3652,7 @@
       </p:sp>
       <p:pic>
         <p:nvPicPr>
-          <p:cNvPr id="193" name="" descr=""/>
+          <p:cNvPr id="155" name="" descr=""/>
           <p:cNvPicPr/>
           <p:nvPr/>
         </p:nvPicPr>
@@ -5245,7 +3663,7 @@
         <p:spPr>
           <a:xfrm>
             <a:off x="360" y="360"/>
-            <a:ext cx="514440" cy="5147640"/>
+            <a:ext cx="513720" cy="5146920"/>
           </a:xfrm>
           <a:prstGeom prst="rect">
             <a:avLst/>
@@ -5287,7 +3705,7 @@
       </p:grpSpPr>
       <p:pic>
         <p:nvPicPr>
-          <p:cNvPr id="194" name="" descr=""/>
+          <p:cNvPr id="156" name="" descr=""/>
           <p:cNvPicPr/>
           <p:nvPr/>
         </p:nvPicPr>
@@ -5298,7 +3716,7 @@
         <p:spPr>
           <a:xfrm>
             <a:off x="360" y="2520"/>
-            <a:ext cx="9143640" cy="5142960"/>
+            <a:ext cx="9142920" cy="5142240"/>
           </a:xfrm>
           <a:prstGeom prst="rect">
             <a:avLst/>
@@ -5310,7 +3728,7 @@
       </p:pic>
       <p:pic>
         <p:nvPicPr>
-          <p:cNvPr id="195" name="" descr=""/>
+          <p:cNvPr id="157" name="" descr=""/>
           <p:cNvPicPr/>
           <p:nvPr/>
         </p:nvPicPr>
@@ -5321,7 +3739,7 @@
         <p:spPr>
           <a:xfrm>
             <a:off x="360" y="0"/>
-            <a:ext cx="9143640" cy="514080"/>
+            <a:ext cx="9142920" cy="513360"/>
           </a:xfrm>
           <a:prstGeom prst="rect">
             <a:avLst/>
@@ -5333,14 +3751,14 @@
       </p:pic>
       <p:sp>
         <p:nvSpPr>
-          <p:cNvPr id="196" name="CustomShape 1"/>
+          <p:cNvPr id="158" name="CustomShape 1"/>
           <p:cNvSpPr/>
           <p:nvPr/>
         </p:nvSpPr>
         <p:spPr>
           <a:xfrm>
             <a:off x="6264000" y="2520"/>
-            <a:ext cx="2592000" cy="432000"/>
+            <a:ext cx="2591280" cy="431280"/>
           </a:xfrm>
           <a:prstGeom prst="rect">
             <a:avLst/>
@@ -5365,10 +3783,18 @@
             <a:noAutofit/>
           </a:bodyPr>
           <a:p>
-            <a:pPr algn="ctr"/>
+            <a:pPr algn="ctr">
+              <a:lnSpc>
+                <a:spcPct val="100000"/>
+              </a:lnSpc>
+            </a:pPr>
             <a:r>
               <a:rPr b="0" lang="en-GB" sz="1400" spc="-1" strike="noStrike">
+                <a:solidFill>
+                  <a:srgbClr val="000000"/>
+                </a:solidFill>
                 <a:latin typeface="Arial"/>
+                <a:ea typeface="DejaVu Sans"/>
               </a:rPr>
               <a:t>Use Case 3: View practice list</a:t>
             </a:r>
@@ -5380,14 +3806,14 @@
       </p:sp>
       <p:sp>
         <p:nvSpPr>
-          <p:cNvPr id="197" name="TextShape 2"/>
-          <p:cNvSpPr txBox="1"/>
+          <p:cNvPr id="159" name="CustomShape 2"/>
+          <p:cNvSpPr/>
           <p:nvPr/>
         </p:nvSpPr>
         <p:spPr>
           <a:xfrm>
             <a:off x="3094200" y="3528000"/>
-            <a:ext cx="3241800" cy="864000"/>
+            <a:ext cx="3241080" cy="863280"/>
           </a:xfrm>
           <a:prstGeom prst="rect">
             <a:avLst/>
@@ -5404,11 +3830,22 @@
             <a:round/>
           </a:ln>
         </p:spPr>
+        <p:style>
+          <a:lnRef idx="0"/>
+          <a:fillRef idx="0"/>
+          <a:effectRef idx="0"/>
+          <a:fontRef idx="minor"/>
+        </p:style>
         <p:txBody>
           <a:bodyPr lIns="96120" rIns="96120" tIns="51120" bIns="51120">
             <a:noAutofit/>
           </a:bodyPr>
           <a:p>
+            <a:pPr>
+              <a:lnSpc>
+                <a:spcPct val="100000"/>
+              </a:lnSpc>
+            </a:pPr>
             <a:r>
               <a:rPr b="0" lang="en-GB" sz="1800" spc="-1" strike="noStrike">
                 <a:solidFill>
@@ -5427,7 +3864,7 @@
       </p:sp>
       <p:pic>
         <p:nvPicPr>
-          <p:cNvPr id="198" name="" descr=""/>
+          <p:cNvPr id="160" name="" descr=""/>
           <p:cNvPicPr/>
           <p:nvPr/>
         </p:nvPicPr>
@@ -5438,7 +3875,7 @@
         <p:spPr>
           <a:xfrm>
             <a:off x="0" y="360"/>
-            <a:ext cx="514440" cy="5147640"/>
+            <a:ext cx="513720" cy="5146920"/>
           </a:xfrm>
           <a:prstGeom prst="rect">
             <a:avLst/>
@@ -5480,7 +3917,7 @@
       </p:grpSpPr>
       <p:pic>
         <p:nvPicPr>
-          <p:cNvPr id="199" name="" descr=""/>
+          <p:cNvPr id="161" name="" descr=""/>
           <p:cNvPicPr/>
           <p:nvPr/>
         </p:nvPicPr>
@@ -5491,7 +3928,7 @@
         <p:spPr>
           <a:xfrm>
             <a:off x="360" y="2520"/>
-            <a:ext cx="9143640" cy="5142960"/>
+            <a:ext cx="9142920" cy="5142240"/>
           </a:xfrm>
           <a:prstGeom prst="rect">
             <a:avLst/>
@@ -5503,7 +3940,7 @@
       </p:pic>
       <p:pic>
         <p:nvPicPr>
-          <p:cNvPr id="200" name="" descr=""/>
+          <p:cNvPr id="162" name="" descr=""/>
           <p:cNvPicPr/>
           <p:nvPr/>
         </p:nvPicPr>
@@ -5514,7 +3951,7 @@
         <p:spPr>
           <a:xfrm>
             <a:off x="720" y="0"/>
-            <a:ext cx="9143640" cy="514080"/>
+            <a:ext cx="9142920" cy="513360"/>
           </a:xfrm>
           <a:prstGeom prst="rect">
             <a:avLst/>
@@ -5526,14 +3963,14 @@
       </p:pic>
       <p:sp>
         <p:nvSpPr>
-          <p:cNvPr id="201" name="CustomShape 1"/>
+          <p:cNvPr id="163" name="CustomShape 1"/>
           <p:cNvSpPr/>
           <p:nvPr/>
         </p:nvSpPr>
         <p:spPr>
           <a:xfrm>
             <a:off x="6264000" y="2520"/>
-            <a:ext cx="2592000" cy="432000"/>
+            <a:ext cx="2591280" cy="431280"/>
           </a:xfrm>
           <a:prstGeom prst="rect">
             <a:avLst/>
@@ -5558,10 +3995,18 @@
             <a:noAutofit/>
           </a:bodyPr>
           <a:p>
-            <a:pPr algn="ctr"/>
+            <a:pPr algn="ctr">
+              <a:lnSpc>
+                <a:spcPct val="100000"/>
+              </a:lnSpc>
+            </a:pPr>
             <a:r>
               <a:rPr b="0" lang="en-GB" sz="1400" spc="-1" strike="noStrike">
+                <a:solidFill>
+                  <a:srgbClr val="000000"/>
+                </a:solidFill>
                 <a:latin typeface="Arial"/>
+                <a:ea typeface="DejaVu Sans"/>
               </a:rPr>
               <a:t>Use Case 4: Modify practice list</a:t>
             </a:r>
@@ -5573,14 +4018,14 @@
       </p:sp>
       <p:sp>
         <p:nvSpPr>
-          <p:cNvPr id="202" name="TextShape 2"/>
-          <p:cNvSpPr txBox="1"/>
+          <p:cNvPr id="164" name="CustomShape 2"/>
+          <p:cNvSpPr/>
           <p:nvPr/>
         </p:nvSpPr>
         <p:spPr>
           <a:xfrm>
             <a:off x="5184000" y="2664000"/>
-            <a:ext cx="3241800" cy="648000"/>
+            <a:ext cx="3241080" cy="647280"/>
           </a:xfrm>
           <a:prstGeom prst="rect">
             <a:avLst/>
@@ -5597,11 +4042,22 @@
             <a:round/>
           </a:ln>
         </p:spPr>
+        <p:style>
+          <a:lnRef idx="0"/>
+          <a:fillRef idx="0"/>
+          <a:effectRef idx="0"/>
+          <a:fontRef idx="minor"/>
+        </p:style>
         <p:txBody>
           <a:bodyPr lIns="96120" rIns="96120" tIns="51120" bIns="51120">
             <a:noAutofit/>
           </a:bodyPr>
           <a:p>
+            <a:pPr>
+              <a:lnSpc>
+                <a:spcPct val="100000"/>
+              </a:lnSpc>
+            </a:pPr>
             <a:r>
               <a:rPr b="0" lang="en-GB" sz="1800" spc="-1" strike="noStrike">
                 <a:solidFill>
@@ -5620,7 +4076,7 @@
       </p:sp>
       <p:sp>
         <p:nvSpPr>
-          <p:cNvPr id="203" name="Line 3"/>
+          <p:cNvPr id="165" name="Line 3"/>
           <p:cNvSpPr/>
           <p:nvPr/>
         </p:nvSpPr>
@@ -5649,7 +4105,7 @@
       </p:sp>
       <p:pic>
         <p:nvPicPr>
-          <p:cNvPr id="204" name="" descr=""/>
+          <p:cNvPr id="166" name="" descr=""/>
           <p:cNvPicPr/>
           <p:nvPr/>
         </p:nvPicPr>
@@ -5660,7 +4116,7 @@
         <p:spPr>
           <a:xfrm>
             <a:off x="360" y="720"/>
-            <a:ext cx="514440" cy="5147640"/>
+            <a:ext cx="513720" cy="5146920"/>
           </a:xfrm>
           <a:prstGeom prst="rect">
             <a:avLst/>
@@ -5702,7 +4158,7 @@
       </p:grpSpPr>
       <p:pic>
         <p:nvPicPr>
-          <p:cNvPr id="205" name="" descr=""/>
+          <p:cNvPr id="167" name="" descr=""/>
           <p:cNvPicPr/>
           <p:nvPr/>
         </p:nvPicPr>
@@ -5713,7 +4169,7 @@
         <p:spPr>
           <a:xfrm>
             <a:off x="360" y="2520"/>
-            <a:ext cx="9143640" cy="5142960"/>
+            <a:ext cx="9142920" cy="5142240"/>
           </a:xfrm>
           <a:prstGeom prst="rect">
             <a:avLst/>
@@ -5725,7 +4181,7 @@
       </p:pic>
       <p:pic>
         <p:nvPicPr>
-          <p:cNvPr id="206" name="" descr=""/>
+          <p:cNvPr id="168" name="" descr=""/>
           <p:cNvPicPr/>
           <p:nvPr/>
         </p:nvPicPr>
@@ -5736,7 +4192,7 @@
         <p:spPr>
           <a:xfrm>
             <a:off x="720" y="0"/>
-            <a:ext cx="9143640" cy="514080"/>
+            <a:ext cx="9142920" cy="513360"/>
           </a:xfrm>
           <a:prstGeom prst="rect">
             <a:avLst/>
@@ -5748,14 +4204,14 @@
       </p:pic>
       <p:sp>
         <p:nvSpPr>
-          <p:cNvPr id="207" name="CustomShape 1"/>
+          <p:cNvPr id="169" name="CustomShape 1"/>
           <p:cNvSpPr/>
           <p:nvPr/>
         </p:nvSpPr>
         <p:spPr>
           <a:xfrm>
             <a:off x="6264000" y="2520"/>
-            <a:ext cx="2592000" cy="432000"/>
+            <a:ext cx="2591280" cy="431280"/>
           </a:xfrm>
           <a:prstGeom prst="rect">
             <a:avLst/>
@@ -5780,10 +4236,18 @@
             <a:noAutofit/>
           </a:bodyPr>
           <a:p>
-            <a:pPr algn="ctr"/>
+            <a:pPr algn="ctr">
+              <a:lnSpc>
+                <a:spcPct val="100000"/>
+              </a:lnSpc>
+            </a:pPr>
             <a:r>
               <a:rPr b="0" lang="en-GB" sz="1400" spc="-1" strike="noStrike">
+                <a:solidFill>
+                  <a:srgbClr val="000000"/>
+                </a:solidFill>
                 <a:latin typeface="Arial"/>
+                <a:ea typeface="DejaVu Sans"/>
               </a:rPr>
               <a:t>Use Case 4: Modify practice list</a:t>
             </a:r>
@@ -5795,14 +4259,14 @@
       </p:sp>
       <p:sp>
         <p:nvSpPr>
-          <p:cNvPr id="208" name="TextShape 2"/>
-          <p:cNvSpPr txBox="1"/>
+          <p:cNvPr id="170" name="CustomShape 2"/>
+          <p:cNvSpPr/>
           <p:nvPr/>
         </p:nvSpPr>
         <p:spPr>
           <a:xfrm>
             <a:off x="3094200" y="3528000"/>
-            <a:ext cx="3241800" cy="864000"/>
+            <a:ext cx="3241080" cy="863280"/>
           </a:xfrm>
           <a:prstGeom prst="rect">
             <a:avLst/>
@@ -5819,11 +4283,22 @@
             <a:round/>
           </a:ln>
         </p:spPr>
+        <p:style>
+          <a:lnRef idx="0"/>
+          <a:fillRef idx="0"/>
+          <a:effectRef idx="0"/>
+          <a:fontRef idx="minor"/>
+        </p:style>
         <p:txBody>
           <a:bodyPr lIns="96120" rIns="96120" tIns="51120" bIns="51120">
             <a:noAutofit/>
           </a:bodyPr>
           <a:p>
+            <a:pPr>
+              <a:lnSpc>
+                <a:spcPct val="100000"/>
+              </a:lnSpc>
+            </a:pPr>
             <a:r>
               <a:rPr b="0" lang="en-GB" sz="1800" spc="-1" strike="noStrike">
                 <a:solidFill>
@@ -5842,14 +4317,14 @@
       </p:sp>
       <p:sp>
         <p:nvSpPr>
-          <p:cNvPr id="209" name="TextShape 3"/>
-          <p:cNvSpPr txBox="1"/>
+          <p:cNvPr id="171" name="CustomShape 3"/>
+          <p:cNvSpPr/>
           <p:nvPr/>
         </p:nvSpPr>
         <p:spPr>
           <a:xfrm>
             <a:off x="5184000" y="2664000"/>
-            <a:ext cx="3241800" cy="648000"/>
+            <a:ext cx="3241080" cy="647280"/>
           </a:xfrm>
           <a:prstGeom prst="rect">
             <a:avLst/>
@@ -5866,11 +4341,22 @@
             <a:round/>
           </a:ln>
         </p:spPr>
+        <p:style>
+          <a:lnRef idx="0"/>
+          <a:fillRef idx="0"/>
+          <a:effectRef idx="0"/>
+          <a:fontRef idx="minor"/>
+        </p:style>
         <p:txBody>
           <a:bodyPr lIns="96120" rIns="96120" tIns="51120" bIns="51120">
             <a:noAutofit/>
           </a:bodyPr>
           <a:p>
+            <a:pPr>
+              <a:lnSpc>
+                <a:spcPct val="100000"/>
+              </a:lnSpc>
+            </a:pPr>
             <a:r>
               <a:rPr b="0" lang="en-GB" sz="1800" spc="-1" strike="noStrike">
                 <a:solidFill>
@@ -5889,7 +4375,7 @@
       </p:sp>
       <p:sp>
         <p:nvSpPr>
-          <p:cNvPr id="210" name="Line 4"/>
+          <p:cNvPr id="172" name="Line 4"/>
           <p:cNvSpPr/>
           <p:nvPr/>
         </p:nvSpPr>
@@ -5918,7 +4404,7 @@
       </p:sp>
       <p:pic>
         <p:nvPicPr>
-          <p:cNvPr id="211" name="" descr=""/>
+          <p:cNvPr id="173" name="" descr=""/>
           <p:cNvPicPr/>
           <p:nvPr/>
         </p:nvPicPr>
@@ -5929,7 +4415,7 @@
         <p:spPr>
           <a:xfrm>
             <a:off x="360" y="720"/>
-            <a:ext cx="514440" cy="5147640"/>
+            <a:ext cx="513720" cy="5146920"/>
           </a:xfrm>
           <a:prstGeom prst="rect">
             <a:avLst/>
@@ -5971,7 +4457,7 @@
       </p:grpSpPr>
       <p:pic>
         <p:nvPicPr>
-          <p:cNvPr id="212" name="" descr=""/>
+          <p:cNvPr id="174" name="" descr=""/>
           <p:cNvPicPr/>
           <p:nvPr/>
         </p:nvPicPr>
@@ -5982,7 +4468,7 @@
         <p:spPr>
           <a:xfrm>
             <a:off x="360" y="2520"/>
-            <a:ext cx="9143640" cy="5142960"/>
+            <a:ext cx="9142920" cy="5142240"/>
           </a:xfrm>
           <a:prstGeom prst="rect">
             <a:avLst/>
@@ -5994,7 +4480,7 @@
       </p:pic>
       <p:pic>
         <p:nvPicPr>
-          <p:cNvPr id="213" name="" descr=""/>
+          <p:cNvPr id="175" name="" descr=""/>
           <p:cNvPicPr/>
           <p:nvPr/>
         </p:nvPicPr>
@@ -6005,7 +4491,7 @@
         <p:spPr>
           <a:xfrm>
             <a:off x="360" y="720"/>
-            <a:ext cx="514440" cy="5147640"/>
+            <a:ext cx="513720" cy="5146920"/>
           </a:xfrm>
           <a:prstGeom prst="rect">
             <a:avLst/>
@@ -6017,7 +4503,7 @@
       </p:pic>
       <p:pic>
         <p:nvPicPr>
-          <p:cNvPr id="214" name="" descr=""/>
+          <p:cNvPr id="176" name="" descr=""/>
           <p:cNvPicPr/>
           <p:nvPr/>
         </p:nvPicPr>
@@ -6028,7 +4514,7 @@
         <p:spPr>
           <a:xfrm>
             <a:off x="720" y="0"/>
-            <a:ext cx="9143640" cy="514080"/>
+            <a:ext cx="9142920" cy="513360"/>
           </a:xfrm>
           <a:prstGeom prst="rect">
             <a:avLst/>
@@ -6040,14 +4526,14 @@
       </p:pic>
       <p:sp>
         <p:nvSpPr>
-          <p:cNvPr id="215" name="CustomShape 1"/>
+          <p:cNvPr id="177" name="CustomShape 1"/>
           <p:cNvSpPr/>
           <p:nvPr/>
         </p:nvSpPr>
         <p:spPr>
           <a:xfrm>
             <a:off x="6264000" y="2520"/>
-            <a:ext cx="2592000" cy="432000"/>
+            <a:ext cx="2591280" cy="431280"/>
           </a:xfrm>
           <a:prstGeom prst="rect">
             <a:avLst/>
@@ -6072,10 +4558,18 @@
             <a:noAutofit/>
           </a:bodyPr>
           <a:p>
-            <a:pPr algn="ctr"/>
+            <a:pPr algn="ctr">
+              <a:lnSpc>
+                <a:spcPct val="100000"/>
+              </a:lnSpc>
+            </a:pPr>
             <a:r>
               <a:rPr b="0" lang="en-GB" sz="1400" spc="-1" strike="noStrike">
+                <a:solidFill>
+                  <a:srgbClr val="000000"/>
+                </a:solidFill>
                 <a:latin typeface="Arial"/>
+                <a:ea typeface="DejaVu Sans"/>
               </a:rPr>
               <a:t>Use Case 4: Modify practice list</a:t>
             </a:r>
@@ -6087,14 +4581,14 @@
       </p:sp>
       <p:sp>
         <p:nvSpPr>
-          <p:cNvPr id="216" name="TextShape 2"/>
-          <p:cNvSpPr txBox="1"/>
+          <p:cNvPr id="178" name="CustomShape 2"/>
+          <p:cNvSpPr/>
           <p:nvPr/>
         </p:nvSpPr>
         <p:spPr>
           <a:xfrm>
             <a:off x="3094200" y="3528000"/>
-            <a:ext cx="3241800" cy="864000"/>
+            <a:ext cx="3241080" cy="863280"/>
           </a:xfrm>
           <a:prstGeom prst="rect">
             <a:avLst/>
@@ -6111,11 +4605,22 @@
             <a:round/>
           </a:ln>
         </p:spPr>
+        <p:style>
+          <a:lnRef idx="0"/>
+          <a:fillRef idx="0"/>
+          <a:effectRef idx="0"/>
+          <a:fontRef idx="minor"/>
+        </p:style>
         <p:txBody>
           <a:bodyPr lIns="96120" rIns="96120" tIns="51120" bIns="51120">
             <a:noAutofit/>
           </a:bodyPr>
           <a:p>
+            <a:pPr>
+              <a:lnSpc>
+                <a:spcPct val="100000"/>
+              </a:lnSpc>
+            </a:pPr>
             <a:r>
               <a:rPr b="0" lang="en-GB" sz="1800" spc="-1" strike="noStrike">
                 <a:solidFill>
@@ -6134,14 +4639,14 @@
       </p:sp>
       <p:sp>
         <p:nvSpPr>
-          <p:cNvPr id="217" name="TextShape 3"/>
-          <p:cNvSpPr txBox="1"/>
+          <p:cNvPr id="179" name="CustomShape 3"/>
+          <p:cNvSpPr/>
           <p:nvPr/>
         </p:nvSpPr>
         <p:spPr>
           <a:xfrm>
             <a:off x="5184000" y="2664000"/>
-            <a:ext cx="3241800" cy="648000"/>
+            <a:ext cx="3241080" cy="647280"/>
           </a:xfrm>
           <a:prstGeom prst="rect">
             <a:avLst/>
@@ -6158,11 +4663,22 @@
             <a:round/>
           </a:ln>
         </p:spPr>
+        <p:style>
+          <a:lnRef idx="0"/>
+          <a:fillRef idx="0"/>
+          <a:effectRef idx="0"/>
+          <a:fontRef idx="minor"/>
+        </p:style>
         <p:txBody>
           <a:bodyPr lIns="96120" rIns="96120" tIns="51120" bIns="51120">
             <a:noAutofit/>
           </a:bodyPr>
           <a:p>
+            <a:pPr>
+              <a:lnSpc>
+                <a:spcPct val="100000"/>
+              </a:lnSpc>
+            </a:pPr>
             <a:r>
               <a:rPr b="0" lang="en-GB" sz="1800" spc="-1" strike="noStrike">
                 <a:solidFill>
@@ -6181,7 +4697,7 @@
       </p:sp>
       <p:sp>
         <p:nvSpPr>
-          <p:cNvPr id="218" name="Line 4"/>
+          <p:cNvPr id="180" name="Line 4"/>
           <p:cNvSpPr/>
           <p:nvPr/>
         </p:nvSpPr>
@@ -6240,7 +4756,7 @@
       </p:grpSpPr>
       <p:pic>
         <p:nvPicPr>
-          <p:cNvPr id="219" name="" descr=""/>
+          <p:cNvPr id="181" name="" descr=""/>
           <p:cNvPicPr/>
           <p:nvPr/>
         </p:nvPicPr>
@@ -6251,7 +4767,7 @@
         <p:spPr>
           <a:xfrm>
             <a:off x="360" y="2520"/>
-            <a:ext cx="9143640" cy="5142960"/>
+            <a:ext cx="9142920" cy="5142240"/>
           </a:xfrm>
           <a:prstGeom prst="rect">
             <a:avLst/>
@@ -6263,14 +4779,14 @@
       </p:pic>
       <p:sp>
         <p:nvSpPr>
-          <p:cNvPr id="220" name="CustomShape 1"/>
+          <p:cNvPr id="182" name="CustomShape 1"/>
           <p:cNvSpPr/>
           <p:nvPr/>
         </p:nvSpPr>
         <p:spPr>
           <a:xfrm>
             <a:off x="6264000" y="2520"/>
-            <a:ext cx="2592000" cy="432000"/>
+            <a:ext cx="2591280" cy="431280"/>
           </a:xfrm>
           <a:prstGeom prst="rect">
             <a:avLst/>
@@ -6295,10 +4811,18 @@
             <a:noAutofit/>
           </a:bodyPr>
           <a:p>
-            <a:pPr algn="ctr"/>
+            <a:pPr algn="ctr">
+              <a:lnSpc>
+                <a:spcPct val="100000"/>
+              </a:lnSpc>
+            </a:pPr>
             <a:r>
               <a:rPr b="0" lang="en-GB" sz="1400" spc="-1" strike="noStrike">
+                <a:solidFill>
+                  <a:srgbClr val="000000"/>
+                </a:solidFill>
                 <a:latin typeface="Arial"/>
+                <a:ea typeface="DejaVu Sans"/>
               </a:rPr>
               <a:t>Use Case 5: Start a test</a:t>
             </a:r>
@@ -6310,14 +4834,14 @@
       </p:sp>
       <p:sp>
         <p:nvSpPr>
-          <p:cNvPr id="221" name="TextShape 2"/>
-          <p:cNvSpPr txBox="1"/>
+          <p:cNvPr id="183" name="CustomShape 2"/>
+          <p:cNvSpPr/>
           <p:nvPr/>
         </p:nvSpPr>
         <p:spPr>
           <a:xfrm>
             <a:off x="5184360" y="2664000"/>
-            <a:ext cx="3241800" cy="648000"/>
+            <a:ext cx="3241080" cy="647280"/>
           </a:xfrm>
           <a:prstGeom prst="rect">
             <a:avLst/>
@@ -6334,11 +4858,22 @@
             <a:round/>
           </a:ln>
         </p:spPr>
+        <p:style>
+          <a:lnRef idx="0"/>
+          <a:fillRef idx="0"/>
+          <a:effectRef idx="0"/>
+          <a:fontRef idx="minor"/>
+        </p:style>
         <p:txBody>
           <a:bodyPr lIns="96120" rIns="96120" tIns="51120" bIns="51120">
             <a:noAutofit/>
           </a:bodyPr>
           <a:p>
+            <a:pPr>
+              <a:lnSpc>
+                <a:spcPct val="100000"/>
+              </a:lnSpc>
+            </a:pPr>
             <a:r>
               <a:rPr b="0" lang="en-GB" sz="1800" spc="-1" strike="noStrike">
                 <a:solidFill>
@@ -6357,7 +4892,7 @@
       </p:sp>
       <p:sp>
         <p:nvSpPr>
-          <p:cNvPr id="222" name="Line 3"/>
+          <p:cNvPr id="184" name="Line 3"/>
           <p:cNvSpPr/>
           <p:nvPr/>
         </p:nvSpPr>
@@ -6386,7 +4921,7 @@
       </p:sp>
       <p:pic>
         <p:nvPicPr>
-          <p:cNvPr id="223" name="" descr=""/>
+          <p:cNvPr id="185" name="" descr=""/>
           <p:cNvPicPr/>
           <p:nvPr/>
         </p:nvPicPr>
@@ -6397,7 +4932,7 @@
         <p:spPr>
           <a:xfrm>
             <a:off x="720" y="720"/>
-            <a:ext cx="514440" cy="5147640"/>
+            <a:ext cx="513720" cy="5146920"/>
           </a:xfrm>
           <a:prstGeom prst="rect">
             <a:avLst/>
@@ -6439,7 +4974,7 @@
       </p:grpSpPr>
       <p:pic>
         <p:nvPicPr>
-          <p:cNvPr id="224" name="" descr=""/>
+          <p:cNvPr id="186" name="" descr=""/>
           <p:cNvPicPr/>
           <p:nvPr/>
         </p:nvPicPr>
@@ -6450,7 +4985,7 @@
         <p:spPr>
           <a:xfrm>
             <a:off x="360" y="2520"/>
-            <a:ext cx="9143640" cy="5142960"/>
+            <a:ext cx="9142920" cy="5142240"/>
           </a:xfrm>
           <a:prstGeom prst="rect">
             <a:avLst/>
@@ -6462,14 +4997,14 @@
       </p:pic>
       <p:sp>
         <p:nvSpPr>
-          <p:cNvPr id="225" name="CustomShape 1"/>
+          <p:cNvPr id="187" name="CustomShape 1"/>
           <p:cNvSpPr/>
           <p:nvPr/>
         </p:nvSpPr>
         <p:spPr>
           <a:xfrm>
             <a:off x="6264000" y="2520"/>
-            <a:ext cx="2592000" cy="432000"/>
+            <a:ext cx="2591280" cy="431280"/>
           </a:xfrm>
           <a:prstGeom prst="rect">
             <a:avLst/>
@@ -6494,10 +5029,18 @@
             <a:noAutofit/>
           </a:bodyPr>
           <a:p>
-            <a:pPr algn="ctr"/>
+            <a:pPr algn="ctr">
+              <a:lnSpc>
+                <a:spcPct val="100000"/>
+              </a:lnSpc>
+            </a:pPr>
             <a:r>
               <a:rPr b="0" lang="en-GB" sz="1400" spc="-1" strike="noStrike">
+                <a:solidFill>
+                  <a:srgbClr val="000000"/>
+                </a:solidFill>
                 <a:latin typeface="Arial"/>
+                <a:ea typeface="DejaVu Sans"/>
               </a:rPr>
               <a:t>Use Case 5: Start a test</a:t>
             </a:r>
@@ -6509,14 +5052,14 @@
       </p:sp>
       <p:sp>
         <p:nvSpPr>
-          <p:cNvPr id="226" name="TextShape 2"/>
-          <p:cNvSpPr txBox="1"/>
+          <p:cNvPr id="188" name="CustomShape 2"/>
+          <p:cNvSpPr/>
           <p:nvPr/>
         </p:nvSpPr>
         <p:spPr>
           <a:xfrm>
             <a:off x="3094560" y="3528000"/>
-            <a:ext cx="3241800" cy="864000"/>
+            <a:ext cx="3241080" cy="863280"/>
           </a:xfrm>
           <a:prstGeom prst="rect">
             <a:avLst/>
@@ -6533,11 +5076,22 @@
             <a:round/>
           </a:ln>
         </p:spPr>
+        <p:style>
+          <a:lnRef idx="0"/>
+          <a:fillRef idx="0"/>
+          <a:effectRef idx="0"/>
+          <a:fontRef idx="minor"/>
+        </p:style>
         <p:txBody>
           <a:bodyPr lIns="96120" rIns="96120" tIns="51120" bIns="51120">
             <a:noAutofit/>
           </a:bodyPr>
           <a:p>
+            <a:pPr>
+              <a:lnSpc>
+                <a:spcPct val="100000"/>
+              </a:lnSpc>
+            </a:pPr>
             <a:r>
               <a:rPr b="0" lang="en-GB" sz="1800" spc="-1" strike="noStrike">
                 <a:solidFill>
@@ -6556,7 +5110,7 @@
       </p:sp>
       <p:pic>
         <p:nvPicPr>
-          <p:cNvPr id="227" name="" descr=""/>
+          <p:cNvPr id="189" name="" descr=""/>
           <p:cNvPicPr/>
           <p:nvPr/>
         </p:nvPicPr>
@@ -6567,7 +5121,7 @@
         <p:spPr>
           <a:xfrm>
             <a:off x="0" y="0"/>
-            <a:ext cx="514440" cy="5147640"/>
+            <a:ext cx="513720" cy="5146920"/>
           </a:xfrm>
           <a:prstGeom prst="rect">
             <a:avLst/>
@@ -6609,7 +5163,7 @@
       </p:grpSpPr>
       <p:pic>
         <p:nvPicPr>
-          <p:cNvPr id="228" name="" descr=""/>
+          <p:cNvPr id="190" name="" descr=""/>
           <p:cNvPicPr/>
           <p:nvPr/>
         </p:nvPicPr>
@@ -6620,7 +5174,7 @@
         <p:spPr>
           <a:xfrm>
             <a:off x="360" y="2520"/>
-            <a:ext cx="9143640" cy="5142960"/>
+            <a:ext cx="9142920" cy="5142240"/>
           </a:xfrm>
           <a:prstGeom prst="rect">
             <a:avLst/>
@@ -6632,14 +5186,14 @@
       </p:pic>
       <p:sp>
         <p:nvSpPr>
-          <p:cNvPr id="229" name="CustomShape 1"/>
+          <p:cNvPr id="191" name="CustomShape 1"/>
           <p:cNvSpPr/>
           <p:nvPr/>
         </p:nvSpPr>
         <p:spPr>
           <a:xfrm>
             <a:off x="6264000" y="2520"/>
-            <a:ext cx="2592000" cy="432000"/>
+            <a:ext cx="2591280" cy="431280"/>
           </a:xfrm>
           <a:prstGeom prst="rect">
             <a:avLst/>
@@ -6664,10 +5218,18 @@
             <a:noAutofit/>
           </a:bodyPr>
           <a:p>
-            <a:pPr algn="ctr"/>
+            <a:pPr algn="ctr">
+              <a:lnSpc>
+                <a:spcPct val="100000"/>
+              </a:lnSpc>
+            </a:pPr>
             <a:r>
               <a:rPr b="0" lang="en-GB" sz="1400" spc="-1" strike="noStrike">
+                <a:solidFill>
+                  <a:srgbClr val="000000"/>
+                </a:solidFill>
                 <a:latin typeface="Arial"/>
+                <a:ea typeface="DejaVu Sans"/>
               </a:rPr>
               <a:t>Use Case 5.1: Start ‘Match The Meaning’ test</a:t>
             </a:r>
@@ -6679,14 +5241,14 @@
       </p:sp>
       <p:sp>
         <p:nvSpPr>
-          <p:cNvPr id="230" name="TextShape 2"/>
-          <p:cNvSpPr txBox="1"/>
+          <p:cNvPr id="192" name="CustomShape 2"/>
+          <p:cNvSpPr/>
           <p:nvPr/>
         </p:nvSpPr>
         <p:spPr>
           <a:xfrm>
             <a:off x="1438200" y="1584000"/>
-            <a:ext cx="3241800" cy="648000"/>
+            <a:ext cx="3241080" cy="647280"/>
           </a:xfrm>
           <a:prstGeom prst="rect">
             <a:avLst/>
@@ -6703,11 +5265,22 @@
             <a:round/>
           </a:ln>
         </p:spPr>
+        <p:style>
+          <a:lnRef idx="0"/>
+          <a:fillRef idx="0"/>
+          <a:effectRef idx="0"/>
+          <a:fontRef idx="minor"/>
+        </p:style>
         <p:txBody>
           <a:bodyPr lIns="96120" rIns="96120" tIns="51120" bIns="51120">
             <a:noAutofit/>
           </a:bodyPr>
           <a:p>
+            <a:pPr>
+              <a:lnSpc>
+                <a:spcPct val="100000"/>
+              </a:lnSpc>
+            </a:pPr>
             <a:r>
               <a:rPr b="0" lang="en-GB" sz="1800" spc="-1" strike="noStrike">
                 <a:solidFill>
@@ -6726,7 +5299,7 @@
       </p:sp>
       <p:sp>
         <p:nvSpPr>
-          <p:cNvPr id="231" name="Line 3"/>
+          <p:cNvPr id="193" name="Line 3"/>
           <p:cNvSpPr/>
           <p:nvPr/>
         </p:nvSpPr>
@@ -6755,7 +5328,7 @@
       </p:sp>
       <p:pic>
         <p:nvPicPr>
-          <p:cNvPr id="232" name="" descr=""/>
+          <p:cNvPr id="194" name="" descr=""/>
           <p:cNvPicPr/>
           <p:nvPr/>
         </p:nvPicPr>
@@ -6766,7 +5339,7 @@
         <p:spPr>
           <a:xfrm>
             <a:off x="360" y="360"/>
-            <a:ext cx="514440" cy="5147640"/>
+            <a:ext cx="513720" cy="5146920"/>
           </a:xfrm>
           <a:prstGeom prst="rect">
             <a:avLst/>
@@ -6808,7 +5381,7 @@
       </p:grpSpPr>
       <p:pic>
         <p:nvPicPr>
-          <p:cNvPr id="233" name="" descr=""/>
+          <p:cNvPr id="195" name="" descr=""/>
           <p:cNvPicPr/>
           <p:nvPr/>
         </p:nvPicPr>
@@ -6819,7 +5392,7 @@
         <p:spPr>
           <a:xfrm>
             <a:off x="360" y="2520"/>
-            <a:ext cx="9143640" cy="5142960"/>
+            <a:ext cx="9142920" cy="5142240"/>
           </a:xfrm>
           <a:prstGeom prst="rect">
             <a:avLst/>
@@ -6831,14 +5404,14 @@
       </p:pic>
       <p:sp>
         <p:nvSpPr>
-          <p:cNvPr id="234" name="CustomShape 1"/>
+          <p:cNvPr id="196" name="CustomShape 1"/>
           <p:cNvSpPr/>
           <p:nvPr/>
         </p:nvSpPr>
         <p:spPr>
           <a:xfrm>
             <a:off x="6264000" y="2520"/>
-            <a:ext cx="2592000" cy="432000"/>
+            <a:ext cx="2591280" cy="431280"/>
           </a:xfrm>
           <a:prstGeom prst="rect">
             <a:avLst/>
@@ -6863,10 +5436,18 @@
             <a:noAutofit/>
           </a:bodyPr>
           <a:p>
-            <a:pPr algn="ctr"/>
+            <a:pPr algn="ctr">
+              <a:lnSpc>
+                <a:spcPct val="100000"/>
+              </a:lnSpc>
+            </a:pPr>
             <a:r>
               <a:rPr b="0" lang="en-GB" sz="1400" spc="-1" strike="noStrike">
+                <a:solidFill>
+                  <a:srgbClr val="000000"/>
+                </a:solidFill>
                 <a:latin typeface="Arial"/>
+                <a:ea typeface="DejaVu Sans"/>
               </a:rPr>
               <a:t>Use Case 5.1: Start ‘Match The Meaning’ test</a:t>
             </a:r>
@@ -6878,14 +5459,14 @@
       </p:sp>
       <p:sp>
         <p:nvSpPr>
-          <p:cNvPr id="235" name="TextShape 2"/>
-          <p:cNvSpPr txBox="1"/>
-          <p:nvPr/>
-        </p:nvSpPr>
-        <p:spPr>
-          <a:xfrm>
-            <a:off x="792000" y="720000"/>
-            <a:ext cx="3241800" cy="1368000"/>
+          <p:cNvPr id="197" name="CustomShape 2"/>
+          <p:cNvSpPr/>
+          <p:nvPr/>
+        </p:nvSpPr>
+        <p:spPr>
+          <a:xfrm>
+            <a:off x="792000" y="576000"/>
+            <a:ext cx="3241080" cy="1511640"/>
           </a:xfrm>
           <a:prstGeom prst="rect">
             <a:avLst/>
@@ -6902,11 +5483,22 @@
             <a:round/>
           </a:ln>
         </p:spPr>
+        <p:style>
+          <a:lnRef idx="0"/>
+          <a:fillRef idx="0"/>
+          <a:effectRef idx="0"/>
+          <a:fontRef idx="minor"/>
+        </p:style>
         <p:txBody>
           <a:bodyPr lIns="96120" rIns="96120" tIns="51120" bIns="51120">
             <a:noAutofit/>
           </a:bodyPr>
           <a:p>
+            <a:pPr>
+              <a:lnSpc>
+                <a:spcPct val="100000"/>
+              </a:lnSpc>
+            </a:pPr>
             <a:r>
               <a:rPr b="0" lang="en-GB" sz="1800" spc="-1" strike="noStrike">
                 <a:solidFill>
@@ -6925,14 +5517,14 @@
       </p:sp>
       <p:sp>
         <p:nvSpPr>
-          <p:cNvPr id="236" name="TextShape 3"/>
-          <p:cNvSpPr txBox="1"/>
+          <p:cNvPr id="198" name="CustomShape 3"/>
+          <p:cNvSpPr/>
           <p:nvPr/>
         </p:nvSpPr>
         <p:spPr>
           <a:xfrm>
             <a:off x="4680000" y="1440000"/>
-            <a:ext cx="3744000" cy="648000"/>
+            <a:ext cx="3743280" cy="647280"/>
           </a:xfrm>
           <a:prstGeom prst="rect">
             <a:avLst/>
@@ -6949,11 +5541,22 @@
             <a:round/>
           </a:ln>
         </p:spPr>
+        <p:style>
+          <a:lnRef idx="0"/>
+          <a:fillRef idx="0"/>
+          <a:effectRef idx="0"/>
+          <a:fontRef idx="minor"/>
+        </p:style>
         <p:txBody>
           <a:bodyPr lIns="96120" rIns="96120" tIns="51120" bIns="51120">
             <a:noAutofit/>
           </a:bodyPr>
           <a:p>
+            <a:pPr>
+              <a:lnSpc>
+                <a:spcPct val="100000"/>
+              </a:lnSpc>
+            </a:pPr>
             <a:r>
               <a:rPr b="0" lang="en-GB" sz="1800" spc="-1" strike="noStrike">
                 <a:solidFill>
@@ -6972,7 +5575,7 @@
       </p:sp>
       <p:sp>
         <p:nvSpPr>
-          <p:cNvPr id="237" name="Line 4"/>
+          <p:cNvPr id="199" name="Line 4"/>
           <p:cNvSpPr/>
           <p:nvPr/>
         </p:nvSpPr>
@@ -7001,14 +5604,14 @@
       </p:sp>
       <p:sp>
         <p:nvSpPr>
-          <p:cNvPr id="238" name="TextShape 5"/>
-          <p:cNvSpPr txBox="1"/>
+          <p:cNvPr id="200" name="CustomShape 5"/>
+          <p:cNvSpPr/>
           <p:nvPr/>
         </p:nvSpPr>
         <p:spPr>
           <a:xfrm>
             <a:off x="4608000" y="3816000"/>
-            <a:ext cx="2304000" cy="432000"/>
+            <a:ext cx="2303280" cy="431280"/>
           </a:xfrm>
           <a:prstGeom prst="rect">
             <a:avLst/>
@@ -7025,11 +5628,22 @@
             <a:round/>
           </a:ln>
         </p:spPr>
+        <p:style>
+          <a:lnRef idx="0"/>
+          <a:fillRef idx="0"/>
+          <a:effectRef idx="0"/>
+          <a:fontRef idx="minor"/>
+        </p:style>
         <p:txBody>
           <a:bodyPr lIns="96120" rIns="96120" tIns="51120" bIns="51120">
             <a:noAutofit/>
           </a:bodyPr>
           <a:p>
+            <a:pPr>
+              <a:lnSpc>
+                <a:spcPct val="100000"/>
+              </a:lnSpc>
+            </a:pPr>
             <a:r>
               <a:rPr b="0" lang="en-GB" sz="1800" spc="-1" strike="noStrike">
                 <a:solidFill>
@@ -7048,7 +5662,7 @@
       </p:sp>
       <p:sp>
         <p:nvSpPr>
-          <p:cNvPr id="239" name="Line 6"/>
+          <p:cNvPr id="201" name="Line 6"/>
           <p:cNvSpPr/>
           <p:nvPr/>
         </p:nvSpPr>
@@ -7077,7 +5691,7 @@
       </p:sp>
       <p:pic>
         <p:nvPicPr>
-          <p:cNvPr id="240" name="" descr=""/>
+          <p:cNvPr id="202" name="" descr=""/>
           <p:cNvPicPr/>
           <p:nvPr/>
         </p:nvPicPr>
@@ -7088,7 +5702,7 @@
         <p:spPr>
           <a:xfrm>
             <a:off x="360" y="360"/>
-            <a:ext cx="514440" cy="5147640"/>
+            <a:ext cx="513720" cy="5146920"/>
           </a:xfrm>
           <a:prstGeom prst="rect">
             <a:avLst/>
@@ -7130,7 +5744,7 @@
       </p:grpSpPr>
       <p:pic>
         <p:nvPicPr>
-          <p:cNvPr id="241" name="" descr=""/>
+          <p:cNvPr id="203" name="" descr=""/>
           <p:cNvPicPr/>
           <p:nvPr/>
         </p:nvPicPr>
@@ -7141,7 +5755,7 @@
         <p:spPr>
           <a:xfrm>
             <a:off x="360" y="2520"/>
-            <a:ext cx="9143640" cy="5142960"/>
+            <a:ext cx="9142920" cy="5142240"/>
           </a:xfrm>
           <a:prstGeom prst="rect">
             <a:avLst/>
@@ -7153,14 +5767,14 @@
       </p:pic>
       <p:sp>
         <p:nvSpPr>
-          <p:cNvPr id="242" name="CustomShape 1"/>
+          <p:cNvPr id="204" name="CustomShape 1"/>
           <p:cNvSpPr/>
           <p:nvPr/>
         </p:nvSpPr>
         <p:spPr>
           <a:xfrm>
             <a:off x="6264000" y="2520"/>
-            <a:ext cx="2592000" cy="432000"/>
+            <a:ext cx="2591280" cy="431280"/>
           </a:xfrm>
           <a:prstGeom prst="rect">
             <a:avLst/>
@@ -7185,10 +5799,18 @@
             <a:noAutofit/>
           </a:bodyPr>
           <a:p>
-            <a:pPr algn="ctr"/>
+            <a:pPr algn="ctr">
+              <a:lnSpc>
+                <a:spcPct val="100000"/>
+              </a:lnSpc>
+            </a:pPr>
             <a:r>
               <a:rPr b="0" lang="en-GB" sz="1400" spc="-1" strike="noStrike">
+                <a:solidFill>
+                  <a:srgbClr val="000000"/>
+                </a:solidFill>
                 <a:latin typeface="Arial"/>
+                <a:ea typeface="DejaVu Sans"/>
               </a:rPr>
               <a:t>Use Case 5.2: Start ‘6 Meanings’ test</a:t>
             </a:r>
@@ -7200,14 +5822,14 @@
       </p:sp>
       <p:sp>
         <p:nvSpPr>
-          <p:cNvPr id="243" name="TextShape 2"/>
-          <p:cNvSpPr txBox="1"/>
+          <p:cNvPr id="205" name="CustomShape 2"/>
+          <p:cNvSpPr/>
           <p:nvPr/>
         </p:nvSpPr>
         <p:spPr>
           <a:xfrm>
             <a:off x="2806200" y="1152000"/>
-            <a:ext cx="3241800" cy="648000"/>
+            <a:ext cx="3241080" cy="647280"/>
           </a:xfrm>
           <a:prstGeom prst="rect">
             <a:avLst/>
@@ -7224,11 +5846,22 @@
             <a:round/>
           </a:ln>
         </p:spPr>
+        <p:style>
+          <a:lnRef idx="0"/>
+          <a:fillRef idx="0"/>
+          <a:effectRef idx="0"/>
+          <a:fontRef idx="minor"/>
+        </p:style>
         <p:txBody>
           <a:bodyPr lIns="96120" rIns="96120" tIns="51120" bIns="51120">
             <a:noAutofit/>
           </a:bodyPr>
           <a:p>
+            <a:pPr>
+              <a:lnSpc>
+                <a:spcPct val="100000"/>
+              </a:lnSpc>
+            </a:pPr>
             <a:r>
               <a:rPr b="0" lang="en-GB" sz="1800" spc="-1" strike="noStrike">
                 <a:solidFill>
@@ -7247,7 +5880,7 @@
       </p:sp>
       <p:sp>
         <p:nvSpPr>
-          <p:cNvPr id="244" name="Line 3"/>
+          <p:cNvPr id="206" name="Line 3"/>
           <p:cNvSpPr/>
           <p:nvPr/>
         </p:nvSpPr>
@@ -7276,7 +5909,7 @@
       </p:sp>
       <p:pic>
         <p:nvPicPr>
-          <p:cNvPr id="245" name="" descr=""/>
+          <p:cNvPr id="207" name="" descr=""/>
           <p:cNvPicPr/>
           <p:nvPr/>
         </p:nvPicPr>
@@ -7287,7 +5920,7 @@
         <p:spPr>
           <a:xfrm>
             <a:off x="360" y="360"/>
-            <a:ext cx="514440" cy="5147640"/>
+            <a:ext cx="513720" cy="5146920"/>
           </a:xfrm>
           <a:prstGeom prst="rect">
             <a:avLst/>
@@ -7329,7 +5962,7 @@
       </p:grpSpPr>
       <p:pic>
         <p:nvPicPr>
-          <p:cNvPr id="117" name="" descr=""/>
+          <p:cNvPr id="79" name="" descr=""/>
           <p:cNvPicPr/>
           <p:nvPr/>
         </p:nvPicPr>
@@ -7340,7 +5973,7 @@
         <p:spPr>
           <a:xfrm>
             <a:off x="360" y="2520"/>
-            <a:ext cx="9143640" cy="5142960"/>
+            <a:ext cx="9142920" cy="5142240"/>
           </a:xfrm>
           <a:prstGeom prst="rect">
             <a:avLst/>
@@ -7352,7 +5985,7 @@
       </p:pic>
       <p:pic>
         <p:nvPicPr>
-          <p:cNvPr id="118" name="" descr=""/>
+          <p:cNvPr id="80" name="" descr=""/>
           <p:cNvPicPr/>
           <p:nvPr/>
         </p:nvPicPr>
@@ -7363,7 +5996,7 @@
         <p:spPr>
           <a:xfrm>
             <a:off x="0" y="0"/>
-            <a:ext cx="514440" cy="5147640"/>
+            <a:ext cx="513720" cy="5146920"/>
           </a:xfrm>
           <a:prstGeom prst="rect">
             <a:avLst/>
@@ -7375,14 +6008,14 @@
       </p:pic>
       <p:sp>
         <p:nvSpPr>
-          <p:cNvPr id="119" name="TextShape 1"/>
-          <p:cNvSpPr txBox="1"/>
+          <p:cNvPr id="81" name="CustomShape 1"/>
+          <p:cNvSpPr/>
           <p:nvPr/>
         </p:nvSpPr>
         <p:spPr>
           <a:xfrm>
             <a:off x="1460880" y="791640"/>
-            <a:ext cx="1657800" cy="388800"/>
+            <a:ext cx="1657080" cy="388080"/>
           </a:xfrm>
           <a:prstGeom prst="rect">
             <a:avLst/>
@@ -7399,11 +6032,22 @@
             <a:round/>
           </a:ln>
         </p:spPr>
+        <p:style>
+          <a:lnRef idx="0"/>
+          <a:fillRef idx="0"/>
+          <a:effectRef idx="0"/>
+          <a:fontRef idx="minor"/>
+        </p:style>
         <p:txBody>
           <a:bodyPr lIns="96120" rIns="96120" tIns="51120" bIns="51120">
             <a:noAutofit/>
           </a:bodyPr>
           <a:p>
+            <a:pPr>
+              <a:lnSpc>
+                <a:spcPct val="100000"/>
+              </a:lnSpc>
+            </a:pPr>
             <a:r>
               <a:rPr b="0" lang="en-GB" sz="1800" spc="-1" strike="noStrike">
                 <a:solidFill>
@@ -7422,14 +6066,14 @@
       </p:sp>
       <p:sp>
         <p:nvSpPr>
-          <p:cNvPr id="120" name="TextShape 2"/>
-          <p:cNvSpPr txBox="1"/>
+          <p:cNvPr id="82" name="CustomShape 2"/>
+          <p:cNvSpPr/>
           <p:nvPr/>
         </p:nvSpPr>
         <p:spPr>
           <a:xfrm>
             <a:off x="1533600" y="3794400"/>
-            <a:ext cx="1657800" cy="388800"/>
+            <a:ext cx="1657080" cy="388080"/>
           </a:xfrm>
           <a:prstGeom prst="rect">
             <a:avLst/>
@@ -7446,11 +6090,22 @@
             <a:round/>
           </a:ln>
         </p:spPr>
+        <p:style>
+          <a:lnRef idx="0"/>
+          <a:fillRef idx="0"/>
+          <a:effectRef idx="0"/>
+          <a:fontRef idx="minor"/>
+        </p:style>
         <p:txBody>
           <a:bodyPr lIns="96120" rIns="96120" tIns="51120" bIns="51120">
             <a:noAutofit/>
           </a:bodyPr>
           <a:p>
+            <a:pPr>
+              <a:lnSpc>
+                <a:spcPct val="100000"/>
+              </a:lnSpc>
+            </a:pPr>
             <a:r>
               <a:rPr b="0" lang="en-GB" sz="1800" spc="-1" strike="noStrike">
                 <a:solidFill>
@@ -7469,7 +6124,7 @@
       </p:sp>
       <p:sp>
         <p:nvSpPr>
-          <p:cNvPr id="121" name="Line 3"/>
+          <p:cNvPr id="83" name="Line 3"/>
           <p:cNvSpPr/>
           <p:nvPr/>
         </p:nvSpPr>
@@ -7498,7 +6153,7 @@
       </p:sp>
       <p:sp>
         <p:nvSpPr>
-          <p:cNvPr id="122" name="Line 4"/>
+          <p:cNvPr id="84" name="Line 4"/>
           <p:cNvSpPr/>
           <p:nvPr/>
         </p:nvSpPr>
@@ -7527,7 +6182,7 @@
       </p:sp>
       <p:sp>
         <p:nvSpPr>
-          <p:cNvPr id="123" name="Line 5"/>
+          <p:cNvPr id="85" name="Line 5"/>
           <p:cNvSpPr/>
           <p:nvPr/>
         </p:nvSpPr>
@@ -7556,7 +6211,7 @@
       </p:sp>
       <p:sp>
         <p:nvSpPr>
-          <p:cNvPr id="124" name="Line 6"/>
+          <p:cNvPr id="86" name="Line 6"/>
           <p:cNvSpPr/>
           <p:nvPr/>
         </p:nvSpPr>
@@ -7585,7 +6240,7 @@
       </p:sp>
       <p:sp>
         <p:nvSpPr>
-          <p:cNvPr id="125" name="Line 7"/>
+          <p:cNvPr id="87" name="Line 7"/>
           <p:cNvSpPr/>
           <p:nvPr/>
         </p:nvSpPr>
@@ -7614,7 +6269,7 @@
       </p:sp>
       <p:sp>
         <p:nvSpPr>
-          <p:cNvPr id="126" name="Line 8"/>
+          <p:cNvPr id="88" name="Line 8"/>
           <p:cNvSpPr/>
           <p:nvPr/>
         </p:nvSpPr>
@@ -7643,7 +6298,7 @@
       </p:sp>
       <p:sp>
         <p:nvSpPr>
-          <p:cNvPr id="127" name="Line 9"/>
+          <p:cNvPr id="89" name="Line 9"/>
           <p:cNvSpPr/>
           <p:nvPr/>
         </p:nvSpPr>
@@ -7672,7 +6327,7 @@
       </p:sp>
       <p:sp>
         <p:nvSpPr>
-          <p:cNvPr id="128" name="Line 10"/>
+          <p:cNvPr id="90" name="Line 10"/>
           <p:cNvSpPr/>
           <p:nvPr/>
         </p:nvSpPr>
@@ -7701,14 +6356,14 @@
       </p:sp>
       <p:sp>
         <p:nvSpPr>
-          <p:cNvPr id="129" name="TextShape 11"/>
-          <p:cNvSpPr txBox="1"/>
+          <p:cNvPr id="91" name="CustomShape 11"/>
+          <p:cNvSpPr/>
           <p:nvPr/>
         </p:nvSpPr>
         <p:spPr>
           <a:xfrm>
             <a:off x="5902200" y="2232000"/>
-            <a:ext cx="1657800" cy="388800"/>
+            <a:ext cx="1657080" cy="388080"/>
           </a:xfrm>
           <a:prstGeom prst="rect">
             <a:avLst/>
@@ -7725,11 +6380,22 @@
             <a:round/>
           </a:ln>
         </p:spPr>
+        <p:style>
+          <a:lnRef idx="0"/>
+          <a:fillRef idx="0"/>
+          <a:effectRef idx="0"/>
+          <a:fontRef idx="minor"/>
+        </p:style>
         <p:txBody>
           <a:bodyPr lIns="96120" rIns="96120" tIns="51120" bIns="51120">
             <a:noAutofit/>
           </a:bodyPr>
           <a:p>
+            <a:pPr>
+              <a:lnSpc>
+                <a:spcPct val="100000"/>
+              </a:lnSpc>
+            </a:pPr>
             <a:r>
               <a:rPr b="0" lang="en-GB" sz="1800" spc="-1" strike="noStrike">
                 <a:solidFill>
@@ -7748,14 +6414,14 @@
       </p:sp>
       <p:sp>
         <p:nvSpPr>
-          <p:cNvPr id="130" name="TextShape 12"/>
-          <p:cNvSpPr txBox="1"/>
+          <p:cNvPr id="92" name="CustomShape 12"/>
+          <p:cNvSpPr/>
           <p:nvPr/>
         </p:nvSpPr>
         <p:spPr>
           <a:xfrm>
             <a:off x="4102200" y="72000"/>
-            <a:ext cx="1657800" cy="388800"/>
+            <a:ext cx="1657080" cy="388080"/>
           </a:xfrm>
           <a:prstGeom prst="rect">
             <a:avLst/>
@@ -7772,11 +6438,22 @@
             <a:round/>
           </a:ln>
         </p:spPr>
+        <p:style>
+          <a:lnRef idx="0"/>
+          <a:fillRef idx="0"/>
+          <a:effectRef idx="0"/>
+          <a:fontRef idx="minor"/>
+        </p:style>
         <p:txBody>
           <a:bodyPr lIns="96120" rIns="96120" tIns="51120" bIns="51120">
             <a:noAutofit/>
           </a:bodyPr>
           <a:p>
+            <a:pPr>
+              <a:lnSpc>
+                <a:spcPct val="100000"/>
+              </a:lnSpc>
+            </a:pPr>
             <a:r>
               <a:rPr b="0" lang="en-GB" sz="1800" spc="-1" strike="noStrike">
                 <a:solidFill>
@@ -7795,14 +6472,14 @@
       </p:sp>
       <p:sp>
         <p:nvSpPr>
-          <p:cNvPr id="131" name="CustomShape 13"/>
+          <p:cNvPr id="93" name="CustomShape 13"/>
           <p:cNvSpPr/>
           <p:nvPr/>
         </p:nvSpPr>
         <p:spPr>
           <a:xfrm>
             <a:off x="6264000" y="2520"/>
-            <a:ext cx="2592000" cy="432000"/>
+            <a:ext cx="2591280" cy="431280"/>
           </a:xfrm>
           <a:prstGeom prst="rect">
             <a:avLst/>
@@ -7827,10 +6504,18 @@
             <a:noAutofit/>
           </a:bodyPr>
           <a:p>
-            <a:pPr algn="ctr"/>
+            <a:pPr algn="ctr">
+              <a:lnSpc>
+                <a:spcPct val="100000"/>
+              </a:lnSpc>
+            </a:pPr>
             <a:r>
               <a:rPr b="0" lang="en-GB" sz="1400" spc="-1" strike="noStrike">
+                <a:solidFill>
+                  <a:srgbClr val="000000"/>
+                </a:solidFill>
                 <a:latin typeface="Arial"/>
+                <a:ea typeface="DejaVu Sans"/>
               </a:rPr>
               <a:t>This shows the general layout of the program</a:t>
             </a:r>
@@ -7872,7 +6557,7 @@
       </p:grpSpPr>
       <p:pic>
         <p:nvPicPr>
-          <p:cNvPr id="246" name="" descr=""/>
+          <p:cNvPr id="208" name="" descr=""/>
           <p:cNvPicPr/>
           <p:nvPr/>
         </p:nvPicPr>
@@ -7883,7 +6568,7 @@
         <p:spPr>
           <a:xfrm>
             <a:off x="360" y="2520"/>
-            <a:ext cx="9143640" cy="5142960"/>
+            <a:ext cx="9142920" cy="5142240"/>
           </a:xfrm>
           <a:prstGeom prst="rect">
             <a:avLst/>
@@ -7895,14 +6580,14 @@
       </p:pic>
       <p:sp>
         <p:nvSpPr>
-          <p:cNvPr id="247" name="CustomShape 1"/>
+          <p:cNvPr id="209" name="CustomShape 1"/>
           <p:cNvSpPr/>
           <p:nvPr/>
         </p:nvSpPr>
         <p:spPr>
           <a:xfrm>
             <a:off x="6264000" y="2520"/>
-            <a:ext cx="2592000" cy="432000"/>
+            <a:ext cx="2591280" cy="431280"/>
           </a:xfrm>
           <a:prstGeom prst="rect">
             <a:avLst/>
@@ -7927,10 +6612,18 @@
             <a:noAutofit/>
           </a:bodyPr>
           <a:p>
-            <a:pPr algn="ctr"/>
+            <a:pPr algn="ctr">
+              <a:lnSpc>
+                <a:spcPct val="100000"/>
+              </a:lnSpc>
+            </a:pPr>
             <a:r>
               <a:rPr b="0" lang="en-GB" sz="1400" spc="-1" strike="noStrike">
+                <a:solidFill>
+                  <a:srgbClr val="000000"/>
+                </a:solidFill>
                 <a:latin typeface="Arial"/>
+                <a:ea typeface="DejaVu Sans"/>
               </a:rPr>
               <a:t>Use Case 5.2: Start ‘6 Meanings’ test</a:t>
             </a:r>
@@ -7942,14 +6635,14 @@
       </p:sp>
       <p:sp>
         <p:nvSpPr>
-          <p:cNvPr id="248" name="TextShape 2"/>
-          <p:cNvSpPr txBox="1"/>
+          <p:cNvPr id="210" name="CustomShape 2"/>
+          <p:cNvSpPr/>
           <p:nvPr/>
         </p:nvSpPr>
         <p:spPr>
           <a:xfrm>
             <a:off x="5328000" y="1440000"/>
-            <a:ext cx="3241800" cy="648000"/>
+            <a:ext cx="3241080" cy="647280"/>
           </a:xfrm>
           <a:prstGeom prst="rect">
             <a:avLst/>
@@ -7966,11 +6659,22 @@
             <a:round/>
           </a:ln>
         </p:spPr>
+        <p:style>
+          <a:lnRef idx="0"/>
+          <a:fillRef idx="0"/>
+          <a:effectRef idx="0"/>
+          <a:fontRef idx="minor"/>
+        </p:style>
         <p:txBody>
           <a:bodyPr lIns="96120" rIns="96120" tIns="51120" bIns="51120">
             <a:noAutofit/>
           </a:bodyPr>
           <a:p>
+            <a:pPr>
+              <a:lnSpc>
+                <a:spcPct val="100000"/>
+              </a:lnSpc>
+            </a:pPr>
             <a:r>
               <a:rPr b="0" lang="en-GB" sz="1800" spc="-1" strike="noStrike">
                 <a:solidFill>
@@ -7989,7 +6693,7 @@
       </p:sp>
       <p:sp>
         <p:nvSpPr>
-          <p:cNvPr id="249" name="Line 3"/>
+          <p:cNvPr id="211" name="Line 3"/>
           <p:cNvSpPr/>
           <p:nvPr/>
         </p:nvSpPr>
@@ -8018,7 +6722,7 @@
       </p:sp>
       <p:pic>
         <p:nvPicPr>
-          <p:cNvPr id="250" name="" descr=""/>
+          <p:cNvPr id="212" name="" descr=""/>
           <p:cNvPicPr/>
           <p:nvPr/>
         </p:nvPicPr>
@@ -8029,7 +6733,7 @@
         <p:spPr>
           <a:xfrm>
             <a:off x="360" y="360"/>
-            <a:ext cx="514440" cy="5147640"/>
+            <a:ext cx="513720" cy="5146920"/>
           </a:xfrm>
           <a:prstGeom prst="rect">
             <a:avLst/>
@@ -8071,7 +6775,7 @@
       </p:grpSpPr>
       <p:pic>
         <p:nvPicPr>
-          <p:cNvPr id="251" name="" descr=""/>
+          <p:cNvPr id="213" name="" descr=""/>
           <p:cNvPicPr/>
           <p:nvPr/>
         </p:nvPicPr>
@@ -8082,7 +6786,7 @@
         <p:spPr>
           <a:xfrm>
             <a:off x="360" y="2520"/>
-            <a:ext cx="9143640" cy="5142960"/>
+            <a:ext cx="9142920" cy="5142240"/>
           </a:xfrm>
           <a:prstGeom prst="rect">
             <a:avLst/>
@@ -8094,14 +6798,14 @@
       </p:pic>
       <p:sp>
         <p:nvSpPr>
-          <p:cNvPr id="252" name="CustomShape 1"/>
+          <p:cNvPr id="214" name="CustomShape 1"/>
           <p:cNvSpPr/>
           <p:nvPr/>
         </p:nvSpPr>
         <p:spPr>
           <a:xfrm>
             <a:off x="6264000" y="2520"/>
-            <a:ext cx="2592000" cy="432000"/>
+            <a:ext cx="2591280" cy="431280"/>
           </a:xfrm>
           <a:prstGeom prst="rect">
             <a:avLst/>
@@ -8126,10 +6830,18 @@
             <a:noAutofit/>
           </a:bodyPr>
           <a:p>
-            <a:pPr algn="ctr"/>
+            <a:pPr algn="ctr">
+              <a:lnSpc>
+                <a:spcPct val="100000"/>
+              </a:lnSpc>
+            </a:pPr>
             <a:r>
               <a:rPr b="0" lang="en-GB" sz="1400" spc="-1" strike="noStrike">
+                <a:solidFill>
+                  <a:srgbClr val="000000"/>
+                </a:solidFill>
                 <a:latin typeface="Arial"/>
+                <a:ea typeface="DejaVu Sans"/>
               </a:rPr>
               <a:t>Use Case 5.2: Start ‘6 Meanings’ test</a:t>
             </a:r>
@@ -8139,16 +6851,39 @@
           </a:p>
         </p:txBody>
       </p:sp>
-      <p:sp>
-        <p:nvSpPr>
-          <p:cNvPr id="253" name="TextShape 2"/>
-          <p:cNvSpPr txBox="1"/>
+      <p:pic>
+        <p:nvPicPr>
+          <p:cNvPr id="215" name="" descr=""/>
+          <p:cNvPicPr/>
+          <p:nvPr/>
+        </p:nvPicPr>
+        <p:blipFill>
+          <a:blip r:embed="rId2"/>
+          <a:stretch/>
+        </p:blipFill>
+        <p:spPr>
+          <a:xfrm>
+            <a:off x="360" y="360"/>
+            <a:ext cx="513720" cy="5146920"/>
+          </a:xfrm>
+          <a:prstGeom prst="rect">
+            <a:avLst/>
+          </a:prstGeom>
+          <a:ln>
+            <a:noFill/>
+          </a:ln>
+        </p:spPr>
+      </p:pic>
+      <p:sp>
+        <p:nvSpPr>
+          <p:cNvPr id="216" name="CustomShape 2"/>
+          <p:cNvSpPr/>
           <p:nvPr/>
         </p:nvSpPr>
         <p:spPr>
           <a:xfrm>
             <a:off x="216000" y="72000"/>
-            <a:ext cx="3241800" cy="1944000"/>
+            <a:ext cx="3241080" cy="1943280"/>
           </a:xfrm>
           <a:prstGeom prst="rect">
             <a:avLst/>
@@ -8165,11 +6900,22 @@
             <a:round/>
           </a:ln>
         </p:spPr>
+        <p:style>
+          <a:lnRef idx="0"/>
+          <a:fillRef idx="0"/>
+          <a:effectRef idx="0"/>
+          <a:fontRef idx="minor"/>
+        </p:style>
         <p:txBody>
           <a:bodyPr lIns="96120" rIns="96120" tIns="51120" bIns="51120">
             <a:noAutofit/>
           </a:bodyPr>
           <a:p>
+            <a:pPr>
+              <a:lnSpc>
+                <a:spcPct val="100000"/>
+              </a:lnSpc>
+            </a:pPr>
             <a:r>
               <a:rPr b="0" lang="en-GB" sz="1800" spc="-1" strike="noStrike">
                 <a:solidFill>
@@ -8185,6 +6931,11 @@
             </a:endParaRPr>
           </a:p>
           <a:p>
+            <a:pPr>
+              <a:lnSpc>
+                <a:spcPct val="100000"/>
+              </a:lnSpc>
+            </a:pPr>
             <a:r>
               <a:rPr b="0" lang="en-GB" sz="1800" spc="-1" strike="noStrike">
                 <a:solidFill>
@@ -8203,14 +6954,14 @@
       </p:sp>
       <p:sp>
         <p:nvSpPr>
-          <p:cNvPr id="254" name="TextShape 3"/>
-          <p:cNvSpPr txBox="1"/>
+          <p:cNvPr id="217" name="CustomShape 3"/>
+          <p:cNvSpPr/>
           <p:nvPr/>
         </p:nvSpPr>
         <p:spPr>
           <a:xfrm>
             <a:off x="4680000" y="1440000"/>
-            <a:ext cx="3744000" cy="648000"/>
+            <a:ext cx="3743280" cy="647280"/>
           </a:xfrm>
           <a:prstGeom prst="rect">
             <a:avLst/>
@@ -8227,11 +6978,22 @@
             <a:round/>
           </a:ln>
         </p:spPr>
+        <p:style>
+          <a:lnRef idx="0"/>
+          <a:fillRef idx="0"/>
+          <a:effectRef idx="0"/>
+          <a:fontRef idx="minor"/>
+        </p:style>
         <p:txBody>
           <a:bodyPr lIns="96120" rIns="96120" tIns="51120" bIns="51120">
             <a:noAutofit/>
           </a:bodyPr>
           <a:p>
+            <a:pPr>
+              <a:lnSpc>
+                <a:spcPct val="100000"/>
+              </a:lnSpc>
+            </a:pPr>
             <a:r>
               <a:rPr b="0" lang="en-GB" sz="1800" spc="-1" strike="noStrike">
                 <a:solidFill>
@@ -8250,7 +7012,7 @@
       </p:sp>
       <p:sp>
         <p:nvSpPr>
-          <p:cNvPr id="255" name="Line 4"/>
+          <p:cNvPr id="218" name="Line 4"/>
           <p:cNvSpPr/>
           <p:nvPr/>
         </p:nvSpPr>
@@ -8279,14 +7041,14 @@
       </p:sp>
       <p:sp>
         <p:nvSpPr>
-          <p:cNvPr id="256" name="TextShape 5"/>
-          <p:cNvSpPr txBox="1"/>
+          <p:cNvPr id="219" name="CustomShape 5"/>
+          <p:cNvSpPr/>
           <p:nvPr/>
         </p:nvSpPr>
         <p:spPr>
           <a:xfrm>
             <a:off x="4608000" y="3816000"/>
-            <a:ext cx="2304000" cy="432000"/>
+            <a:ext cx="2303280" cy="431280"/>
           </a:xfrm>
           <a:prstGeom prst="rect">
             <a:avLst/>
@@ -8303,11 +7065,22 @@
             <a:round/>
           </a:ln>
         </p:spPr>
+        <p:style>
+          <a:lnRef idx="0"/>
+          <a:fillRef idx="0"/>
+          <a:effectRef idx="0"/>
+          <a:fontRef idx="minor"/>
+        </p:style>
         <p:txBody>
           <a:bodyPr lIns="96120" rIns="96120" tIns="51120" bIns="51120">
             <a:noAutofit/>
           </a:bodyPr>
           <a:p>
+            <a:pPr>
+              <a:lnSpc>
+                <a:spcPct val="100000"/>
+              </a:lnSpc>
+            </a:pPr>
             <a:r>
               <a:rPr b="0" lang="en-GB" sz="1800" spc="-1" strike="noStrike">
                 <a:solidFill>
@@ -8326,7 +7099,7 @@
       </p:sp>
       <p:sp>
         <p:nvSpPr>
-          <p:cNvPr id="257" name="Line 6"/>
+          <p:cNvPr id="220" name="Line 6"/>
           <p:cNvSpPr/>
           <p:nvPr/>
         </p:nvSpPr>
@@ -8353,29 +7126,6 @@
           <a:fontRef idx="minor"/>
         </p:style>
       </p:sp>
-      <p:pic>
-        <p:nvPicPr>
-          <p:cNvPr id="258" name="" descr=""/>
-          <p:cNvPicPr/>
-          <p:nvPr/>
-        </p:nvPicPr>
-        <p:blipFill>
-          <a:blip r:embed="rId2"/>
-          <a:stretch/>
-        </p:blipFill>
-        <p:spPr>
-          <a:xfrm>
-            <a:off x="360" y="360"/>
-            <a:ext cx="514440" cy="5147640"/>
-          </a:xfrm>
-          <a:prstGeom prst="rect">
-            <a:avLst/>
-          </a:prstGeom>
-          <a:ln>
-            <a:noFill/>
-          </a:ln>
-        </p:spPr>
-      </p:pic>
     </p:spTree>
   </p:cSld>
   <mc:AlternateContent>
@@ -8408,7 +7158,7 @@
       </p:grpSpPr>
       <p:pic>
         <p:nvPicPr>
-          <p:cNvPr id="259" name="" descr=""/>
+          <p:cNvPr id="221" name="" descr=""/>
           <p:cNvPicPr/>
           <p:nvPr/>
         </p:nvPicPr>
@@ -8419,7 +7169,7 @@
         <p:spPr>
           <a:xfrm>
             <a:off x="360" y="2520"/>
-            <a:ext cx="9143640" cy="5142960"/>
+            <a:ext cx="9142920" cy="5142240"/>
           </a:xfrm>
           <a:prstGeom prst="rect">
             <a:avLst/>
@@ -8431,14 +7181,14 @@
       </p:pic>
       <p:sp>
         <p:nvSpPr>
-          <p:cNvPr id="260" name="CustomShape 1"/>
+          <p:cNvPr id="222" name="CustomShape 1"/>
           <p:cNvSpPr/>
           <p:nvPr/>
         </p:nvSpPr>
         <p:spPr>
           <a:xfrm>
             <a:off x="6264000" y="2520"/>
-            <a:ext cx="2592000" cy="432000"/>
+            <a:ext cx="2591280" cy="431280"/>
           </a:xfrm>
           <a:prstGeom prst="rect">
             <a:avLst/>
@@ -8463,10 +7213,18 @@
             <a:noAutofit/>
           </a:bodyPr>
           <a:p>
-            <a:pPr algn="ctr"/>
+            <a:pPr algn="ctr">
+              <a:lnSpc>
+                <a:spcPct val="100000"/>
+              </a:lnSpc>
+            </a:pPr>
             <a:r>
               <a:rPr b="0" lang="en-GB" sz="1400" spc="-1" strike="noStrike">
+                <a:solidFill>
+                  <a:srgbClr val="000000"/>
+                </a:solidFill>
                 <a:latin typeface="Arial"/>
+                <a:ea typeface="DejaVu Sans"/>
               </a:rPr>
               <a:t>Use Case 5.3: Start ‘Translation’ test</a:t>
             </a:r>
@@ -8478,14 +7236,14 @@
       </p:sp>
       <p:sp>
         <p:nvSpPr>
-          <p:cNvPr id="261" name="TextShape 2"/>
-          <p:cNvSpPr txBox="1"/>
+          <p:cNvPr id="223" name="CustomShape 2"/>
+          <p:cNvSpPr/>
           <p:nvPr/>
         </p:nvSpPr>
         <p:spPr>
           <a:xfrm>
             <a:off x="2809440" y="1163160"/>
-            <a:ext cx="3241800" cy="648000"/>
+            <a:ext cx="3241080" cy="647280"/>
           </a:xfrm>
           <a:prstGeom prst="rect">
             <a:avLst/>
@@ -8502,11 +7260,22 @@
             <a:round/>
           </a:ln>
         </p:spPr>
+        <p:style>
+          <a:lnRef idx="0"/>
+          <a:fillRef idx="0"/>
+          <a:effectRef idx="0"/>
+          <a:fontRef idx="minor"/>
+        </p:style>
         <p:txBody>
           <a:bodyPr lIns="96120" rIns="96120" tIns="51120" bIns="51120">
             <a:noAutofit/>
           </a:bodyPr>
           <a:p>
+            <a:pPr>
+              <a:lnSpc>
+                <a:spcPct val="100000"/>
+              </a:lnSpc>
+            </a:pPr>
             <a:r>
               <a:rPr b="0" lang="en-GB" sz="1800" spc="-1" strike="noStrike">
                 <a:solidFill>
@@ -8525,7 +7294,7 @@
       </p:sp>
       <p:sp>
         <p:nvSpPr>
-          <p:cNvPr id="262" name="Line 3"/>
+          <p:cNvPr id="224" name="Line 3"/>
           <p:cNvSpPr/>
           <p:nvPr/>
         </p:nvSpPr>
@@ -8554,7 +7323,7 @@
       </p:sp>
       <p:pic>
         <p:nvPicPr>
-          <p:cNvPr id="263" name="" descr=""/>
+          <p:cNvPr id="225" name="" descr=""/>
           <p:cNvPicPr/>
           <p:nvPr/>
         </p:nvPicPr>
@@ -8565,7 +7334,7 @@
         <p:spPr>
           <a:xfrm>
             <a:off x="360" y="360"/>
-            <a:ext cx="514440" cy="5147640"/>
+            <a:ext cx="513720" cy="5146920"/>
           </a:xfrm>
           <a:prstGeom prst="rect">
             <a:avLst/>
@@ -8607,7 +7376,7 @@
       </p:grpSpPr>
       <p:pic>
         <p:nvPicPr>
-          <p:cNvPr id="264" name="" descr=""/>
+          <p:cNvPr id="226" name="" descr=""/>
           <p:cNvPicPr/>
           <p:nvPr/>
         </p:nvPicPr>
@@ -8618,7 +7387,7 @@
         <p:spPr>
           <a:xfrm>
             <a:off x="360" y="2520"/>
-            <a:ext cx="9143640" cy="5142960"/>
+            <a:ext cx="9142920" cy="5142240"/>
           </a:xfrm>
           <a:prstGeom prst="rect">
             <a:avLst/>
@@ -8630,14 +7399,14 @@
       </p:pic>
       <p:sp>
         <p:nvSpPr>
-          <p:cNvPr id="265" name="CustomShape 1"/>
+          <p:cNvPr id="227" name="CustomShape 1"/>
           <p:cNvSpPr/>
           <p:nvPr/>
         </p:nvSpPr>
         <p:spPr>
           <a:xfrm>
             <a:off x="6264000" y="2520"/>
-            <a:ext cx="2592000" cy="432000"/>
+            <a:ext cx="2591280" cy="431280"/>
           </a:xfrm>
           <a:prstGeom prst="rect">
             <a:avLst/>
@@ -8662,10 +7431,18 @@
             <a:noAutofit/>
           </a:bodyPr>
           <a:p>
-            <a:pPr algn="ctr"/>
+            <a:pPr algn="ctr">
+              <a:lnSpc>
+                <a:spcPct val="100000"/>
+              </a:lnSpc>
+            </a:pPr>
             <a:r>
               <a:rPr b="0" lang="en-GB" sz="1400" spc="-1" strike="noStrike">
+                <a:solidFill>
+                  <a:srgbClr val="000000"/>
+                </a:solidFill>
                 <a:latin typeface="Arial"/>
+                <a:ea typeface="DejaVu Sans"/>
               </a:rPr>
               <a:t>Use Case 5.3: Start ‘Translation’ test</a:t>
             </a:r>
@@ -8677,14 +7454,14 @@
       </p:sp>
       <p:sp>
         <p:nvSpPr>
-          <p:cNvPr id="266" name="TextShape 2"/>
-          <p:cNvSpPr txBox="1"/>
+          <p:cNvPr id="228" name="CustomShape 2"/>
+          <p:cNvSpPr/>
           <p:nvPr/>
         </p:nvSpPr>
         <p:spPr>
           <a:xfrm>
             <a:off x="5328000" y="1440000"/>
-            <a:ext cx="3241800" cy="648000"/>
+            <a:ext cx="3241080" cy="647280"/>
           </a:xfrm>
           <a:prstGeom prst="rect">
             <a:avLst/>
@@ -8701,11 +7478,22 @@
             <a:round/>
           </a:ln>
         </p:spPr>
+        <p:style>
+          <a:lnRef idx="0"/>
+          <a:fillRef idx="0"/>
+          <a:effectRef idx="0"/>
+          <a:fontRef idx="minor"/>
+        </p:style>
         <p:txBody>
           <a:bodyPr lIns="96120" rIns="96120" tIns="51120" bIns="51120">
             <a:noAutofit/>
           </a:bodyPr>
           <a:p>
+            <a:pPr>
+              <a:lnSpc>
+                <a:spcPct val="100000"/>
+              </a:lnSpc>
+            </a:pPr>
             <a:r>
               <a:rPr b="0" lang="en-GB" sz="1800" spc="-1" strike="noStrike">
                 <a:solidFill>
@@ -8724,7 +7512,7 @@
       </p:sp>
       <p:sp>
         <p:nvSpPr>
-          <p:cNvPr id="267" name="Line 3"/>
+          <p:cNvPr id="229" name="Line 3"/>
           <p:cNvSpPr/>
           <p:nvPr/>
         </p:nvSpPr>
@@ -8753,7 +7541,7 @@
       </p:sp>
       <p:pic>
         <p:nvPicPr>
-          <p:cNvPr id="268" name="" descr=""/>
+          <p:cNvPr id="230" name="" descr=""/>
           <p:cNvPicPr/>
           <p:nvPr/>
         </p:nvPicPr>
@@ -8764,7 +7552,7 @@
         <p:spPr>
           <a:xfrm>
             <a:off x="360" y="360"/>
-            <a:ext cx="514440" cy="5147640"/>
+            <a:ext cx="513720" cy="5146920"/>
           </a:xfrm>
           <a:prstGeom prst="rect">
             <a:avLst/>
@@ -8806,7 +7594,7 @@
       </p:grpSpPr>
       <p:pic>
         <p:nvPicPr>
-          <p:cNvPr id="269" name="" descr=""/>
+          <p:cNvPr id="231" name="" descr=""/>
           <p:cNvPicPr/>
           <p:nvPr/>
         </p:nvPicPr>
@@ -8817,7 +7605,7 @@
         <p:spPr>
           <a:xfrm>
             <a:off x="360" y="2520"/>
-            <a:ext cx="9143640" cy="5142960"/>
+            <a:ext cx="9142920" cy="5142240"/>
           </a:xfrm>
           <a:prstGeom prst="rect">
             <a:avLst/>
@@ -8829,7 +7617,7 @@
       </p:pic>
       <p:pic>
         <p:nvPicPr>
-          <p:cNvPr id="270" name="" descr=""/>
+          <p:cNvPr id="232" name="" descr=""/>
           <p:cNvPicPr/>
           <p:nvPr/>
         </p:nvPicPr>
@@ -8840,7 +7628,7 @@
         <p:spPr>
           <a:xfrm>
             <a:off x="360" y="360"/>
-            <a:ext cx="514440" cy="5147640"/>
+            <a:ext cx="513720" cy="5146920"/>
           </a:xfrm>
           <a:prstGeom prst="rect">
             <a:avLst/>
@@ -8852,14 +7640,14 @@
       </p:pic>
       <p:sp>
         <p:nvSpPr>
-          <p:cNvPr id="271" name="CustomShape 1"/>
+          <p:cNvPr id="233" name="CustomShape 1"/>
           <p:cNvSpPr/>
           <p:nvPr/>
         </p:nvSpPr>
         <p:spPr>
           <a:xfrm>
             <a:off x="6264000" y="2520"/>
-            <a:ext cx="2592000" cy="432000"/>
+            <a:ext cx="2591280" cy="431280"/>
           </a:xfrm>
           <a:prstGeom prst="rect">
             <a:avLst/>
@@ -8884,10 +7672,18 @@
             <a:noAutofit/>
           </a:bodyPr>
           <a:p>
-            <a:pPr algn="ctr"/>
+            <a:pPr algn="ctr">
+              <a:lnSpc>
+                <a:spcPct val="100000"/>
+              </a:lnSpc>
+            </a:pPr>
             <a:r>
               <a:rPr b="0" lang="en-GB" sz="1400" spc="-1" strike="noStrike">
+                <a:solidFill>
+                  <a:srgbClr val="000000"/>
+                </a:solidFill>
                 <a:latin typeface="Arial"/>
+                <a:ea typeface="DejaVu Sans"/>
               </a:rPr>
               <a:t>Use Case 5.3: Start ‘Translation’ test</a:t>
             </a:r>
@@ -8899,14 +7695,14 @@
       </p:sp>
       <p:sp>
         <p:nvSpPr>
-          <p:cNvPr id="272" name="TextShape 2"/>
-          <p:cNvSpPr txBox="1"/>
+          <p:cNvPr id="234" name="CustomShape 2"/>
+          <p:cNvSpPr/>
           <p:nvPr/>
         </p:nvSpPr>
         <p:spPr>
           <a:xfrm>
             <a:off x="216000" y="68760"/>
-            <a:ext cx="3241800" cy="1728000"/>
+            <a:ext cx="3241080" cy="1727280"/>
           </a:xfrm>
           <a:prstGeom prst="rect">
             <a:avLst/>
@@ -8923,11 +7719,22 @@
             <a:round/>
           </a:ln>
         </p:spPr>
+        <p:style>
+          <a:lnRef idx="0"/>
+          <a:fillRef idx="0"/>
+          <a:effectRef idx="0"/>
+          <a:fontRef idx="minor"/>
+        </p:style>
         <p:txBody>
           <a:bodyPr lIns="96120" rIns="96120" tIns="51120" bIns="51120">
             <a:noAutofit/>
           </a:bodyPr>
           <a:p>
+            <a:pPr>
+              <a:lnSpc>
+                <a:spcPct val="100000"/>
+              </a:lnSpc>
+            </a:pPr>
             <a:r>
               <a:rPr b="0" lang="en-GB" sz="1800" spc="-1" strike="noStrike">
                 <a:solidFill>
@@ -8946,14 +7753,14 @@
       </p:sp>
       <p:sp>
         <p:nvSpPr>
-          <p:cNvPr id="273" name="TextShape 3"/>
-          <p:cNvSpPr txBox="1"/>
+          <p:cNvPr id="235" name="CustomShape 3"/>
+          <p:cNvSpPr/>
           <p:nvPr/>
         </p:nvSpPr>
         <p:spPr>
           <a:xfrm>
             <a:off x="4680000" y="1436760"/>
-            <a:ext cx="3744000" cy="648000"/>
+            <a:ext cx="3743280" cy="647280"/>
           </a:xfrm>
           <a:prstGeom prst="rect">
             <a:avLst/>
@@ -8970,11 +7777,22 @@
             <a:round/>
           </a:ln>
         </p:spPr>
+        <p:style>
+          <a:lnRef idx="0"/>
+          <a:fillRef idx="0"/>
+          <a:effectRef idx="0"/>
+          <a:fontRef idx="minor"/>
+        </p:style>
         <p:txBody>
           <a:bodyPr lIns="96120" rIns="96120" tIns="51120" bIns="51120">
             <a:noAutofit/>
           </a:bodyPr>
           <a:p>
+            <a:pPr>
+              <a:lnSpc>
+                <a:spcPct val="100000"/>
+              </a:lnSpc>
+            </a:pPr>
             <a:r>
               <a:rPr b="0" lang="en-GB" sz="1800" spc="-1" strike="noStrike">
                 <a:solidFill>
@@ -8993,7 +7811,7 @@
       </p:sp>
       <p:sp>
         <p:nvSpPr>
-          <p:cNvPr id="274" name="Line 4"/>
+          <p:cNvPr id="236" name="Line 4"/>
           <p:cNvSpPr/>
           <p:nvPr/>
         </p:nvSpPr>
@@ -9022,14 +7840,14 @@
       </p:sp>
       <p:sp>
         <p:nvSpPr>
-          <p:cNvPr id="275" name="TextShape 5"/>
-          <p:cNvSpPr txBox="1"/>
+          <p:cNvPr id="237" name="CustomShape 5"/>
+          <p:cNvSpPr/>
           <p:nvPr/>
         </p:nvSpPr>
         <p:spPr>
           <a:xfrm>
             <a:off x="4608000" y="3812760"/>
-            <a:ext cx="2304000" cy="432000"/>
+            <a:ext cx="2303280" cy="431280"/>
           </a:xfrm>
           <a:prstGeom prst="rect">
             <a:avLst/>
@@ -9046,11 +7864,22 @@
             <a:round/>
           </a:ln>
         </p:spPr>
+        <p:style>
+          <a:lnRef idx="0"/>
+          <a:fillRef idx="0"/>
+          <a:effectRef idx="0"/>
+          <a:fontRef idx="minor"/>
+        </p:style>
         <p:txBody>
           <a:bodyPr lIns="96120" rIns="96120" tIns="51120" bIns="51120">
             <a:noAutofit/>
           </a:bodyPr>
           <a:p>
+            <a:pPr>
+              <a:lnSpc>
+                <a:spcPct val="100000"/>
+              </a:lnSpc>
+            </a:pPr>
             <a:r>
               <a:rPr b="0" lang="en-GB" sz="1800" spc="-1" strike="noStrike">
                 <a:solidFill>
@@ -9069,7 +7898,7 @@
       </p:sp>
       <p:sp>
         <p:nvSpPr>
-          <p:cNvPr id="276" name="Line 6"/>
+          <p:cNvPr id="238" name="Line 6"/>
           <p:cNvSpPr/>
           <p:nvPr/>
         </p:nvSpPr>
@@ -9128,7 +7957,7 @@
       </p:grpSpPr>
       <p:pic>
         <p:nvPicPr>
-          <p:cNvPr id="277" name="" descr=""/>
+          <p:cNvPr id="239" name="" descr=""/>
           <p:cNvPicPr/>
           <p:nvPr/>
         </p:nvPicPr>
@@ -9139,7 +7968,7 @@
         <p:spPr>
           <a:xfrm>
             <a:off x="360" y="2520"/>
-            <a:ext cx="9143640" cy="5142960"/>
+            <a:ext cx="9142920" cy="5142240"/>
           </a:xfrm>
           <a:prstGeom prst="rect">
             <a:avLst/>
@@ -9151,14 +7980,14 @@
       </p:pic>
       <p:sp>
         <p:nvSpPr>
-          <p:cNvPr id="278" name="CustomShape 1"/>
+          <p:cNvPr id="240" name="CustomShape 1"/>
           <p:cNvSpPr/>
           <p:nvPr/>
         </p:nvSpPr>
         <p:spPr>
           <a:xfrm>
             <a:off x="6264000" y="2520"/>
-            <a:ext cx="2592000" cy="432000"/>
+            <a:ext cx="2591280" cy="431280"/>
           </a:xfrm>
           <a:prstGeom prst="rect">
             <a:avLst/>
@@ -9183,10 +8012,18 @@
             <a:noAutofit/>
           </a:bodyPr>
           <a:p>
-            <a:pPr algn="ctr"/>
+            <a:pPr algn="ctr">
+              <a:lnSpc>
+                <a:spcPct val="100000"/>
+              </a:lnSpc>
+            </a:pPr>
             <a:r>
               <a:rPr b="0" lang="en-GB" sz="1400" spc="-1" strike="noStrike">
+                <a:solidFill>
+                  <a:srgbClr val="000000"/>
+                </a:solidFill>
                 <a:latin typeface="Arial"/>
+                <a:ea typeface="DejaVu Sans"/>
               </a:rPr>
               <a:t>Use Case 6: View Flashcards</a:t>
             </a:r>
@@ -9198,14 +8035,14 @@
       </p:sp>
       <p:sp>
         <p:nvSpPr>
-          <p:cNvPr id="279" name="TextShape 2"/>
-          <p:cNvSpPr txBox="1"/>
+          <p:cNvPr id="241" name="CustomShape 2"/>
+          <p:cNvSpPr/>
           <p:nvPr/>
         </p:nvSpPr>
         <p:spPr>
           <a:xfrm>
             <a:off x="2809440" y="1163160"/>
-            <a:ext cx="3241800" cy="648000"/>
+            <a:ext cx="3241080" cy="647280"/>
           </a:xfrm>
           <a:prstGeom prst="rect">
             <a:avLst/>
@@ -9222,11 +8059,22 @@
             <a:round/>
           </a:ln>
         </p:spPr>
+        <p:style>
+          <a:lnRef idx="0"/>
+          <a:fillRef idx="0"/>
+          <a:effectRef idx="0"/>
+          <a:fontRef idx="minor"/>
+        </p:style>
         <p:txBody>
           <a:bodyPr lIns="96120" rIns="96120" tIns="51120" bIns="51120">
             <a:noAutofit/>
           </a:bodyPr>
           <a:p>
+            <a:pPr>
+              <a:lnSpc>
+                <a:spcPct val="100000"/>
+              </a:lnSpc>
+            </a:pPr>
             <a:r>
               <a:rPr b="0" lang="en-GB" sz="1800" spc="-1" strike="noStrike">
                 <a:solidFill>
@@ -9245,7 +8093,7 @@
       </p:sp>
       <p:sp>
         <p:nvSpPr>
-          <p:cNvPr id="280" name="Line 3"/>
+          <p:cNvPr id="242" name="Line 3"/>
           <p:cNvSpPr/>
           <p:nvPr/>
         </p:nvSpPr>
@@ -9274,7 +8122,7 @@
       </p:sp>
       <p:pic>
         <p:nvPicPr>
-          <p:cNvPr id="281" name="" descr=""/>
+          <p:cNvPr id="243" name="" descr=""/>
           <p:cNvPicPr/>
           <p:nvPr/>
         </p:nvPicPr>
@@ -9285,7 +8133,7 @@
         <p:spPr>
           <a:xfrm>
             <a:off x="360" y="360"/>
-            <a:ext cx="514440" cy="5147640"/>
+            <a:ext cx="513720" cy="5146920"/>
           </a:xfrm>
           <a:prstGeom prst="rect">
             <a:avLst/>
@@ -9327,7 +8175,7 @@
       </p:grpSpPr>
       <p:pic>
         <p:nvPicPr>
-          <p:cNvPr id="282" name="" descr=""/>
+          <p:cNvPr id="244" name="" descr=""/>
           <p:cNvPicPr/>
           <p:nvPr/>
         </p:nvPicPr>
@@ -9338,7 +8186,7 @@
         <p:spPr>
           <a:xfrm>
             <a:off x="360" y="2520"/>
-            <a:ext cx="9143640" cy="5142960"/>
+            <a:ext cx="9142920" cy="5142240"/>
           </a:xfrm>
           <a:prstGeom prst="rect">
             <a:avLst/>
@@ -9350,14 +8198,14 @@
       </p:pic>
       <p:sp>
         <p:nvSpPr>
-          <p:cNvPr id="283" name="CustomShape 1"/>
+          <p:cNvPr id="245" name="CustomShape 1"/>
           <p:cNvSpPr/>
           <p:nvPr/>
         </p:nvSpPr>
         <p:spPr>
           <a:xfrm>
             <a:off x="6264000" y="2520"/>
-            <a:ext cx="2592000" cy="432000"/>
+            <a:ext cx="2591280" cy="431280"/>
           </a:xfrm>
           <a:prstGeom prst="rect">
             <a:avLst/>
@@ -9382,10 +8230,18 @@
             <a:noAutofit/>
           </a:bodyPr>
           <a:p>
-            <a:pPr algn="ctr"/>
+            <a:pPr algn="ctr">
+              <a:lnSpc>
+                <a:spcPct val="100000"/>
+              </a:lnSpc>
+            </a:pPr>
             <a:r>
               <a:rPr b="0" lang="en-GB" sz="1400" spc="-1" strike="noStrike">
+                <a:solidFill>
+                  <a:srgbClr val="000000"/>
+                </a:solidFill>
                 <a:latin typeface="Arial"/>
+                <a:ea typeface="DejaVu Sans"/>
               </a:rPr>
               <a:t>Use Case 6: View Flashcards</a:t>
             </a:r>
@@ -9397,14 +8253,14 @@
       </p:sp>
       <p:sp>
         <p:nvSpPr>
-          <p:cNvPr id="284" name="TextShape 2"/>
-          <p:cNvSpPr txBox="1"/>
+          <p:cNvPr id="246" name="CustomShape 2"/>
+          <p:cNvSpPr/>
           <p:nvPr/>
         </p:nvSpPr>
         <p:spPr>
           <a:xfrm>
             <a:off x="4680000" y="1443240"/>
-            <a:ext cx="3744000" cy="648000"/>
+            <a:ext cx="3743280" cy="647280"/>
           </a:xfrm>
           <a:prstGeom prst="rect">
             <a:avLst/>
@@ -9421,11 +8277,22 @@
             <a:round/>
           </a:ln>
         </p:spPr>
+        <p:style>
+          <a:lnRef idx="0"/>
+          <a:fillRef idx="0"/>
+          <a:effectRef idx="0"/>
+          <a:fontRef idx="minor"/>
+        </p:style>
         <p:txBody>
           <a:bodyPr lIns="96120" rIns="96120" tIns="51120" bIns="51120">
             <a:noAutofit/>
           </a:bodyPr>
           <a:p>
+            <a:pPr>
+              <a:lnSpc>
+                <a:spcPct val="100000"/>
+              </a:lnSpc>
+            </a:pPr>
             <a:r>
               <a:rPr b="0" lang="en-GB" sz="1800" spc="-1" strike="noStrike">
                 <a:solidFill>
@@ -9444,7 +8311,7 @@
       </p:sp>
       <p:sp>
         <p:nvSpPr>
-          <p:cNvPr id="285" name="Line 3"/>
+          <p:cNvPr id="247" name="Line 3"/>
           <p:cNvSpPr/>
           <p:nvPr/>
         </p:nvSpPr>
@@ -9473,14 +8340,14 @@
       </p:sp>
       <p:sp>
         <p:nvSpPr>
-          <p:cNvPr id="286" name="TextShape 4"/>
-          <p:cNvSpPr txBox="1"/>
+          <p:cNvPr id="248" name="CustomShape 4"/>
+          <p:cNvSpPr/>
           <p:nvPr/>
         </p:nvSpPr>
         <p:spPr>
           <a:xfrm>
             <a:off x="648000" y="792000"/>
-            <a:ext cx="3744000" cy="648000"/>
+            <a:ext cx="3743280" cy="647280"/>
           </a:xfrm>
           <a:prstGeom prst="rect">
             <a:avLst/>
@@ -9497,11 +8364,22 @@
             <a:round/>
           </a:ln>
         </p:spPr>
+        <p:style>
+          <a:lnRef idx="0"/>
+          <a:fillRef idx="0"/>
+          <a:effectRef idx="0"/>
+          <a:fontRef idx="minor"/>
+        </p:style>
         <p:txBody>
           <a:bodyPr lIns="96120" rIns="96120" tIns="51120" bIns="51120">
             <a:noAutofit/>
           </a:bodyPr>
           <a:p>
+            <a:pPr>
+              <a:lnSpc>
+                <a:spcPct val="100000"/>
+              </a:lnSpc>
+            </a:pPr>
             <a:r>
               <a:rPr b="0" lang="en-GB" sz="1800" spc="-1" strike="noStrike">
                 <a:solidFill>
@@ -9520,14 +8398,14 @@
       </p:sp>
       <p:sp>
         <p:nvSpPr>
-          <p:cNvPr id="287" name="TextShape 5"/>
-          <p:cNvSpPr txBox="1"/>
+          <p:cNvPr id="249" name="CustomShape 5"/>
+          <p:cNvSpPr/>
           <p:nvPr/>
         </p:nvSpPr>
         <p:spPr>
           <a:xfrm>
             <a:off x="6552000" y="3384000"/>
-            <a:ext cx="2232000" cy="648000"/>
+            <a:ext cx="2231280" cy="647280"/>
           </a:xfrm>
           <a:prstGeom prst="rect">
             <a:avLst/>
@@ -9544,11 +8422,22 @@
             <a:round/>
           </a:ln>
         </p:spPr>
+        <p:style>
+          <a:lnRef idx="0"/>
+          <a:fillRef idx="0"/>
+          <a:effectRef idx="0"/>
+          <a:fontRef idx="minor"/>
+        </p:style>
         <p:txBody>
           <a:bodyPr lIns="96120" rIns="96120" tIns="51120" bIns="51120">
             <a:noAutofit/>
           </a:bodyPr>
           <a:p>
+            <a:pPr>
+              <a:lnSpc>
+                <a:spcPct val="100000"/>
+              </a:lnSpc>
+            </a:pPr>
             <a:r>
               <a:rPr b="0" lang="en-GB" sz="1800" spc="-1" strike="noStrike">
                 <a:solidFill>
@@ -9567,7 +8456,7 @@
       </p:sp>
       <p:sp>
         <p:nvSpPr>
-          <p:cNvPr id="288" name="Line 6"/>
+          <p:cNvPr id="250" name="Line 6"/>
           <p:cNvSpPr/>
           <p:nvPr/>
         </p:nvSpPr>
@@ -9596,7 +8485,7 @@
       </p:sp>
       <p:pic>
         <p:nvPicPr>
-          <p:cNvPr id="289" name="" descr=""/>
+          <p:cNvPr id="251" name="" descr=""/>
           <p:cNvPicPr/>
           <p:nvPr/>
         </p:nvPicPr>
@@ -9607,7 +8496,7 @@
         <p:spPr>
           <a:xfrm>
             <a:off x="0" y="360"/>
-            <a:ext cx="514440" cy="5147640"/>
+            <a:ext cx="513720" cy="5146920"/>
           </a:xfrm>
           <a:prstGeom prst="rect">
             <a:avLst/>
@@ -9649,7 +8538,7 @@
       </p:grpSpPr>
       <p:pic>
         <p:nvPicPr>
-          <p:cNvPr id="290" name="" descr=""/>
+          <p:cNvPr id="252" name="" descr=""/>
           <p:cNvPicPr/>
           <p:nvPr/>
         </p:nvPicPr>
@@ -9660,7 +8549,7 @@
         <p:spPr>
           <a:xfrm>
             <a:off x="360" y="2520"/>
-            <a:ext cx="9143640" cy="5142960"/>
+            <a:ext cx="9142920" cy="5142240"/>
           </a:xfrm>
           <a:prstGeom prst="rect">
             <a:avLst/>
@@ -9672,14 +8561,14 @@
       </p:pic>
       <p:sp>
         <p:nvSpPr>
-          <p:cNvPr id="291" name="CustomShape 1"/>
+          <p:cNvPr id="253" name="CustomShape 1"/>
           <p:cNvSpPr/>
           <p:nvPr/>
         </p:nvSpPr>
         <p:spPr>
           <a:xfrm>
             <a:off x="6264000" y="2520"/>
-            <a:ext cx="2592000" cy="432000"/>
+            <a:ext cx="2591280" cy="431280"/>
           </a:xfrm>
           <a:prstGeom prst="rect">
             <a:avLst/>
@@ -9704,10 +8593,18 @@
             <a:noAutofit/>
           </a:bodyPr>
           <a:p>
-            <a:pPr algn="ctr"/>
+            <a:pPr algn="ctr">
+              <a:lnSpc>
+                <a:spcPct val="100000"/>
+              </a:lnSpc>
+            </a:pPr>
             <a:r>
               <a:rPr b="0" lang="en-GB" sz="1400" spc="-1" strike="noStrike">
+                <a:solidFill>
+                  <a:srgbClr val="000000"/>
+                </a:solidFill>
                 <a:latin typeface="Arial"/>
+                <a:ea typeface="DejaVu Sans"/>
               </a:rPr>
               <a:t>Use Case 6: View Flashcards</a:t>
             </a:r>
@@ -9719,14 +8616,14 @@
       </p:sp>
       <p:sp>
         <p:nvSpPr>
-          <p:cNvPr id="292" name="TextShape 2"/>
-          <p:cNvSpPr txBox="1"/>
+          <p:cNvPr id="254" name="CustomShape 2"/>
+          <p:cNvSpPr/>
           <p:nvPr/>
         </p:nvSpPr>
         <p:spPr>
           <a:xfrm>
             <a:off x="4680000" y="1443240"/>
-            <a:ext cx="3744000" cy="648000"/>
+            <a:ext cx="3743280" cy="647280"/>
           </a:xfrm>
           <a:prstGeom prst="rect">
             <a:avLst/>
@@ -9743,11 +8640,22 @@
             <a:round/>
           </a:ln>
         </p:spPr>
+        <p:style>
+          <a:lnRef idx="0"/>
+          <a:fillRef idx="0"/>
+          <a:effectRef idx="0"/>
+          <a:fontRef idx="minor"/>
+        </p:style>
         <p:txBody>
           <a:bodyPr lIns="96120" rIns="96120" tIns="51120" bIns="51120">
             <a:noAutofit/>
           </a:bodyPr>
           <a:p>
+            <a:pPr>
+              <a:lnSpc>
+                <a:spcPct val="100000"/>
+              </a:lnSpc>
+            </a:pPr>
             <a:r>
               <a:rPr b="0" lang="en-GB" sz="1800" spc="-1" strike="noStrike">
                 <a:solidFill>
@@ -9766,7 +8674,7 @@
       </p:sp>
       <p:sp>
         <p:nvSpPr>
-          <p:cNvPr id="293" name="Line 3"/>
+          <p:cNvPr id="255" name="Line 3"/>
           <p:cNvSpPr/>
           <p:nvPr/>
         </p:nvSpPr>
@@ -9795,7 +8703,7 @@
       </p:sp>
       <p:pic>
         <p:nvPicPr>
-          <p:cNvPr id="294" name="" descr=""/>
+          <p:cNvPr id="256" name="" descr=""/>
           <p:cNvPicPr/>
           <p:nvPr/>
         </p:nvPicPr>
@@ -9806,7 +8714,7 @@
         <p:spPr>
           <a:xfrm>
             <a:off x="360" y="720"/>
-            <a:ext cx="514440" cy="5147640"/>
+            <a:ext cx="513720" cy="5146920"/>
           </a:xfrm>
           <a:prstGeom prst="rect">
             <a:avLst/>
@@ -9848,7 +8756,7 @@
       </p:grpSpPr>
       <p:pic>
         <p:nvPicPr>
-          <p:cNvPr id="295" name="" descr=""/>
+          <p:cNvPr id="257" name="" descr=""/>
           <p:cNvPicPr/>
           <p:nvPr/>
         </p:nvPicPr>
@@ -9859,7 +8767,7 @@
         <p:spPr>
           <a:xfrm>
             <a:off x="360" y="2520"/>
-            <a:ext cx="9143640" cy="5142960"/>
+            <a:ext cx="9142920" cy="5142240"/>
           </a:xfrm>
           <a:prstGeom prst="rect">
             <a:avLst/>
@@ -9871,14 +8779,14 @@
       </p:pic>
       <p:sp>
         <p:nvSpPr>
-          <p:cNvPr id="296" name="CustomShape 1"/>
+          <p:cNvPr id="258" name="CustomShape 1"/>
           <p:cNvSpPr/>
           <p:nvPr/>
         </p:nvSpPr>
         <p:spPr>
           <a:xfrm>
             <a:off x="6264000" y="2520"/>
-            <a:ext cx="2592000" cy="432000"/>
+            <a:ext cx="2591280" cy="431280"/>
           </a:xfrm>
           <a:prstGeom prst="rect">
             <a:avLst/>
@@ -9903,10 +8811,18 @@
             <a:noAutofit/>
           </a:bodyPr>
           <a:p>
-            <a:pPr algn="ctr"/>
+            <a:pPr algn="ctr">
+              <a:lnSpc>
+                <a:spcPct val="100000"/>
+              </a:lnSpc>
+            </a:pPr>
             <a:r>
               <a:rPr b="0" lang="en-GB" sz="1400" spc="-1" strike="noStrike">
+                <a:solidFill>
+                  <a:srgbClr val="000000"/>
+                </a:solidFill>
                 <a:latin typeface="Arial"/>
+                <a:ea typeface="DejaVu Sans"/>
               </a:rPr>
               <a:t>Use Case 6: View Flashcards</a:t>
             </a:r>
@@ -9918,14 +8834,14 @@
       </p:sp>
       <p:sp>
         <p:nvSpPr>
-          <p:cNvPr id="297" name="TextShape 2"/>
-          <p:cNvSpPr txBox="1"/>
+          <p:cNvPr id="259" name="CustomShape 2"/>
+          <p:cNvSpPr/>
           <p:nvPr/>
         </p:nvSpPr>
         <p:spPr>
           <a:xfrm>
             <a:off x="5400000" y="3384000"/>
-            <a:ext cx="3744000" cy="648000"/>
+            <a:ext cx="3743280" cy="647280"/>
           </a:xfrm>
           <a:prstGeom prst="rect">
             <a:avLst/>
@@ -9942,11 +8858,22 @@
             <a:round/>
           </a:ln>
         </p:spPr>
+        <p:style>
+          <a:lnRef idx="0"/>
+          <a:fillRef idx="0"/>
+          <a:effectRef idx="0"/>
+          <a:fontRef idx="minor"/>
+        </p:style>
         <p:txBody>
           <a:bodyPr lIns="96120" rIns="96120" tIns="51120" bIns="51120">
             <a:noAutofit/>
           </a:bodyPr>
           <a:p>
+            <a:pPr>
+              <a:lnSpc>
+                <a:spcPct val="100000"/>
+              </a:lnSpc>
+            </a:pPr>
             <a:r>
               <a:rPr b="0" lang="en-GB" sz="1800" spc="-1" strike="noStrike">
                 <a:solidFill>
@@ -9965,7 +8892,7 @@
       </p:sp>
       <p:sp>
         <p:nvSpPr>
-          <p:cNvPr id="298" name="Line 3"/>
+          <p:cNvPr id="260" name="Line 3"/>
           <p:cNvSpPr/>
           <p:nvPr/>
         </p:nvSpPr>
@@ -9994,14 +8921,14 @@
       </p:sp>
       <p:sp>
         <p:nvSpPr>
-          <p:cNvPr id="299" name="TextShape 4"/>
-          <p:cNvSpPr txBox="1"/>
+          <p:cNvPr id="261" name="CustomShape 4"/>
+          <p:cNvSpPr/>
           <p:nvPr/>
         </p:nvSpPr>
         <p:spPr>
           <a:xfrm>
             <a:off x="648000" y="864000"/>
-            <a:ext cx="3744000" cy="864000"/>
+            <a:ext cx="3743280" cy="863280"/>
           </a:xfrm>
           <a:prstGeom prst="rect">
             <a:avLst/>
@@ -10018,11 +8945,22 @@
             <a:round/>
           </a:ln>
         </p:spPr>
+        <p:style>
+          <a:lnRef idx="0"/>
+          <a:fillRef idx="0"/>
+          <a:effectRef idx="0"/>
+          <a:fontRef idx="minor"/>
+        </p:style>
         <p:txBody>
           <a:bodyPr lIns="96120" rIns="96120" tIns="51120" bIns="51120">
             <a:noAutofit/>
           </a:bodyPr>
           <a:p>
+            <a:pPr>
+              <a:lnSpc>
+                <a:spcPct val="100000"/>
+              </a:lnSpc>
+            </a:pPr>
             <a:r>
               <a:rPr b="0" lang="en-GB" sz="1800" spc="-1" strike="noStrike">
                 <a:solidFill>
@@ -10041,7 +8979,7 @@
       </p:sp>
       <p:sp>
         <p:nvSpPr>
-          <p:cNvPr id="300" name="Line 5"/>
+          <p:cNvPr id="262" name="Line 5"/>
           <p:cNvSpPr/>
           <p:nvPr/>
         </p:nvSpPr>
@@ -10070,7 +9008,7 @@
       </p:sp>
       <p:pic>
         <p:nvPicPr>
-          <p:cNvPr id="301" name="" descr=""/>
+          <p:cNvPr id="263" name="" descr=""/>
           <p:cNvPicPr/>
           <p:nvPr/>
         </p:nvPicPr>
@@ -10081,7 +9019,7 @@
         <p:spPr>
           <a:xfrm>
             <a:off x="360" y="720"/>
-            <a:ext cx="514440" cy="5147640"/>
+            <a:ext cx="513720" cy="5146920"/>
           </a:xfrm>
           <a:prstGeom prst="rect">
             <a:avLst/>
@@ -10123,7 +9061,7 @@
       </p:grpSpPr>
       <p:pic>
         <p:nvPicPr>
-          <p:cNvPr id="302" name="" descr=""/>
+          <p:cNvPr id="264" name="" descr=""/>
           <p:cNvPicPr/>
           <p:nvPr/>
         </p:nvPicPr>
@@ -10134,7 +9072,7 @@
         <p:spPr>
           <a:xfrm>
             <a:off x="360" y="2520"/>
-            <a:ext cx="9143640" cy="5142960"/>
+            <a:ext cx="9142920" cy="5142240"/>
           </a:xfrm>
           <a:prstGeom prst="rect">
             <a:avLst/>
@@ -10146,14 +9084,14 @@
       </p:pic>
       <p:sp>
         <p:nvSpPr>
-          <p:cNvPr id="303" name="CustomShape 1"/>
+          <p:cNvPr id="265" name="CustomShape 1"/>
           <p:cNvSpPr/>
           <p:nvPr/>
         </p:nvSpPr>
         <p:spPr>
           <a:xfrm>
             <a:off x="6264000" y="2520"/>
-            <a:ext cx="2592000" cy="432000"/>
+            <a:ext cx="2591280" cy="431280"/>
           </a:xfrm>
           <a:prstGeom prst="rect">
             <a:avLst/>
@@ -10178,10 +9116,18 @@
             <a:noAutofit/>
           </a:bodyPr>
           <a:p>
-            <a:pPr algn="ctr"/>
+            <a:pPr algn="ctr">
+              <a:lnSpc>
+                <a:spcPct val="100000"/>
+              </a:lnSpc>
+            </a:pPr>
             <a:r>
               <a:rPr b="0" lang="en-GB" sz="1400" spc="-1" strike="noStrike">
+                <a:solidFill>
+                  <a:srgbClr val="000000"/>
+                </a:solidFill>
                 <a:latin typeface="Arial"/>
+                <a:ea typeface="DejaVu Sans"/>
               </a:rPr>
               <a:t>Use Case 6: View Flashcards</a:t>
             </a:r>
@@ -10193,7 +9139,7 @@
       </p:sp>
       <p:pic>
         <p:nvPicPr>
-          <p:cNvPr id="304" name="" descr=""/>
+          <p:cNvPr id="266" name="" descr=""/>
           <p:cNvPicPr/>
           <p:nvPr/>
         </p:nvPicPr>
@@ -10204,7 +9150,7 @@
         <p:spPr>
           <a:xfrm>
             <a:off x="360" y="720"/>
-            <a:ext cx="514440" cy="5147640"/>
+            <a:ext cx="513720" cy="5146920"/>
           </a:xfrm>
           <a:prstGeom prst="rect">
             <a:avLst/>
@@ -10246,7 +9192,7 @@
       </p:grpSpPr>
       <p:pic>
         <p:nvPicPr>
-          <p:cNvPr id="132" name="" descr=""/>
+          <p:cNvPr id="94" name="" descr=""/>
           <p:cNvPicPr/>
           <p:nvPr/>
         </p:nvPicPr>
@@ -10257,7 +9203,7 @@
         <p:spPr>
           <a:xfrm>
             <a:off x="360" y="2520"/>
-            <a:ext cx="9143640" cy="5142960"/>
+            <a:ext cx="9142920" cy="5142240"/>
           </a:xfrm>
           <a:prstGeom prst="rect">
             <a:avLst/>
@@ -10269,7 +9215,7 @@
       </p:pic>
       <p:pic>
         <p:nvPicPr>
-          <p:cNvPr id="133" name="" descr=""/>
+          <p:cNvPr id="95" name="" descr=""/>
           <p:cNvPicPr/>
           <p:nvPr/>
         </p:nvPicPr>
@@ -10280,7 +9226,7 @@
         <p:spPr>
           <a:xfrm>
             <a:off x="0" y="360"/>
-            <a:ext cx="2287440" cy="5147640"/>
+            <a:ext cx="2286720" cy="5146920"/>
           </a:xfrm>
           <a:prstGeom prst="rect">
             <a:avLst/>
@@ -10292,14 +9238,14 @@
       </p:pic>
       <p:sp>
         <p:nvSpPr>
-          <p:cNvPr id="134" name="CustomShape 1"/>
+          <p:cNvPr id="96" name="CustomShape 1"/>
           <p:cNvSpPr/>
           <p:nvPr/>
         </p:nvSpPr>
         <p:spPr>
           <a:xfrm>
             <a:off x="6264000" y="2520"/>
-            <a:ext cx="2592000" cy="432000"/>
+            <a:ext cx="2591280" cy="431280"/>
           </a:xfrm>
           <a:prstGeom prst="rect">
             <a:avLst/>
@@ -10324,10 +9270,18 @@
             <a:noAutofit/>
           </a:bodyPr>
           <a:p>
-            <a:pPr algn="ctr"/>
+            <a:pPr algn="ctr">
+              <a:lnSpc>
+                <a:spcPct val="100000"/>
+              </a:lnSpc>
+            </a:pPr>
             <a:r>
               <a:rPr b="0" lang="en-GB" sz="1400" spc="-1" strike="noStrike">
+                <a:solidFill>
+                  <a:srgbClr val="000000"/>
+                </a:solidFill>
                 <a:latin typeface="Arial"/>
+                <a:ea typeface="DejaVu Sans"/>
               </a:rPr>
               <a:t>This shows the menu expanded</a:t>
             </a:r>
@@ -10339,14 +9293,14 @@
       </p:sp>
       <p:sp>
         <p:nvSpPr>
-          <p:cNvPr id="135" name="TextShape 2"/>
-          <p:cNvSpPr txBox="1"/>
+          <p:cNvPr id="97" name="CustomShape 2"/>
+          <p:cNvSpPr/>
           <p:nvPr/>
         </p:nvSpPr>
         <p:spPr>
           <a:xfrm>
             <a:off x="5902560" y="2232000"/>
-            <a:ext cx="1657800" cy="864000"/>
+            <a:ext cx="1657080" cy="863280"/>
           </a:xfrm>
           <a:prstGeom prst="rect">
             <a:avLst/>
@@ -10363,11 +9317,22 @@
             <a:round/>
           </a:ln>
         </p:spPr>
+        <p:style>
+          <a:lnRef idx="0"/>
+          <a:fillRef idx="0"/>
+          <a:effectRef idx="0"/>
+          <a:fontRef idx="minor"/>
+        </p:style>
         <p:txBody>
           <a:bodyPr lIns="96120" rIns="96120" tIns="51120" bIns="51120">
             <a:noAutofit/>
           </a:bodyPr>
           <a:p>
+            <a:pPr>
+              <a:lnSpc>
+                <a:spcPct val="100000"/>
+              </a:lnSpc>
+            </a:pPr>
             <a:r>
               <a:rPr b="0" lang="en-GB" sz="1800" spc="-1" strike="noStrike">
                 <a:solidFill>
@@ -10386,7 +9351,7 @@
       </p:sp>
       <p:sp>
         <p:nvSpPr>
-          <p:cNvPr id="136" name="Line 3"/>
+          <p:cNvPr id="98" name="Line 3"/>
           <p:cNvSpPr/>
           <p:nvPr/>
         </p:nvSpPr>
@@ -10415,14 +9380,14 @@
       </p:sp>
       <p:sp>
         <p:nvSpPr>
-          <p:cNvPr id="137" name="TextShape 4"/>
-          <p:cNvSpPr txBox="1"/>
+          <p:cNvPr id="99" name="CustomShape 4"/>
+          <p:cNvSpPr/>
           <p:nvPr/>
         </p:nvSpPr>
         <p:spPr>
           <a:xfrm>
             <a:off x="2950200" y="3240000"/>
-            <a:ext cx="1657800" cy="1152000"/>
+            <a:ext cx="1657080" cy="1151280"/>
           </a:xfrm>
           <a:prstGeom prst="rect">
             <a:avLst/>
@@ -10439,11 +9404,22 @@
             <a:round/>
           </a:ln>
         </p:spPr>
+        <p:style>
+          <a:lnRef idx="0"/>
+          <a:fillRef idx="0"/>
+          <a:effectRef idx="0"/>
+          <a:fontRef idx="minor"/>
+        </p:style>
         <p:txBody>
           <a:bodyPr lIns="96120" rIns="96120" tIns="51120" bIns="51120">
             <a:noAutofit/>
           </a:bodyPr>
           <a:p>
+            <a:pPr>
+              <a:lnSpc>
+                <a:spcPct val="100000"/>
+              </a:lnSpc>
+            </a:pPr>
             <a:r>
               <a:rPr b="0" lang="en-GB" sz="1800" spc="-1" strike="noStrike">
                 <a:solidFill>
@@ -10462,7 +9438,7 @@
       </p:sp>
       <p:sp>
         <p:nvSpPr>
-          <p:cNvPr id="138" name="Line 5"/>
+          <p:cNvPr id="100" name="Line 5"/>
           <p:cNvSpPr/>
           <p:nvPr/>
         </p:nvSpPr>
@@ -10491,7 +9467,7 @@
       </p:sp>
       <p:sp>
         <p:nvSpPr>
-          <p:cNvPr id="139" name="Line 6"/>
+          <p:cNvPr id="101" name="Line 6"/>
           <p:cNvSpPr/>
           <p:nvPr/>
         </p:nvSpPr>
@@ -10520,7 +9496,7 @@
       </p:sp>
       <p:sp>
         <p:nvSpPr>
-          <p:cNvPr id="140" name="Line 7"/>
+          <p:cNvPr id="102" name="Line 7"/>
           <p:cNvSpPr/>
           <p:nvPr/>
         </p:nvSpPr>
@@ -10549,7 +9525,7 @@
       </p:sp>
       <p:sp>
         <p:nvSpPr>
-          <p:cNvPr id="141" name="Line 8"/>
+          <p:cNvPr id="103" name="Line 8"/>
           <p:cNvSpPr/>
           <p:nvPr/>
         </p:nvSpPr>
@@ -10578,14 +9554,14 @@
       </p:sp>
       <p:sp>
         <p:nvSpPr>
-          <p:cNvPr id="142" name="TextShape 9"/>
-          <p:cNvSpPr txBox="1"/>
+          <p:cNvPr id="104" name="CustomShape 9"/>
+          <p:cNvSpPr/>
           <p:nvPr/>
         </p:nvSpPr>
         <p:spPr>
           <a:xfrm>
             <a:off x="4318200" y="936000"/>
-            <a:ext cx="1657800" cy="576000"/>
+            <a:ext cx="1657080" cy="575280"/>
           </a:xfrm>
           <a:prstGeom prst="rect">
             <a:avLst/>
@@ -10602,11 +9578,22 @@
             <a:round/>
           </a:ln>
         </p:spPr>
+        <p:style>
+          <a:lnRef idx="0"/>
+          <a:fillRef idx="0"/>
+          <a:effectRef idx="0"/>
+          <a:fontRef idx="minor"/>
+        </p:style>
         <p:txBody>
           <a:bodyPr lIns="96120" rIns="96120" tIns="51120" bIns="51120">
             <a:noAutofit/>
           </a:bodyPr>
           <a:p>
+            <a:pPr>
+              <a:lnSpc>
+                <a:spcPct val="100000"/>
+              </a:lnSpc>
+            </a:pPr>
             <a:r>
               <a:rPr b="0" lang="en-GB" sz="1800" spc="-1" strike="noStrike">
                 <a:solidFill>
@@ -10625,7 +9612,7 @@
       </p:sp>
       <p:sp>
         <p:nvSpPr>
-          <p:cNvPr id="143" name="Line 10"/>
+          <p:cNvPr id="105" name="Line 10"/>
           <p:cNvSpPr/>
           <p:nvPr/>
         </p:nvSpPr>
@@ -10654,7 +9641,7 @@
       </p:sp>
       <p:sp>
         <p:nvSpPr>
-          <p:cNvPr id="144" name="Line 11"/>
+          <p:cNvPr id="106" name="Line 11"/>
           <p:cNvSpPr/>
           <p:nvPr/>
         </p:nvSpPr>
@@ -10713,7 +9700,7 @@
       </p:grpSpPr>
       <p:pic>
         <p:nvPicPr>
-          <p:cNvPr id="305" name="" descr=""/>
+          <p:cNvPr id="267" name="" descr=""/>
           <p:cNvPicPr/>
           <p:nvPr/>
         </p:nvPicPr>
@@ -10724,7 +9711,7 @@
         <p:spPr>
           <a:xfrm>
             <a:off x="720" y="2520"/>
-            <a:ext cx="9143640" cy="5142960"/>
+            <a:ext cx="9142920" cy="5142240"/>
           </a:xfrm>
           <a:prstGeom prst="rect">
             <a:avLst/>
@@ -10736,14 +9723,14 @@
       </p:pic>
       <p:sp>
         <p:nvSpPr>
-          <p:cNvPr id="306" name="CustomShape 1"/>
+          <p:cNvPr id="268" name="CustomShape 1"/>
           <p:cNvSpPr/>
           <p:nvPr/>
         </p:nvSpPr>
         <p:spPr>
           <a:xfrm>
             <a:off x="6264000" y="2520"/>
-            <a:ext cx="2592000" cy="432000"/>
+            <a:ext cx="2591280" cy="431280"/>
           </a:xfrm>
           <a:prstGeom prst="rect">
             <a:avLst/>
@@ -10768,10 +9755,18 @@
             <a:noAutofit/>
           </a:bodyPr>
           <a:p>
-            <a:pPr algn="ctr"/>
+            <a:pPr algn="ctr">
+              <a:lnSpc>
+                <a:spcPct val="100000"/>
+              </a:lnSpc>
+            </a:pPr>
             <a:r>
               <a:rPr b="0" lang="en-GB" sz="1400" spc="-1" strike="noStrike">
+                <a:solidFill>
+                  <a:srgbClr val="000000"/>
+                </a:solidFill>
                 <a:latin typeface="Arial"/>
+                <a:ea typeface="DejaVu Sans"/>
               </a:rPr>
               <a:t>Use Case 7: Add a new word</a:t>
             </a:r>
@@ -10783,14 +9778,14 @@
       </p:sp>
       <p:sp>
         <p:nvSpPr>
-          <p:cNvPr id="307" name="TextShape 2"/>
-          <p:cNvSpPr txBox="1"/>
+          <p:cNvPr id="269" name="CustomShape 2"/>
+          <p:cNvSpPr/>
           <p:nvPr/>
         </p:nvSpPr>
         <p:spPr>
           <a:xfrm>
             <a:off x="3456000" y="2520000"/>
-            <a:ext cx="3241800" cy="648000"/>
+            <a:ext cx="3241080" cy="647280"/>
           </a:xfrm>
           <a:prstGeom prst="rect">
             <a:avLst/>
@@ -10807,11 +9802,22 @@
             <a:round/>
           </a:ln>
         </p:spPr>
+        <p:style>
+          <a:lnRef idx="0"/>
+          <a:fillRef idx="0"/>
+          <a:effectRef idx="0"/>
+          <a:fontRef idx="minor"/>
+        </p:style>
         <p:txBody>
           <a:bodyPr lIns="96120" rIns="96120" tIns="51120" bIns="51120">
             <a:noAutofit/>
           </a:bodyPr>
           <a:p>
+            <a:pPr>
+              <a:lnSpc>
+                <a:spcPct val="100000"/>
+              </a:lnSpc>
+            </a:pPr>
             <a:r>
               <a:rPr b="0" lang="en-GB" sz="1800" spc="-1" strike="noStrike">
                 <a:solidFill>
@@ -10830,7 +9836,7 @@
       </p:sp>
       <p:sp>
         <p:nvSpPr>
-          <p:cNvPr id="308" name="Line 3"/>
+          <p:cNvPr id="270" name="Line 3"/>
           <p:cNvSpPr/>
           <p:nvPr/>
         </p:nvSpPr>
@@ -10859,7 +9865,7 @@
       </p:sp>
       <p:pic>
         <p:nvPicPr>
-          <p:cNvPr id="309" name="" descr=""/>
+          <p:cNvPr id="271" name="" descr=""/>
           <p:cNvPicPr/>
           <p:nvPr/>
         </p:nvPicPr>
@@ -10870,7 +9876,7 @@
         <p:spPr>
           <a:xfrm>
             <a:off x="360" y="720"/>
-            <a:ext cx="514440" cy="5147640"/>
+            <a:ext cx="513720" cy="5146920"/>
           </a:xfrm>
           <a:prstGeom prst="rect">
             <a:avLst/>
@@ -10912,7 +9918,7 @@
       </p:grpSpPr>
       <p:pic>
         <p:nvPicPr>
-          <p:cNvPr id="310" name="" descr=""/>
+          <p:cNvPr id="272" name="" descr=""/>
           <p:cNvPicPr/>
           <p:nvPr/>
         </p:nvPicPr>
@@ -10923,7 +9929,7 @@
         <p:spPr>
           <a:xfrm>
             <a:off x="360" y="2520"/>
-            <a:ext cx="9143640" cy="5142960"/>
+            <a:ext cx="9142920" cy="5142240"/>
           </a:xfrm>
           <a:prstGeom prst="rect">
             <a:avLst/>
@@ -10935,14 +9941,14 @@
       </p:pic>
       <p:sp>
         <p:nvSpPr>
-          <p:cNvPr id="311" name="CustomShape 1"/>
+          <p:cNvPr id="273" name="CustomShape 1"/>
           <p:cNvSpPr/>
           <p:nvPr/>
         </p:nvSpPr>
         <p:spPr>
           <a:xfrm>
             <a:off x="6264000" y="2520"/>
-            <a:ext cx="2592000" cy="432000"/>
+            <a:ext cx="2591280" cy="431280"/>
           </a:xfrm>
           <a:prstGeom prst="rect">
             <a:avLst/>
@@ -10967,10 +9973,18 @@
             <a:noAutofit/>
           </a:bodyPr>
           <a:p>
-            <a:pPr algn="ctr"/>
+            <a:pPr algn="ctr">
+              <a:lnSpc>
+                <a:spcPct val="100000"/>
+              </a:lnSpc>
+            </a:pPr>
             <a:r>
               <a:rPr b="0" lang="en-GB" sz="1400" spc="-1" strike="noStrike">
+                <a:solidFill>
+                  <a:srgbClr val="000000"/>
+                </a:solidFill>
                 <a:latin typeface="Arial"/>
+                <a:ea typeface="DejaVu Sans"/>
               </a:rPr>
               <a:t>Use Case 7: Add a new word</a:t>
             </a:r>
@@ -10982,14 +9996,14 @@
       </p:sp>
       <p:sp>
         <p:nvSpPr>
-          <p:cNvPr id="312" name="TextShape 2"/>
-          <p:cNvSpPr txBox="1"/>
+          <p:cNvPr id="274" name="CustomShape 2"/>
+          <p:cNvSpPr/>
           <p:nvPr/>
         </p:nvSpPr>
         <p:spPr>
           <a:xfrm>
             <a:off x="5614200" y="3672000"/>
-            <a:ext cx="3241800" cy="648000"/>
+            <a:ext cx="3241080" cy="647280"/>
           </a:xfrm>
           <a:prstGeom prst="rect">
             <a:avLst/>
@@ -11006,11 +10020,22 @@
             <a:round/>
           </a:ln>
         </p:spPr>
+        <p:style>
+          <a:lnRef idx="0"/>
+          <a:fillRef idx="0"/>
+          <a:effectRef idx="0"/>
+          <a:fontRef idx="minor"/>
+        </p:style>
         <p:txBody>
           <a:bodyPr lIns="96120" rIns="96120" tIns="51120" bIns="51120">
             <a:noAutofit/>
           </a:bodyPr>
           <a:p>
+            <a:pPr>
+              <a:lnSpc>
+                <a:spcPct val="100000"/>
+              </a:lnSpc>
+            </a:pPr>
             <a:r>
               <a:rPr b="0" lang="en-GB" sz="1800" spc="-1" strike="noStrike">
                 <a:solidFill>
@@ -11029,7 +10054,7 @@
       </p:sp>
       <p:sp>
         <p:nvSpPr>
-          <p:cNvPr id="313" name="Line 3"/>
+          <p:cNvPr id="275" name="Line 3"/>
           <p:cNvSpPr/>
           <p:nvPr/>
         </p:nvSpPr>
@@ -11058,7 +10083,7 @@
       </p:sp>
       <p:pic>
         <p:nvPicPr>
-          <p:cNvPr id="314" name="" descr=""/>
+          <p:cNvPr id="276" name="" descr=""/>
           <p:cNvPicPr/>
           <p:nvPr/>
         </p:nvPicPr>
@@ -11069,7 +10094,7 @@
         <p:spPr>
           <a:xfrm>
             <a:off x="4032000" y="4680000"/>
-            <a:ext cx="1152000" cy="388080"/>
+            <a:ext cx="1151280" cy="387360"/>
           </a:xfrm>
           <a:prstGeom prst="rect">
             <a:avLst/>
@@ -11081,7 +10106,7 @@
       </p:pic>
       <p:pic>
         <p:nvPicPr>
-          <p:cNvPr id="315" name="" descr=""/>
+          <p:cNvPr id="277" name="" descr=""/>
           <p:cNvPicPr/>
           <p:nvPr/>
         </p:nvPicPr>
@@ -11092,7 +10117,7 @@
         <p:spPr>
           <a:xfrm>
             <a:off x="0" y="0"/>
-            <a:ext cx="514440" cy="5147640"/>
+            <a:ext cx="513720" cy="5146920"/>
           </a:xfrm>
           <a:prstGeom prst="rect">
             <a:avLst/>
@@ -11134,7 +10159,7 @@
       </p:grpSpPr>
       <p:pic>
         <p:nvPicPr>
-          <p:cNvPr id="316" name="" descr=""/>
+          <p:cNvPr id="278" name="" descr=""/>
           <p:cNvPicPr/>
           <p:nvPr/>
         </p:nvPicPr>
@@ -11145,7 +10170,7 @@
         <p:spPr>
           <a:xfrm>
             <a:off x="360" y="2520"/>
-            <a:ext cx="9143640" cy="5142960"/>
+            <a:ext cx="9142920" cy="5142240"/>
           </a:xfrm>
           <a:prstGeom prst="rect">
             <a:avLst/>
@@ -11157,14 +10182,14 @@
       </p:pic>
       <p:sp>
         <p:nvSpPr>
-          <p:cNvPr id="317" name="CustomShape 1"/>
+          <p:cNvPr id="279" name="CustomShape 1"/>
           <p:cNvSpPr/>
           <p:nvPr/>
         </p:nvSpPr>
         <p:spPr>
           <a:xfrm>
             <a:off x="6264000" y="2520"/>
-            <a:ext cx="2592000" cy="432000"/>
+            <a:ext cx="2591280" cy="431280"/>
           </a:xfrm>
           <a:prstGeom prst="rect">
             <a:avLst/>
@@ -11189,10 +10214,18 @@
             <a:noAutofit/>
           </a:bodyPr>
           <a:p>
-            <a:pPr algn="ctr"/>
+            <a:pPr algn="ctr">
+              <a:lnSpc>
+                <a:spcPct val="100000"/>
+              </a:lnSpc>
+            </a:pPr>
             <a:r>
               <a:rPr b="0" lang="en-GB" sz="1400" spc="-1" strike="noStrike">
+                <a:solidFill>
+                  <a:srgbClr val="000000"/>
+                </a:solidFill>
                 <a:latin typeface="Arial"/>
+                <a:ea typeface="DejaVu Sans"/>
               </a:rPr>
               <a:t>Use Case 7: Add a new word</a:t>
             </a:r>
@@ -11204,14 +10237,14 @@
       </p:sp>
       <p:sp>
         <p:nvSpPr>
-          <p:cNvPr id="318" name="TextShape 2"/>
-          <p:cNvSpPr txBox="1"/>
+          <p:cNvPr id="280" name="CustomShape 2"/>
+          <p:cNvSpPr/>
           <p:nvPr/>
         </p:nvSpPr>
         <p:spPr>
           <a:xfrm>
             <a:off x="5614200" y="3672000"/>
-            <a:ext cx="3241800" cy="648000"/>
+            <a:ext cx="3241080" cy="647280"/>
           </a:xfrm>
           <a:prstGeom prst="rect">
             <a:avLst/>
@@ -11228,11 +10261,22 @@
             <a:round/>
           </a:ln>
         </p:spPr>
+        <p:style>
+          <a:lnRef idx="0"/>
+          <a:fillRef idx="0"/>
+          <a:effectRef idx="0"/>
+          <a:fontRef idx="minor"/>
+        </p:style>
         <p:txBody>
           <a:bodyPr lIns="96120" rIns="96120" tIns="51120" bIns="51120">
             <a:noAutofit/>
           </a:bodyPr>
           <a:p>
+            <a:pPr>
+              <a:lnSpc>
+                <a:spcPct val="100000"/>
+              </a:lnSpc>
+            </a:pPr>
             <a:r>
               <a:rPr b="0" lang="en-GB" sz="1800" spc="-1" strike="noStrike">
                 <a:solidFill>
@@ -11251,7 +10295,7 @@
       </p:sp>
       <p:sp>
         <p:nvSpPr>
-          <p:cNvPr id="319" name="Line 3"/>
+          <p:cNvPr id="281" name="Line 3"/>
           <p:cNvSpPr/>
           <p:nvPr/>
         </p:nvSpPr>
@@ -11280,7 +10324,7 @@
       </p:sp>
       <p:pic>
         <p:nvPicPr>
-          <p:cNvPr id="320" name="" descr=""/>
+          <p:cNvPr id="282" name="" descr=""/>
           <p:cNvPicPr/>
           <p:nvPr/>
         </p:nvPicPr>
@@ -11291,7 +10335,7 @@
         <p:spPr>
           <a:xfrm>
             <a:off x="4032000" y="4680000"/>
-            <a:ext cx="1152000" cy="388080"/>
+            <a:ext cx="1151280" cy="387360"/>
           </a:xfrm>
           <a:prstGeom prst="rect">
             <a:avLst/>
@@ -11303,7 +10347,7 @@
       </p:pic>
       <p:pic>
         <p:nvPicPr>
-          <p:cNvPr id="321" name="" descr=""/>
+          <p:cNvPr id="283" name="" descr=""/>
           <p:cNvPicPr/>
           <p:nvPr/>
         </p:nvPicPr>
@@ -11314,7 +10358,7 @@
         <p:spPr>
           <a:xfrm>
             <a:off x="0" y="0"/>
-            <a:ext cx="514440" cy="5147640"/>
+            <a:ext cx="513720" cy="5146920"/>
           </a:xfrm>
           <a:prstGeom prst="rect">
             <a:avLst/>
@@ -11356,7 +10400,7 @@
       </p:grpSpPr>
       <p:pic>
         <p:nvPicPr>
-          <p:cNvPr id="322" name="" descr=""/>
+          <p:cNvPr id="284" name="" descr=""/>
           <p:cNvPicPr/>
           <p:nvPr/>
         </p:nvPicPr>
@@ -11367,7 +10411,7 @@
         <p:spPr>
           <a:xfrm>
             <a:off x="360" y="2520"/>
-            <a:ext cx="9143640" cy="5142960"/>
+            <a:ext cx="9142920" cy="5142240"/>
           </a:xfrm>
           <a:prstGeom prst="rect">
             <a:avLst/>
@@ -11379,14 +10423,14 @@
       </p:pic>
       <p:sp>
         <p:nvSpPr>
-          <p:cNvPr id="323" name="CustomShape 1"/>
+          <p:cNvPr id="285" name="CustomShape 1"/>
           <p:cNvSpPr/>
           <p:nvPr/>
         </p:nvSpPr>
         <p:spPr>
           <a:xfrm>
             <a:off x="6264000" y="2520"/>
-            <a:ext cx="2592000" cy="432000"/>
+            <a:ext cx="2591280" cy="431280"/>
           </a:xfrm>
           <a:prstGeom prst="rect">
             <a:avLst/>
@@ -11411,10 +10455,18 @@
             <a:noAutofit/>
           </a:bodyPr>
           <a:p>
-            <a:pPr algn="ctr"/>
+            <a:pPr algn="ctr">
+              <a:lnSpc>
+                <a:spcPct val="100000"/>
+              </a:lnSpc>
+            </a:pPr>
             <a:r>
               <a:rPr b="0" lang="en-GB" sz="1400" spc="-1" strike="noStrike">
+                <a:solidFill>
+                  <a:srgbClr val="000000"/>
+                </a:solidFill>
                 <a:latin typeface="Arial"/>
+                <a:ea typeface="DejaVu Sans"/>
               </a:rPr>
               <a:t>Use Case 7: Add a new word</a:t>
             </a:r>
@@ -11426,14 +10478,14 @@
       </p:sp>
       <p:sp>
         <p:nvSpPr>
-          <p:cNvPr id="324" name="TextShape 2"/>
-          <p:cNvSpPr txBox="1"/>
+          <p:cNvPr id="286" name="CustomShape 2"/>
+          <p:cNvSpPr/>
           <p:nvPr/>
         </p:nvSpPr>
         <p:spPr>
           <a:xfrm>
             <a:off x="5614200" y="3672000"/>
-            <a:ext cx="3241800" cy="1473480"/>
+            <a:ext cx="3241080" cy="1472760"/>
           </a:xfrm>
           <a:prstGeom prst="rect">
             <a:avLst/>
@@ -11450,11 +10502,22 @@
             <a:round/>
           </a:ln>
         </p:spPr>
+        <p:style>
+          <a:lnRef idx="0"/>
+          <a:fillRef idx="0"/>
+          <a:effectRef idx="0"/>
+          <a:fontRef idx="minor"/>
+        </p:style>
         <p:txBody>
           <a:bodyPr lIns="96120" rIns="96120" tIns="51120" bIns="51120">
             <a:noAutofit/>
           </a:bodyPr>
           <a:p>
+            <a:pPr>
+              <a:lnSpc>
+                <a:spcPct val="100000"/>
+              </a:lnSpc>
+            </a:pPr>
             <a:r>
               <a:rPr b="0" lang="en-GB" sz="1800" spc="-1" strike="noStrike">
                 <a:solidFill>
@@ -11473,7 +10536,7 @@
       </p:sp>
       <p:sp>
         <p:nvSpPr>
-          <p:cNvPr id="325" name="Line 3"/>
+          <p:cNvPr id="287" name="Line 3"/>
           <p:cNvSpPr/>
           <p:nvPr/>
         </p:nvSpPr>
@@ -11502,7 +10565,7 @@
       </p:sp>
       <p:pic>
         <p:nvPicPr>
-          <p:cNvPr id="326" name="" descr=""/>
+          <p:cNvPr id="288" name="" descr=""/>
           <p:cNvPicPr/>
           <p:nvPr/>
         </p:nvPicPr>
@@ -11513,7 +10576,7 @@
         <p:spPr>
           <a:xfrm>
             <a:off x="4032000" y="4680000"/>
-            <a:ext cx="1152000" cy="388080"/>
+            <a:ext cx="1151280" cy="387360"/>
           </a:xfrm>
           <a:prstGeom prst="rect">
             <a:avLst/>
@@ -11525,7 +10588,7 @@
       </p:pic>
       <p:pic>
         <p:nvPicPr>
-          <p:cNvPr id="327" name="" descr=""/>
+          <p:cNvPr id="289" name="" descr=""/>
           <p:cNvPicPr/>
           <p:nvPr/>
         </p:nvPicPr>
@@ -11536,7 +10599,7 @@
         <p:spPr>
           <a:xfrm>
             <a:off x="0" y="0"/>
-            <a:ext cx="514440" cy="5147640"/>
+            <a:ext cx="513720" cy="5146920"/>
           </a:xfrm>
           <a:prstGeom prst="rect">
             <a:avLst/>
@@ -11578,7 +10641,7 @@
       </p:grpSpPr>
       <p:pic>
         <p:nvPicPr>
-          <p:cNvPr id="328" name="" descr=""/>
+          <p:cNvPr id="290" name="" descr=""/>
           <p:cNvPicPr/>
           <p:nvPr/>
         </p:nvPicPr>
@@ -11589,7 +10652,7 @@
         <p:spPr>
           <a:xfrm>
             <a:off x="360" y="2520"/>
-            <a:ext cx="9143640" cy="5142960"/>
+            <a:ext cx="9142920" cy="5142240"/>
           </a:xfrm>
           <a:prstGeom prst="rect">
             <a:avLst/>
@@ -11601,14 +10664,14 @@
       </p:pic>
       <p:sp>
         <p:nvSpPr>
-          <p:cNvPr id="329" name="CustomShape 1"/>
+          <p:cNvPr id="291" name="CustomShape 1"/>
           <p:cNvSpPr/>
           <p:nvPr/>
         </p:nvSpPr>
         <p:spPr>
           <a:xfrm>
             <a:off x="6264000" y="2520"/>
-            <a:ext cx="2592000" cy="432000"/>
+            <a:ext cx="2591280" cy="431280"/>
           </a:xfrm>
           <a:prstGeom prst="rect">
             <a:avLst/>
@@ -11633,10 +10696,18 @@
             <a:noAutofit/>
           </a:bodyPr>
           <a:p>
-            <a:pPr algn="ctr"/>
+            <a:pPr algn="ctr">
+              <a:lnSpc>
+                <a:spcPct val="100000"/>
+              </a:lnSpc>
+            </a:pPr>
             <a:r>
               <a:rPr b="0" lang="en-GB" sz="1400" spc="-1" strike="noStrike">
+                <a:solidFill>
+                  <a:srgbClr val="000000"/>
+                </a:solidFill>
                 <a:latin typeface="Arial"/>
+                <a:ea typeface="DejaVu Sans"/>
               </a:rPr>
               <a:t>Use Case 8: Change word ordering</a:t>
             </a:r>
@@ -11648,14 +10719,14 @@
       </p:sp>
       <p:sp>
         <p:nvSpPr>
-          <p:cNvPr id="330" name="TextShape 2"/>
-          <p:cNvSpPr txBox="1"/>
+          <p:cNvPr id="292" name="CustomShape 2"/>
+          <p:cNvSpPr/>
           <p:nvPr/>
         </p:nvSpPr>
         <p:spPr>
           <a:xfrm>
             <a:off x="3528000" y="1622520"/>
-            <a:ext cx="3241800" cy="1473480"/>
+            <a:ext cx="3241080" cy="1472760"/>
           </a:xfrm>
           <a:prstGeom prst="rect">
             <a:avLst/>
@@ -11672,11 +10743,22 @@
             <a:round/>
           </a:ln>
         </p:spPr>
+        <p:style>
+          <a:lnRef idx="0"/>
+          <a:fillRef idx="0"/>
+          <a:effectRef idx="0"/>
+          <a:fontRef idx="minor"/>
+        </p:style>
         <p:txBody>
           <a:bodyPr lIns="96120" rIns="96120" tIns="51120" bIns="51120">
             <a:noAutofit/>
           </a:bodyPr>
           <a:p>
+            <a:pPr>
+              <a:lnSpc>
+                <a:spcPct val="100000"/>
+              </a:lnSpc>
+            </a:pPr>
             <a:r>
               <a:rPr b="0" lang="en-GB" sz="1800" spc="-1" strike="noStrike">
                 <a:solidFill>
@@ -11695,7 +10777,7 @@
       </p:sp>
       <p:sp>
         <p:nvSpPr>
-          <p:cNvPr id="331" name="Line 3"/>
+          <p:cNvPr id="293" name="Line 3"/>
           <p:cNvSpPr/>
           <p:nvPr/>
         </p:nvSpPr>
@@ -11724,7 +10806,7 @@
       </p:sp>
       <p:sp>
         <p:nvSpPr>
-          <p:cNvPr id="332" name="Line 4"/>
+          <p:cNvPr id="294" name="Line 4"/>
           <p:cNvSpPr/>
           <p:nvPr/>
         </p:nvSpPr>
@@ -11753,7 +10835,7 @@
       </p:sp>
       <p:pic>
         <p:nvPicPr>
-          <p:cNvPr id="333" name="" descr=""/>
+          <p:cNvPr id="295" name="" descr=""/>
           <p:cNvPicPr/>
           <p:nvPr/>
         </p:nvPicPr>
@@ -11764,7 +10846,7 @@
         <p:spPr>
           <a:xfrm>
             <a:off x="4032000" y="4680000"/>
-            <a:ext cx="1152000" cy="388080"/>
+            <a:ext cx="1151280" cy="387360"/>
           </a:xfrm>
           <a:prstGeom prst="rect">
             <a:avLst/>
@@ -11776,7 +10858,7 @@
       </p:pic>
       <p:pic>
         <p:nvPicPr>
-          <p:cNvPr id="334" name="" descr=""/>
+          <p:cNvPr id="296" name="" descr=""/>
           <p:cNvPicPr/>
           <p:nvPr/>
         </p:nvPicPr>
@@ -11787,7 +10869,7 @@
         <p:spPr>
           <a:xfrm>
             <a:off x="0" y="0"/>
-            <a:ext cx="514440" cy="5147640"/>
+            <a:ext cx="513720" cy="5146920"/>
           </a:xfrm>
           <a:prstGeom prst="rect">
             <a:avLst/>
@@ -11829,7 +10911,7 @@
       </p:grpSpPr>
       <p:pic>
         <p:nvPicPr>
-          <p:cNvPr id="335" name="" descr=""/>
+          <p:cNvPr id="297" name="" descr=""/>
           <p:cNvPicPr/>
           <p:nvPr/>
         </p:nvPicPr>
@@ -11840,7 +10922,7 @@
         <p:spPr>
           <a:xfrm>
             <a:off x="360" y="2520"/>
-            <a:ext cx="9143640" cy="5142960"/>
+            <a:ext cx="9142920" cy="5142240"/>
           </a:xfrm>
           <a:prstGeom prst="rect">
             <a:avLst/>
@@ -11852,14 +10934,14 @@
       </p:pic>
       <p:sp>
         <p:nvSpPr>
-          <p:cNvPr id="336" name="CustomShape 1"/>
+          <p:cNvPr id="298" name="CustomShape 1"/>
           <p:cNvSpPr/>
           <p:nvPr/>
         </p:nvSpPr>
         <p:spPr>
           <a:xfrm>
             <a:off x="6264000" y="2520"/>
-            <a:ext cx="2592000" cy="432000"/>
+            <a:ext cx="2591280" cy="431280"/>
           </a:xfrm>
           <a:prstGeom prst="rect">
             <a:avLst/>
@@ -11884,10 +10966,18 @@
             <a:noAutofit/>
           </a:bodyPr>
           <a:p>
-            <a:pPr algn="ctr"/>
+            <a:pPr algn="ctr">
+              <a:lnSpc>
+                <a:spcPct val="100000"/>
+              </a:lnSpc>
+            </a:pPr>
             <a:r>
               <a:rPr b="0" lang="en-GB" sz="1400" spc="-1" strike="noStrike">
+                <a:solidFill>
+                  <a:srgbClr val="000000"/>
+                </a:solidFill>
                 <a:latin typeface="Arial"/>
+                <a:ea typeface="DejaVu Sans"/>
               </a:rPr>
               <a:t>Use Case 8: Change word ordering</a:t>
             </a:r>
@@ -11899,14 +10989,14 @@
       </p:sp>
       <p:sp>
         <p:nvSpPr>
-          <p:cNvPr id="337" name="TextShape 2"/>
-          <p:cNvSpPr txBox="1"/>
+          <p:cNvPr id="299" name="CustomShape 2"/>
+          <p:cNvSpPr/>
           <p:nvPr/>
         </p:nvSpPr>
         <p:spPr>
           <a:xfrm>
             <a:off x="1800000" y="2736000"/>
-            <a:ext cx="3241800" cy="576000"/>
+            <a:ext cx="3241080" cy="575280"/>
           </a:xfrm>
           <a:prstGeom prst="rect">
             <a:avLst/>
@@ -11923,11 +11013,22 @@
             <a:round/>
           </a:ln>
         </p:spPr>
+        <p:style>
+          <a:lnRef idx="0"/>
+          <a:fillRef idx="0"/>
+          <a:effectRef idx="0"/>
+          <a:fontRef idx="minor"/>
+        </p:style>
         <p:txBody>
           <a:bodyPr lIns="96120" rIns="96120" tIns="51120" bIns="51120">
             <a:noAutofit/>
           </a:bodyPr>
           <a:p>
+            <a:pPr>
+              <a:lnSpc>
+                <a:spcPct val="100000"/>
+              </a:lnSpc>
+            </a:pPr>
             <a:r>
               <a:rPr b="0" lang="en-GB" sz="1800" spc="-1" strike="noStrike">
                 <a:solidFill>
@@ -11946,7 +11047,7 @@
       </p:sp>
       <p:sp>
         <p:nvSpPr>
-          <p:cNvPr id="338" name="Line 3"/>
+          <p:cNvPr id="300" name="Line 3"/>
           <p:cNvSpPr/>
           <p:nvPr/>
         </p:nvSpPr>
@@ -11975,7 +11076,7 @@
       </p:sp>
       <p:pic>
         <p:nvPicPr>
-          <p:cNvPr id="339" name="" descr=""/>
+          <p:cNvPr id="301" name="" descr=""/>
           <p:cNvPicPr/>
           <p:nvPr/>
         </p:nvPicPr>
@@ -11986,7 +11087,7 @@
         <p:spPr>
           <a:xfrm>
             <a:off x="720" y="720"/>
-            <a:ext cx="514440" cy="5147640"/>
+            <a:ext cx="513720" cy="5146920"/>
           </a:xfrm>
           <a:prstGeom prst="rect">
             <a:avLst/>
@@ -12028,7 +11129,7 @@
       </p:grpSpPr>
       <p:pic>
         <p:nvPicPr>
-          <p:cNvPr id="340" name="" descr=""/>
+          <p:cNvPr id="302" name="" descr=""/>
           <p:cNvPicPr/>
           <p:nvPr/>
         </p:nvPicPr>
@@ -12039,7 +11140,7 @@
         <p:spPr>
           <a:xfrm>
             <a:off x="360" y="2520"/>
-            <a:ext cx="9143640" cy="5142960"/>
+            <a:ext cx="9142920" cy="5142240"/>
           </a:xfrm>
           <a:prstGeom prst="rect">
             <a:avLst/>
@@ -12051,14 +11152,14 @@
       </p:pic>
       <p:sp>
         <p:nvSpPr>
-          <p:cNvPr id="341" name="CustomShape 1"/>
+          <p:cNvPr id="303" name="CustomShape 1"/>
           <p:cNvSpPr/>
           <p:nvPr/>
         </p:nvSpPr>
         <p:spPr>
           <a:xfrm>
             <a:off x="6264000" y="2520"/>
-            <a:ext cx="2592000" cy="432000"/>
+            <a:ext cx="2591280" cy="431280"/>
           </a:xfrm>
           <a:prstGeom prst="rect">
             <a:avLst/>
@@ -12083,10 +11184,18 @@
             <a:noAutofit/>
           </a:bodyPr>
           <a:p>
-            <a:pPr algn="ctr"/>
+            <a:pPr algn="ctr">
+              <a:lnSpc>
+                <a:spcPct val="100000"/>
+              </a:lnSpc>
+            </a:pPr>
             <a:r>
               <a:rPr b="0" lang="en-GB" sz="1400" spc="-1" strike="noStrike">
+                <a:solidFill>
+                  <a:srgbClr val="000000"/>
+                </a:solidFill>
                 <a:latin typeface="Arial"/>
+                <a:ea typeface="DejaVu Sans"/>
               </a:rPr>
               <a:t>Use Case 8: Change word ordering</a:t>
             </a:r>
@@ -12098,14 +11207,14 @@
       </p:sp>
       <p:sp>
         <p:nvSpPr>
-          <p:cNvPr id="342" name="TextShape 2"/>
-          <p:cNvSpPr txBox="1"/>
+          <p:cNvPr id="304" name="CustomShape 2"/>
+          <p:cNvSpPr/>
           <p:nvPr/>
         </p:nvSpPr>
         <p:spPr>
           <a:xfrm>
             <a:off x="1800000" y="2736000"/>
-            <a:ext cx="3241800" cy="936000"/>
+            <a:ext cx="3241080" cy="935280"/>
           </a:xfrm>
           <a:prstGeom prst="rect">
             <a:avLst/>
@@ -12122,11 +11231,22 @@
             <a:round/>
           </a:ln>
         </p:spPr>
+        <p:style>
+          <a:lnRef idx="0"/>
+          <a:fillRef idx="0"/>
+          <a:effectRef idx="0"/>
+          <a:fontRef idx="minor"/>
+        </p:style>
         <p:txBody>
           <a:bodyPr lIns="96120" rIns="96120" tIns="51120" bIns="51120">
             <a:noAutofit/>
           </a:bodyPr>
           <a:p>
+            <a:pPr>
+              <a:lnSpc>
+                <a:spcPct val="100000"/>
+              </a:lnSpc>
+            </a:pPr>
             <a:r>
               <a:rPr b="0" lang="en-GB" sz="1800" spc="-1" strike="noStrike">
                 <a:solidFill>
@@ -12145,7 +11265,7 @@
       </p:sp>
       <p:sp>
         <p:nvSpPr>
-          <p:cNvPr id="343" name="Line 3"/>
+          <p:cNvPr id="305" name="Line 3"/>
           <p:cNvSpPr/>
           <p:nvPr/>
         </p:nvSpPr>
@@ -12174,7 +11294,7 @@
       </p:sp>
       <p:pic>
         <p:nvPicPr>
-          <p:cNvPr id="344" name="" descr=""/>
+          <p:cNvPr id="306" name="" descr=""/>
           <p:cNvPicPr/>
           <p:nvPr/>
         </p:nvPicPr>
@@ -12185,7 +11305,7 @@
         <p:spPr>
           <a:xfrm>
             <a:off x="720" y="720"/>
-            <a:ext cx="514440" cy="5147640"/>
+            <a:ext cx="513720" cy="5146920"/>
           </a:xfrm>
           <a:prstGeom prst="rect">
             <a:avLst/>
@@ -12227,7 +11347,7 @@
       </p:grpSpPr>
       <p:pic>
         <p:nvPicPr>
-          <p:cNvPr id="345" name="" descr=""/>
+          <p:cNvPr id="307" name="" descr=""/>
           <p:cNvPicPr/>
           <p:nvPr/>
         </p:nvPicPr>
@@ -12238,7 +11358,7 @@
         <p:spPr>
           <a:xfrm>
             <a:off x="360" y="2520"/>
-            <a:ext cx="9143640" cy="5142960"/>
+            <a:ext cx="9142920" cy="5142240"/>
           </a:xfrm>
           <a:prstGeom prst="rect">
             <a:avLst/>
@@ -12250,14 +11370,14 @@
       </p:pic>
       <p:sp>
         <p:nvSpPr>
-          <p:cNvPr id="346" name="CustomShape 1"/>
+          <p:cNvPr id="308" name="CustomShape 1"/>
           <p:cNvSpPr/>
           <p:nvPr/>
         </p:nvSpPr>
         <p:spPr>
           <a:xfrm>
             <a:off x="6264000" y="2520"/>
-            <a:ext cx="2592000" cy="432000"/>
+            <a:ext cx="2591280" cy="431280"/>
           </a:xfrm>
           <a:prstGeom prst="rect">
             <a:avLst/>
@@ -12282,10 +11402,18 @@
             <a:noAutofit/>
           </a:bodyPr>
           <a:p>
-            <a:pPr algn="ctr"/>
+            <a:pPr algn="ctr">
+              <a:lnSpc>
+                <a:spcPct val="100000"/>
+              </a:lnSpc>
+            </a:pPr>
             <a:r>
               <a:rPr b="0" lang="en-GB" sz="1400" spc="-1" strike="noStrike">
+                <a:solidFill>
+                  <a:srgbClr val="000000"/>
+                </a:solidFill>
                 <a:latin typeface="Arial"/>
+                <a:ea typeface="DejaVu Sans"/>
               </a:rPr>
               <a:t>Use Case 8: Change word ordering</a:t>
             </a:r>
@@ -12297,14 +11425,14 @@
       </p:sp>
       <p:sp>
         <p:nvSpPr>
-          <p:cNvPr id="347" name="TextShape 2"/>
-          <p:cNvSpPr txBox="1"/>
+          <p:cNvPr id="309" name="CustomShape 2"/>
+          <p:cNvSpPr/>
           <p:nvPr/>
         </p:nvSpPr>
         <p:spPr>
           <a:xfrm>
             <a:off x="1800360" y="3096000"/>
-            <a:ext cx="3241800" cy="1152000"/>
+            <a:ext cx="3241080" cy="1151280"/>
           </a:xfrm>
           <a:prstGeom prst="rect">
             <a:avLst/>
@@ -12321,11 +11449,22 @@
             <a:round/>
           </a:ln>
         </p:spPr>
+        <p:style>
+          <a:lnRef idx="0"/>
+          <a:fillRef idx="0"/>
+          <a:effectRef idx="0"/>
+          <a:fontRef idx="minor"/>
+        </p:style>
         <p:txBody>
           <a:bodyPr lIns="96120" rIns="96120" tIns="51120" bIns="51120">
             <a:noAutofit/>
           </a:bodyPr>
           <a:p>
+            <a:pPr>
+              <a:lnSpc>
+                <a:spcPct val="100000"/>
+              </a:lnSpc>
+            </a:pPr>
             <a:r>
               <a:rPr b="0" lang="en-GB" sz="1800" spc="-1" strike="noStrike">
                 <a:solidFill>
@@ -12344,7 +11483,7 @@
       </p:sp>
       <p:sp>
         <p:nvSpPr>
-          <p:cNvPr id="348" name="Line 3"/>
+          <p:cNvPr id="310" name="Line 3"/>
           <p:cNvSpPr/>
           <p:nvPr/>
         </p:nvSpPr>
@@ -12373,7 +11512,7 @@
       </p:sp>
       <p:pic>
         <p:nvPicPr>
-          <p:cNvPr id="349" name="" descr=""/>
+          <p:cNvPr id="311" name="" descr=""/>
           <p:cNvPicPr/>
           <p:nvPr/>
         </p:nvPicPr>
@@ -12384,7 +11523,7 @@
         <p:spPr>
           <a:xfrm>
             <a:off x="720" y="720"/>
-            <a:ext cx="514440" cy="5147640"/>
+            <a:ext cx="513720" cy="5146920"/>
           </a:xfrm>
           <a:prstGeom prst="rect">
             <a:avLst/>
@@ -12426,7 +11565,7 @@
       </p:grpSpPr>
       <p:pic>
         <p:nvPicPr>
-          <p:cNvPr id="350" name="" descr=""/>
+          <p:cNvPr id="312" name="" descr=""/>
           <p:cNvPicPr/>
           <p:nvPr/>
         </p:nvPicPr>
@@ -12437,7 +11576,7 @@
         <p:spPr>
           <a:xfrm>
             <a:off x="360" y="2520"/>
-            <a:ext cx="9143640" cy="5142960"/>
+            <a:ext cx="9142920" cy="5142240"/>
           </a:xfrm>
           <a:prstGeom prst="rect">
             <a:avLst/>
@@ -12449,14 +11588,14 @@
       </p:pic>
       <p:sp>
         <p:nvSpPr>
-          <p:cNvPr id="351" name="CustomShape 1"/>
+          <p:cNvPr id="313" name="CustomShape 1"/>
           <p:cNvSpPr/>
           <p:nvPr/>
         </p:nvSpPr>
         <p:spPr>
           <a:xfrm>
             <a:off x="6264000" y="2520"/>
-            <a:ext cx="2592000" cy="432000"/>
+            <a:ext cx="2591280" cy="431280"/>
           </a:xfrm>
           <a:prstGeom prst="rect">
             <a:avLst/>
@@ -12481,10 +11620,18 @@
             <a:noAutofit/>
           </a:bodyPr>
           <a:p>
-            <a:pPr algn="ctr"/>
+            <a:pPr algn="ctr">
+              <a:lnSpc>
+                <a:spcPct val="100000"/>
+              </a:lnSpc>
+            </a:pPr>
             <a:r>
               <a:rPr b="0" lang="en-GB" sz="1400" spc="-1" strike="noStrike">
+                <a:solidFill>
+                  <a:srgbClr val="000000"/>
+                </a:solidFill>
                 <a:latin typeface="Arial"/>
+                <a:ea typeface="DejaVu Sans"/>
               </a:rPr>
               <a:t>Use Case 8: Change word ordering</a:t>
             </a:r>
@@ -12496,7 +11643,7 @@
       </p:sp>
       <p:pic>
         <p:nvPicPr>
-          <p:cNvPr id="352" name="" descr=""/>
+          <p:cNvPr id="314" name="" descr=""/>
           <p:cNvPicPr/>
           <p:nvPr/>
         </p:nvPicPr>
@@ -12507,7 +11654,7 @@
         <p:spPr>
           <a:xfrm>
             <a:off x="720" y="720"/>
-            <a:ext cx="514440" cy="5147640"/>
+            <a:ext cx="513720" cy="5146920"/>
           </a:xfrm>
           <a:prstGeom prst="rect">
             <a:avLst/>
@@ -12549,7 +11696,7 @@
       </p:grpSpPr>
       <p:pic>
         <p:nvPicPr>
-          <p:cNvPr id="145" name="" descr=""/>
+          <p:cNvPr id="107" name="" descr=""/>
           <p:cNvPicPr/>
           <p:nvPr/>
         </p:nvPicPr>
@@ -12560,7 +11707,7 @@
         <p:spPr>
           <a:xfrm>
             <a:off x="360" y="2520"/>
-            <a:ext cx="9143640" cy="5142960"/>
+            <a:ext cx="9142920" cy="5142240"/>
           </a:xfrm>
           <a:prstGeom prst="rect">
             <a:avLst/>
@@ -12572,7 +11719,7 @@
       </p:pic>
       <p:pic>
         <p:nvPicPr>
-          <p:cNvPr id="146" name="" descr=""/>
+          <p:cNvPr id="108" name="" descr=""/>
           <p:cNvPicPr/>
           <p:nvPr/>
         </p:nvPicPr>
@@ -12583,7 +11730,7 @@
         <p:spPr>
           <a:xfrm>
             <a:off x="360" y="360"/>
-            <a:ext cx="514440" cy="5147640"/>
+            <a:ext cx="513720" cy="5146920"/>
           </a:xfrm>
           <a:prstGeom prst="rect">
             <a:avLst/>
@@ -12595,14 +11742,14 @@
       </p:pic>
       <p:sp>
         <p:nvSpPr>
-          <p:cNvPr id="147" name="TextShape 1"/>
-          <p:cNvSpPr txBox="1"/>
+          <p:cNvPr id="109" name="CustomShape 1"/>
+          <p:cNvSpPr/>
           <p:nvPr/>
         </p:nvSpPr>
         <p:spPr>
           <a:xfrm>
             <a:off x="2950560" y="3240000"/>
-            <a:ext cx="3745440" cy="1152000"/>
+            <a:ext cx="3744720" cy="1151280"/>
           </a:xfrm>
           <a:prstGeom prst="rect">
             <a:avLst/>
@@ -12619,11 +11766,22 @@
             <a:round/>
           </a:ln>
         </p:spPr>
+        <p:style>
+          <a:lnRef idx="0"/>
+          <a:fillRef idx="0"/>
+          <a:effectRef idx="0"/>
+          <a:fontRef idx="minor"/>
+        </p:style>
         <p:txBody>
           <a:bodyPr lIns="96120" rIns="96120" tIns="51120" bIns="51120">
             <a:noAutofit/>
           </a:bodyPr>
           <a:p>
+            <a:pPr>
+              <a:lnSpc>
+                <a:spcPct val="100000"/>
+              </a:lnSpc>
+            </a:pPr>
             <a:r>
               <a:rPr b="0" lang="en-GB" sz="1800" spc="-1" strike="noStrike">
                 <a:solidFill>
@@ -12642,7 +11800,7 @@
       </p:sp>
       <p:sp>
         <p:nvSpPr>
-          <p:cNvPr id="148" name="Line 2"/>
+          <p:cNvPr id="110" name="Line 2"/>
           <p:cNvSpPr/>
           <p:nvPr/>
         </p:nvSpPr>
@@ -12671,7 +11829,7 @@
       </p:sp>
       <p:sp>
         <p:nvSpPr>
-          <p:cNvPr id="149" name="Line 3"/>
+          <p:cNvPr id="111" name="Line 3"/>
           <p:cNvSpPr/>
           <p:nvPr/>
         </p:nvSpPr>
@@ -12700,7 +11858,7 @@
       </p:sp>
       <p:sp>
         <p:nvSpPr>
-          <p:cNvPr id="150" name="Line 4"/>
+          <p:cNvPr id="112" name="Line 4"/>
           <p:cNvSpPr/>
           <p:nvPr/>
         </p:nvSpPr>
@@ -12729,7 +11887,7 @@
       </p:sp>
       <p:sp>
         <p:nvSpPr>
-          <p:cNvPr id="151" name="Line 5"/>
+          <p:cNvPr id="113" name="Line 5"/>
           <p:cNvSpPr/>
           <p:nvPr/>
         </p:nvSpPr>
@@ -12758,7 +11916,7 @@
       </p:sp>
       <p:sp>
         <p:nvSpPr>
-          <p:cNvPr id="152" name="Line 6"/>
+          <p:cNvPr id="114" name="Line 6"/>
           <p:cNvSpPr/>
           <p:nvPr/>
         </p:nvSpPr>
@@ -12787,14 +11945,14 @@
       </p:sp>
       <p:sp>
         <p:nvSpPr>
-          <p:cNvPr id="153" name="CustomShape 7"/>
+          <p:cNvPr id="115" name="CustomShape 7"/>
           <p:cNvSpPr/>
           <p:nvPr/>
         </p:nvSpPr>
         <p:spPr>
           <a:xfrm>
             <a:off x="6264000" y="2520"/>
-            <a:ext cx="2592000" cy="432000"/>
+            <a:ext cx="2591280" cy="431280"/>
           </a:xfrm>
           <a:prstGeom prst="rect">
             <a:avLst/>
@@ -12819,10 +11977,18 @@
             <a:noAutofit/>
           </a:bodyPr>
           <a:p>
-            <a:pPr algn="ctr"/>
+            <a:pPr algn="ctr">
+              <a:lnSpc>
+                <a:spcPct val="100000"/>
+              </a:lnSpc>
+            </a:pPr>
             <a:r>
               <a:rPr b="0" lang="en-GB" sz="1400" spc="-1" strike="noStrike">
+                <a:solidFill>
+                  <a:srgbClr val="000000"/>
+                </a:solidFill>
                 <a:latin typeface="Arial"/>
+                <a:ea typeface="DejaVu Sans"/>
               </a:rPr>
               <a:t>This shows the general layout of the program</a:t>
             </a:r>
@@ -12864,7 +12030,7 @@
       </p:grpSpPr>
       <p:pic>
         <p:nvPicPr>
-          <p:cNvPr id="154" name="" descr=""/>
+          <p:cNvPr id="116" name="" descr=""/>
           <p:cNvPicPr/>
           <p:nvPr/>
         </p:nvPicPr>
@@ -12875,7 +12041,7 @@
         <p:spPr>
           <a:xfrm>
             <a:off x="720" y="2520"/>
-            <a:ext cx="9143640" cy="5142960"/>
+            <a:ext cx="9142920" cy="5142240"/>
           </a:xfrm>
           <a:prstGeom prst="rect">
             <a:avLst/>
@@ -12887,7 +12053,7 @@
       </p:pic>
       <p:pic>
         <p:nvPicPr>
-          <p:cNvPr id="155" name="" descr=""/>
+          <p:cNvPr id="117" name="" descr=""/>
           <p:cNvPicPr/>
           <p:nvPr/>
         </p:nvPicPr>
@@ -12898,7 +12064,7 @@
         <p:spPr>
           <a:xfrm>
             <a:off x="360" y="360"/>
-            <a:ext cx="514440" cy="5147640"/>
+            <a:ext cx="513720" cy="5146920"/>
           </a:xfrm>
           <a:prstGeom prst="rect">
             <a:avLst/>
@@ -12910,14 +12076,14 @@
       </p:pic>
       <p:sp>
         <p:nvSpPr>
-          <p:cNvPr id="156" name="CustomShape 1"/>
+          <p:cNvPr id="118" name="CustomShape 1"/>
           <p:cNvSpPr/>
           <p:nvPr/>
         </p:nvSpPr>
         <p:spPr>
           <a:xfrm>
             <a:off x="6264000" y="2520"/>
-            <a:ext cx="2592000" cy="432000"/>
+            <a:ext cx="2591280" cy="431280"/>
           </a:xfrm>
           <a:prstGeom prst="rect">
             <a:avLst/>
@@ -12942,10 +12108,18 @@
             <a:noAutofit/>
           </a:bodyPr>
           <a:p>
-            <a:pPr algn="ctr"/>
+            <a:pPr algn="ctr">
+              <a:lnSpc>
+                <a:spcPct val="100000"/>
+              </a:lnSpc>
+            </a:pPr>
             <a:r>
               <a:rPr b="0" lang="en-GB" sz="1400" spc="-1" strike="noStrike">
+                <a:solidFill>
+                  <a:srgbClr val="000000"/>
+                </a:solidFill>
                 <a:latin typeface="Arial"/>
+                <a:ea typeface="DejaVu Sans"/>
               </a:rPr>
               <a:t>Use Case 1: View dictionary</a:t>
             </a:r>
@@ -12957,7 +12131,7 @@
       </p:sp>
       <p:sp>
         <p:nvSpPr>
-          <p:cNvPr id="157" name="Line 2"/>
+          <p:cNvPr id="119" name="Line 2"/>
           <p:cNvSpPr/>
           <p:nvPr/>
         </p:nvSpPr>
@@ -12986,14 +12160,14 @@
       </p:sp>
       <p:sp>
         <p:nvSpPr>
-          <p:cNvPr id="158" name="TextShape 3"/>
-          <p:cNvSpPr txBox="1"/>
+          <p:cNvPr id="120" name="CustomShape 3"/>
+          <p:cNvSpPr/>
           <p:nvPr/>
         </p:nvSpPr>
         <p:spPr>
           <a:xfrm>
             <a:off x="3310200" y="2016000"/>
-            <a:ext cx="3241800" cy="360000"/>
+            <a:ext cx="3241080" cy="359280"/>
           </a:xfrm>
           <a:prstGeom prst="rect">
             <a:avLst/>
@@ -13010,11 +12184,22 @@
             <a:round/>
           </a:ln>
         </p:spPr>
+        <p:style>
+          <a:lnRef idx="0"/>
+          <a:fillRef idx="0"/>
+          <a:effectRef idx="0"/>
+          <a:fontRef idx="minor"/>
+        </p:style>
         <p:txBody>
           <a:bodyPr lIns="96120" rIns="96120" tIns="51120" bIns="51120">
             <a:noAutofit/>
           </a:bodyPr>
           <a:p>
+            <a:pPr>
+              <a:lnSpc>
+                <a:spcPct val="100000"/>
+              </a:lnSpc>
+            </a:pPr>
             <a:r>
               <a:rPr b="0" lang="en-GB" sz="1800" spc="-1" strike="noStrike">
                 <a:solidFill>
@@ -13063,7 +12248,7 @@
       </p:grpSpPr>
       <p:pic>
         <p:nvPicPr>
-          <p:cNvPr id="159" name="" descr=""/>
+          <p:cNvPr id="121" name="" descr=""/>
           <p:cNvPicPr/>
           <p:nvPr/>
         </p:nvPicPr>
@@ -13074,7 +12259,7 @@
         <p:spPr>
           <a:xfrm>
             <a:off x="1080" y="2520"/>
-            <a:ext cx="9143640" cy="5142960"/>
+            <a:ext cx="9142920" cy="5142240"/>
           </a:xfrm>
           <a:prstGeom prst="rect">
             <a:avLst/>
@@ -13086,14 +12271,14 @@
       </p:pic>
       <p:sp>
         <p:nvSpPr>
-          <p:cNvPr id="160" name="CustomShape 1"/>
+          <p:cNvPr id="122" name="CustomShape 1"/>
           <p:cNvSpPr/>
           <p:nvPr/>
         </p:nvSpPr>
         <p:spPr>
           <a:xfrm>
             <a:off x="6264000" y="2520"/>
-            <a:ext cx="2592000" cy="432000"/>
+            <a:ext cx="2591280" cy="431280"/>
           </a:xfrm>
           <a:prstGeom prst="rect">
             <a:avLst/>
@@ -13118,10 +12303,18 @@
             <a:noAutofit/>
           </a:bodyPr>
           <a:p>
-            <a:pPr algn="ctr"/>
+            <a:pPr algn="ctr">
+              <a:lnSpc>
+                <a:spcPct val="100000"/>
+              </a:lnSpc>
+            </a:pPr>
             <a:r>
               <a:rPr b="0" lang="en-GB" sz="1400" spc="-1" strike="noStrike">
+                <a:solidFill>
+                  <a:srgbClr val="000000"/>
+                </a:solidFill>
                 <a:latin typeface="Arial"/>
+                <a:ea typeface="DejaVu Sans"/>
               </a:rPr>
               <a:t>Use Case 1: View dictionary</a:t>
             </a:r>
@@ -13133,14 +12326,14 @@
       </p:sp>
       <p:sp>
         <p:nvSpPr>
-          <p:cNvPr id="161" name="TextShape 2"/>
-          <p:cNvSpPr txBox="1"/>
+          <p:cNvPr id="123" name="CustomShape 2"/>
+          <p:cNvSpPr/>
           <p:nvPr/>
         </p:nvSpPr>
         <p:spPr>
           <a:xfrm>
             <a:off x="720000" y="1224000"/>
-            <a:ext cx="3241800" cy="648000"/>
+            <a:ext cx="3241080" cy="647280"/>
           </a:xfrm>
           <a:prstGeom prst="rect">
             <a:avLst/>
@@ -13157,11 +12350,22 @@
             <a:round/>
           </a:ln>
         </p:spPr>
+        <p:style>
+          <a:lnRef idx="0"/>
+          <a:fillRef idx="0"/>
+          <a:effectRef idx="0"/>
+          <a:fontRef idx="minor"/>
+        </p:style>
         <p:txBody>
           <a:bodyPr lIns="96120" rIns="96120" tIns="51120" bIns="51120">
             <a:noAutofit/>
           </a:bodyPr>
           <a:p>
+            <a:pPr>
+              <a:lnSpc>
+                <a:spcPct val="100000"/>
+              </a:lnSpc>
+            </a:pPr>
             <a:r>
               <a:rPr b="0" lang="en-GB" sz="1800" spc="-1" strike="noStrike">
                 <a:solidFill>
@@ -13180,14 +12384,14 @@
       </p:sp>
       <p:sp>
         <p:nvSpPr>
-          <p:cNvPr id="162" name="TextShape 3"/>
-          <p:cNvSpPr txBox="1"/>
+          <p:cNvPr id="124" name="CustomShape 3"/>
+          <p:cNvSpPr/>
           <p:nvPr/>
         </p:nvSpPr>
         <p:spPr>
           <a:xfrm>
             <a:off x="4176000" y="1800000"/>
-            <a:ext cx="1657800" cy="648000"/>
+            <a:ext cx="1657080" cy="647280"/>
           </a:xfrm>
           <a:prstGeom prst="rect">
             <a:avLst/>
@@ -13204,11 +12408,22 @@
             <a:round/>
           </a:ln>
         </p:spPr>
+        <p:style>
+          <a:lnRef idx="0"/>
+          <a:fillRef idx="0"/>
+          <a:effectRef idx="0"/>
+          <a:fontRef idx="minor"/>
+        </p:style>
         <p:txBody>
           <a:bodyPr lIns="96120" rIns="96120" tIns="51120" bIns="51120">
             <a:noAutofit/>
           </a:bodyPr>
           <a:p>
+            <a:pPr>
+              <a:lnSpc>
+                <a:spcPct val="100000"/>
+              </a:lnSpc>
+            </a:pPr>
             <a:r>
               <a:rPr b="0" lang="en-GB" sz="1800" spc="-1" strike="noStrike">
                 <a:solidFill>
@@ -13227,7 +12442,7 @@
       </p:sp>
       <p:sp>
         <p:nvSpPr>
-          <p:cNvPr id="163" name="Line 4"/>
+          <p:cNvPr id="125" name="Line 4"/>
           <p:cNvSpPr/>
           <p:nvPr/>
         </p:nvSpPr>
@@ -13256,14 +12471,14 @@
       </p:sp>
       <p:sp>
         <p:nvSpPr>
-          <p:cNvPr id="164" name="TextShape 5"/>
-          <p:cNvSpPr txBox="1"/>
+          <p:cNvPr id="126" name="CustomShape 5"/>
+          <p:cNvSpPr/>
           <p:nvPr/>
         </p:nvSpPr>
         <p:spPr>
           <a:xfrm>
             <a:off x="7416000" y="3816000"/>
-            <a:ext cx="1657800" cy="864000"/>
+            <a:ext cx="1657080" cy="863280"/>
           </a:xfrm>
           <a:prstGeom prst="rect">
             <a:avLst/>
@@ -13280,11 +12495,22 @@
             <a:round/>
           </a:ln>
         </p:spPr>
+        <p:style>
+          <a:lnRef idx="0"/>
+          <a:fillRef idx="0"/>
+          <a:effectRef idx="0"/>
+          <a:fontRef idx="minor"/>
+        </p:style>
         <p:txBody>
           <a:bodyPr lIns="96120" rIns="96120" tIns="51120" bIns="51120">
             <a:noAutofit/>
           </a:bodyPr>
           <a:p>
+            <a:pPr>
+              <a:lnSpc>
+                <a:spcPct val="100000"/>
+              </a:lnSpc>
+            </a:pPr>
             <a:r>
               <a:rPr b="0" lang="en-GB" sz="1800" spc="-1" strike="noStrike">
                 <a:solidFill>
@@ -13303,7 +12529,7 @@
       </p:sp>
       <p:sp>
         <p:nvSpPr>
-          <p:cNvPr id="165" name="Line 6"/>
+          <p:cNvPr id="127" name="Line 6"/>
           <p:cNvSpPr/>
           <p:nvPr/>
         </p:nvSpPr>
@@ -13332,14 +12558,14 @@
       </p:sp>
       <p:sp>
         <p:nvSpPr>
-          <p:cNvPr id="166" name="TextShape 7"/>
-          <p:cNvSpPr txBox="1"/>
+          <p:cNvPr id="128" name="CustomShape 7"/>
+          <p:cNvSpPr/>
           <p:nvPr/>
         </p:nvSpPr>
         <p:spPr>
           <a:xfrm>
             <a:off x="718200" y="3960000"/>
-            <a:ext cx="1657800" cy="936000"/>
+            <a:ext cx="1657080" cy="935280"/>
           </a:xfrm>
           <a:prstGeom prst="rect">
             <a:avLst/>
@@ -13356,11 +12582,22 @@
             <a:round/>
           </a:ln>
         </p:spPr>
+        <p:style>
+          <a:lnRef idx="0"/>
+          <a:fillRef idx="0"/>
+          <a:effectRef idx="0"/>
+          <a:fontRef idx="minor"/>
+        </p:style>
         <p:txBody>
           <a:bodyPr lIns="96120" rIns="96120" tIns="51120" bIns="51120">
             <a:noAutofit/>
           </a:bodyPr>
           <a:p>
+            <a:pPr>
+              <a:lnSpc>
+                <a:spcPct val="100000"/>
+              </a:lnSpc>
+            </a:pPr>
             <a:r>
               <a:rPr b="0" lang="en-GB" sz="1800" spc="-1" strike="noStrike">
                 <a:solidFill>
@@ -13379,14 +12616,14 @@
       </p:sp>
       <p:sp>
         <p:nvSpPr>
-          <p:cNvPr id="167" name="CustomShape 8"/>
+          <p:cNvPr id="129" name="CustomShape 8"/>
           <p:cNvSpPr/>
           <p:nvPr/>
         </p:nvSpPr>
         <p:spPr>
           <a:xfrm>
             <a:off x="2160000" y="2592000"/>
-            <a:ext cx="4752000" cy="648000"/>
+            <a:ext cx="4751280" cy="647280"/>
           </a:xfrm>
           <a:prstGeom prst="rect">
             <a:avLst/>
@@ -13406,23 +12643,23 @@
           <a:fontRef idx="minor"/>
         </p:style>
       </p:sp>
-      <p:cxnSp>
-        <p:nvCxnSpPr>
-          <p:cNvPr id="168" name="Line 9"/>
-          <p:cNvCxnSpPr>
-            <a:stCxn id="166" idx="0"/>
-            <a:endCxn id="167" idx="2"/>
-          </p:cNvCxnSpPr>
-          <p:nvPr/>
-        </p:nvCxnSpPr>
+      <p:sp>
+        <p:nvSpPr>
+          <p:cNvPr id="130" name="CustomShape 9"/>
+          <p:cNvSpPr/>
+          <p:nvPr/>
+        </p:nvSpPr>
         <p:spPr>
           <a:xfrm flipV="1">
-            <a:off x="1546920" y="3240000"/>
-            <a:ext cx="2989440" cy="720360"/>
+            <a:off x="1546920" y="3238560"/>
+            <a:ext cx="2988720" cy="719640"/>
           </a:xfrm>
           <a:prstGeom prst="bentConnector3">
-            <a:avLst/>
-          </a:prstGeom>
+            <a:avLst>
+              <a:gd name="adj1" fmla="val 50000"/>
+            </a:avLst>
+          </a:prstGeom>
+          <a:noFill/>
           <a:ln w="38160">
             <a:solidFill>
               <a:srgbClr val="729fcf"/>
@@ -13430,17 +12667,23 @@
             <a:round/>
           </a:ln>
         </p:spPr>
-      </p:cxnSp>
-      <p:sp>
-        <p:nvSpPr>
-          <p:cNvPr id="169" name="TextShape 10"/>
-          <p:cNvSpPr txBox="1"/>
+        <p:style>
+          <a:lnRef idx="0"/>
+          <a:fillRef idx="0"/>
+          <a:effectRef idx="0"/>
+          <a:fontRef idx="minor"/>
+        </p:style>
+      </p:sp>
+      <p:sp>
+        <p:nvSpPr>
+          <p:cNvPr id="131" name="CustomShape 10"/>
+          <p:cNvSpPr/>
           <p:nvPr/>
         </p:nvSpPr>
         <p:spPr>
           <a:xfrm>
             <a:off x="6264000" y="1584000"/>
-            <a:ext cx="2232000" cy="648000"/>
+            <a:ext cx="2231280" cy="647280"/>
           </a:xfrm>
           <a:prstGeom prst="rect">
             <a:avLst/>
@@ -13457,11 +12700,22 @@
             <a:round/>
           </a:ln>
         </p:spPr>
+        <p:style>
+          <a:lnRef idx="0"/>
+          <a:fillRef idx="0"/>
+          <a:effectRef idx="0"/>
+          <a:fontRef idx="minor"/>
+        </p:style>
         <p:txBody>
           <a:bodyPr lIns="96120" rIns="96120" tIns="51120" bIns="51120">
             <a:noAutofit/>
           </a:bodyPr>
           <a:p>
+            <a:pPr>
+              <a:lnSpc>
+                <a:spcPct val="100000"/>
+              </a:lnSpc>
+            </a:pPr>
             <a:r>
               <a:rPr b="0" lang="en-GB" sz="1800" spc="-1" strike="noStrike">
                 <a:solidFill>
@@ -13480,7 +12734,7 @@
       </p:sp>
       <p:sp>
         <p:nvSpPr>
-          <p:cNvPr id="170" name="Line 11"/>
+          <p:cNvPr id="132" name="Line 11"/>
           <p:cNvSpPr/>
           <p:nvPr/>
         </p:nvSpPr>
@@ -13509,14 +12763,14 @@
       </p:sp>
       <p:sp>
         <p:nvSpPr>
-          <p:cNvPr id="171" name="TextShape 12"/>
-          <p:cNvSpPr txBox="1"/>
+          <p:cNvPr id="133" name="CustomShape 12"/>
+          <p:cNvSpPr/>
           <p:nvPr/>
         </p:nvSpPr>
         <p:spPr>
           <a:xfrm>
             <a:off x="6480000" y="792000"/>
-            <a:ext cx="2232000" cy="648000"/>
+            <a:ext cx="2231280" cy="647280"/>
           </a:xfrm>
           <a:prstGeom prst="rect">
             <a:avLst/>
@@ -13533,11 +12787,22 @@
             <a:round/>
           </a:ln>
         </p:spPr>
+        <p:style>
+          <a:lnRef idx="0"/>
+          <a:fillRef idx="0"/>
+          <a:effectRef idx="0"/>
+          <a:fontRef idx="minor"/>
+        </p:style>
         <p:txBody>
           <a:bodyPr lIns="96120" rIns="96120" tIns="51120" bIns="51120">
             <a:noAutofit/>
           </a:bodyPr>
           <a:p>
+            <a:pPr>
+              <a:lnSpc>
+                <a:spcPct val="100000"/>
+              </a:lnSpc>
+            </a:pPr>
             <a:r>
               <a:rPr b="0" lang="en-GB" sz="1800" spc="-1" strike="noStrike">
                 <a:solidFill>
@@ -13556,7 +12821,7 @@
       </p:sp>
       <p:sp>
         <p:nvSpPr>
-          <p:cNvPr id="172" name="Line 13"/>
+          <p:cNvPr id="134" name="Line 13"/>
           <p:cNvSpPr/>
           <p:nvPr/>
         </p:nvSpPr>
@@ -13585,7 +12850,7 @@
       </p:sp>
       <p:pic>
         <p:nvPicPr>
-          <p:cNvPr id="173" name="" descr=""/>
+          <p:cNvPr id="135" name="" descr=""/>
           <p:cNvPicPr/>
           <p:nvPr/>
         </p:nvPicPr>
@@ -13596,7 +12861,7 @@
         <p:spPr>
           <a:xfrm>
             <a:off x="360" y="360"/>
-            <a:ext cx="514440" cy="5147640"/>
+            <a:ext cx="513720" cy="5146920"/>
           </a:xfrm>
           <a:prstGeom prst="rect">
             <a:avLst/>
@@ -13638,7 +12903,7 @@
       </p:grpSpPr>
       <p:pic>
         <p:nvPicPr>
-          <p:cNvPr id="174" name="" descr=""/>
+          <p:cNvPr id="136" name="" descr=""/>
           <p:cNvPicPr/>
           <p:nvPr/>
         </p:nvPicPr>
@@ -13649,7 +12914,7 @@
         <p:spPr>
           <a:xfrm>
             <a:off x="1440" y="2520"/>
-            <a:ext cx="9143640" cy="5142960"/>
+            <a:ext cx="9142920" cy="5142240"/>
           </a:xfrm>
           <a:prstGeom prst="rect">
             <a:avLst/>
@@ -13661,7 +12926,7 @@
       </p:pic>
       <p:sp>
         <p:nvSpPr>
-          <p:cNvPr id="175" name="Line 1"/>
+          <p:cNvPr id="137" name="Line 1"/>
           <p:cNvSpPr/>
           <p:nvPr/>
         </p:nvSpPr>
@@ -13690,7 +12955,7 @@
       </p:sp>
       <p:sp>
         <p:nvSpPr>
-          <p:cNvPr id="176" name="Line 2"/>
+          <p:cNvPr id="138" name="Line 2"/>
           <p:cNvSpPr/>
           <p:nvPr/>
         </p:nvSpPr>
@@ -13719,14 +12984,14 @@
       </p:sp>
       <p:sp>
         <p:nvSpPr>
-          <p:cNvPr id="177" name="TextShape 3"/>
-          <p:cNvSpPr txBox="1"/>
+          <p:cNvPr id="139" name="CustomShape 3"/>
+          <p:cNvSpPr/>
           <p:nvPr/>
         </p:nvSpPr>
         <p:spPr>
           <a:xfrm>
             <a:off x="3598200" y="2016000"/>
-            <a:ext cx="3241800" cy="648000"/>
+            <a:ext cx="3241080" cy="647280"/>
           </a:xfrm>
           <a:prstGeom prst="rect">
             <a:avLst/>
@@ -13743,11 +13008,22 @@
             <a:round/>
           </a:ln>
         </p:spPr>
+        <p:style>
+          <a:lnRef idx="0"/>
+          <a:fillRef idx="0"/>
+          <a:effectRef idx="0"/>
+          <a:fontRef idx="minor"/>
+        </p:style>
         <p:txBody>
           <a:bodyPr lIns="96120" rIns="96120" tIns="51120" bIns="51120">
             <a:noAutofit/>
           </a:bodyPr>
           <a:p>
+            <a:pPr>
+              <a:lnSpc>
+                <a:spcPct val="100000"/>
+              </a:lnSpc>
+            </a:pPr>
             <a:r>
               <a:rPr b="0" lang="en-GB" sz="1800" spc="-1" strike="noStrike">
                 <a:solidFill>
@@ -13766,14 +13042,14 @@
       </p:sp>
       <p:sp>
         <p:nvSpPr>
-          <p:cNvPr id="178" name="CustomShape 4"/>
+          <p:cNvPr id="140" name="CustomShape 4"/>
           <p:cNvSpPr/>
           <p:nvPr/>
         </p:nvSpPr>
         <p:spPr>
           <a:xfrm>
             <a:off x="6264000" y="2520"/>
-            <a:ext cx="2592000" cy="432000"/>
+            <a:ext cx="2591280" cy="431280"/>
           </a:xfrm>
           <a:prstGeom prst="rect">
             <a:avLst/>
@@ -13798,10 +13074,18 @@
             <a:noAutofit/>
           </a:bodyPr>
           <a:p>
-            <a:pPr algn="ctr"/>
+            <a:pPr algn="ctr">
+              <a:lnSpc>
+                <a:spcPct val="100000"/>
+              </a:lnSpc>
+            </a:pPr>
             <a:r>
               <a:rPr b="0" lang="en-GB" sz="1400" spc="-1" strike="noStrike">
+                <a:solidFill>
+                  <a:srgbClr val="000000"/>
+                </a:solidFill>
                 <a:latin typeface="Arial"/>
+                <a:ea typeface="DejaVu Sans"/>
               </a:rPr>
               <a:t>Use Case 2: Search for a word</a:t>
             </a:r>
@@ -13813,7 +13097,7 @@
       </p:sp>
       <p:pic>
         <p:nvPicPr>
-          <p:cNvPr id="179" name="" descr=""/>
+          <p:cNvPr id="141" name="" descr=""/>
           <p:cNvPicPr/>
           <p:nvPr/>
         </p:nvPicPr>
@@ -13824,7 +13108,7 @@
         <p:spPr>
           <a:xfrm>
             <a:off x="360" y="360"/>
-            <a:ext cx="514440" cy="5147640"/>
+            <a:ext cx="513720" cy="5146920"/>
           </a:xfrm>
           <a:prstGeom prst="rect">
             <a:avLst/>
@@ -13866,7 +13150,7 @@
       </p:grpSpPr>
       <p:pic>
         <p:nvPicPr>
-          <p:cNvPr id="180" name="" descr=""/>
+          <p:cNvPr id="142" name="" descr=""/>
           <p:cNvPicPr/>
           <p:nvPr/>
         </p:nvPicPr>
@@ -13877,7 +13161,7 @@
         <p:spPr>
           <a:xfrm>
             <a:off x="1440" y="2520"/>
-            <a:ext cx="9143640" cy="5142960"/>
+            <a:ext cx="9142920" cy="5142240"/>
           </a:xfrm>
           <a:prstGeom prst="rect">
             <a:avLst/>
@@ -13889,7 +13173,7 @@
       </p:pic>
       <p:sp>
         <p:nvSpPr>
-          <p:cNvPr id="181" name="Line 1"/>
+          <p:cNvPr id="143" name="Line 1"/>
           <p:cNvSpPr/>
           <p:nvPr/>
         </p:nvSpPr>
@@ -13918,14 +13202,14 @@
       </p:sp>
       <p:sp>
         <p:nvSpPr>
-          <p:cNvPr id="182" name="TextShape 2"/>
-          <p:cNvSpPr txBox="1"/>
+          <p:cNvPr id="144" name="CustomShape 2"/>
+          <p:cNvSpPr/>
           <p:nvPr/>
         </p:nvSpPr>
         <p:spPr>
           <a:xfrm>
             <a:off x="3598200" y="2016000"/>
-            <a:ext cx="3241800" cy="648000"/>
+            <a:ext cx="3241080" cy="647280"/>
           </a:xfrm>
           <a:prstGeom prst="rect">
             <a:avLst/>
@@ -13942,11 +13226,22 @@
             <a:round/>
           </a:ln>
         </p:spPr>
+        <p:style>
+          <a:lnRef idx="0"/>
+          <a:fillRef idx="0"/>
+          <a:effectRef idx="0"/>
+          <a:fontRef idx="minor"/>
+        </p:style>
         <p:txBody>
           <a:bodyPr lIns="96120" rIns="96120" tIns="51120" bIns="51120">
             <a:noAutofit/>
           </a:bodyPr>
           <a:p>
+            <a:pPr>
+              <a:lnSpc>
+                <a:spcPct val="100000"/>
+              </a:lnSpc>
+            </a:pPr>
             <a:r>
               <a:rPr b="0" lang="en-GB" sz="1800" spc="-1" strike="noStrike">
                 <a:solidFill>
@@ -13965,14 +13260,14 @@
       </p:sp>
       <p:sp>
         <p:nvSpPr>
-          <p:cNvPr id="183" name="CustomShape 3"/>
+          <p:cNvPr id="145" name="CustomShape 3"/>
           <p:cNvSpPr/>
           <p:nvPr/>
         </p:nvSpPr>
         <p:spPr>
           <a:xfrm>
             <a:off x="6264000" y="2520"/>
-            <a:ext cx="2592000" cy="432000"/>
+            <a:ext cx="2591280" cy="431280"/>
           </a:xfrm>
           <a:prstGeom prst="rect">
             <a:avLst/>
@@ -13997,10 +13292,18 @@
             <a:noAutofit/>
           </a:bodyPr>
           <a:p>
-            <a:pPr algn="ctr"/>
+            <a:pPr algn="ctr">
+              <a:lnSpc>
+                <a:spcPct val="100000"/>
+              </a:lnSpc>
+            </a:pPr>
             <a:r>
               <a:rPr b="0" lang="en-GB" sz="1400" spc="-1" strike="noStrike">
+                <a:solidFill>
+                  <a:srgbClr val="000000"/>
+                </a:solidFill>
                 <a:latin typeface="Arial"/>
+                <a:ea typeface="DejaVu Sans"/>
               </a:rPr>
               <a:t>Use Case 2: Search for a word</a:t>
             </a:r>
@@ -14012,7 +13315,7 @@
       </p:sp>
       <p:pic>
         <p:nvPicPr>
-          <p:cNvPr id="184" name="" descr=""/>
+          <p:cNvPr id="146" name="" descr=""/>
           <p:cNvPicPr/>
           <p:nvPr/>
         </p:nvPicPr>
@@ -14023,7 +13326,7 @@
         <p:spPr>
           <a:xfrm>
             <a:off x="360" y="360"/>
-            <a:ext cx="514440" cy="5147640"/>
+            <a:ext cx="513720" cy="5146920"/>
           </a:xfrm>
           <a:prstGeom prst="rect">
             <a:avLst/>
@@ -14065,7 +13368,7 @@
       </p:grpSpPr>
       <p:pic>
         <p:nvPicPr>
-          <p:cNvPr id="185" name="" descr=""/>
+          <p:cNvPr id="147" name="" descr=""/>
           <p:cNvPicPr/>
           <p:nvPr/>
         </p:nvPicPr>
@@ -14076,7 +13379,7 @@
         <p:spPr>
           <a:xfrm>
             <a:off x="360" y="2520"/>
-            <a:ext cx="9143640" cy="5142960"/>
+            <a:ext cx="9142920" cy="5142240"/>
           </a:xfrm>
           <a:prstGeom prst="rect">
             <a:avLst/>
@@ -14088,14 +13391,14 @@
       </p:pic>
       <p:sp>
         <p:nvSpPr>
-          <p:cNvPr id="186" name="CustomShape 1"/>
+          <p:cNvPr id="148" name="CustomShape 1"/>
           <p:cNvSpPr/>
           <p:nvPr/>
         </p:nvSpPr>
         <p:spPr>
           <a:xfrm>
             <a:off x="6264000" y="2520"/>
-            <a:ext cx="2592000" cy="432000"/>
+            <a:ext cx="2591280" cy="431280"/>
           </a:xfrm>
           <a:prstGeom prst="rect">
             <a:avLst/>
@@ -14120,10 +13423,18 @@
             <a:noAutofit/>
           </a:bodyPr>
           <a:p>
-            <a:pPr algn="ctr"/>
+            <a:pPr algn="ctr">
+              <a:lnSpc>
+                <a:spcPct val="100000"/>
+              </a:lnSpc>
+            </a:pPr>
             <a:r>
               <a:rPr b="0" lang="en-GB" sz="1400" spc="-1" strike="noStrike">
+                <a:solidFill>
+                  <a:srgbClr val="000000"/>
+                </a:solidFill>
                 <a:latin typeface="Arial"/>
+                <a:ea typeface="DejaVu Sans"/>
               </a:rPr>
               <a:t>Use Case 2: Search for a word</a:t>
             </a:r>
@@ -14135,14 +13446,14 @@
       </p:sp>
       <p:sp>
         <p:nvSpPr>
-          <p:cNvPr id="187" name="TextShape 2"/>
-          <p:cNvSpPr txBox="1"/>
+          <p:cNvPr id="149" name="CustomShape 2"/>
+          <p:cNvSpPr/>
           <p:nvPr/>
         </p:nvSpPr>
         <p:spPr>
           <a:xfrm>
             <a:off x="2664000" y="2952000"/>
-            <a:ext cx="3241800" cy="864000"/>
+            <a:ext cx="3241080" cy="863280"/>
           </a:xfrm>
           <a:prstGeom prst="rect">
             <a:avLst/>
@@ -14159,11 +13470,22 @@
             <a:round/>
           </a:ln>
         </p:spPr>
+        <p:style>
+          <a:lnRef idx="0"/>
+          <a:fillRef idx="0"/>
+          <a:effectRef idx="0"/>
+          <a:fontRef idx="minor"/>
+        </p:style>
         <p:txBody>
           <a:bodyPr lIns="96120" rIns="96120" tIns="51120" bIns="51120">
             <a:noAutofit/>
           </a:bodyPr>
           <a:p>
+            <a:pPr>
+              <a:lnSpc>
+                <a:spcPct val="100000"/>
+              </a:lnSpc>
+            </a:pPr>
             <a:r>
               <a:rPr b="0" lang="en-GB" sz="1800" spc="-1" strike="noStrike">
                 <a:solidFill>
@@ -14182,7 +13504,7 @@
       </p:sp>
       <p:pic>
         <p:nvPicPr>
-          <p:cNvPr id="188" name="" descr=""/>
+          <p:cNvPr id="150" name="" descr=""/>
           <p:cNvPicPr/>
           <p:nvPr/>
         </p:nvPicPr>
@@ -14193,7 +13515,7 @@
         <p:spPr>
           <a:xfrm>
             <a:off x="360" y="360"/>
-            <a:ext cx="514440" cy="5147640"/>
+            <a:ext cx="513720" cy="5146920"/>
           </a:xfrm>
           <a:prstGeom prst="rect">
             <a:avLst/>
@@ -14666,230 +13988,4 @@
     </a:fmtScheme>
   </a:themeElements>
 </a:theme>
-</file>
-
-<file path=ppt/theme/theme3.xml><?xml version="1.0" encoding="utf-8"?>
-<a:theme xmlns:a="http://schemas.openxmlformats.org/drawingml/2006/main" name="Office Theme">
-  <a:themeElements>
-    <a:clrScheme name="Office">
-      <a:dk1>
-        <a:sysClr val="windowText" lastClr="000000"/>
-      </a:dk1>
-      <a:lt1>
-        <a:sysClr val="window" lastClr="FFFFFF"/>
-      </a:lt1>
-      <a:dk2>
-        <a:srgbClr val="1f497d"/>
-      </a:dk2>
-      <a:lt2>
-        <a:srgbClr val="eeece1"/>
-      </a:lt2>
-      <a:accent1>
-        <a:srgbClr val="4f81bd"/>
-      </a:accent1>
-      <a:accent2>
-        <a:srgbClr val="c0504d"/>
-      </a:accent2>
-      <a:accent3>
-        <a:srgbClr val="9bbb59"/>
-      </a:accent3>
-      <a:accent4>
-        <a:srgbClr val="8064a2"/>
-      </a:accent4>
-      <a:accent5>
-        <a:srgbClr val="4bacc6"/>
-      </a:accent5>
-      <a:accent6>
-        <a:srgbClr val="f79646"/>
-      </a:accent6>
-      <a:hlink>
-        <a:srgbClr val="0000ff"/>
-      </a:hlink>
-      <a:folHlink>
-        <a:srgbClr val="800080"/>
-      </a:folHlink>
-    </a:clrScheme>
-    <a:fontScheme name="Office">
-      <a:majorFont>
-        <a:latin typeface="Arial"/>
-        <a:ea typeface="DejaVu Sans"/>
-        <a:cs typeface="DejaVu Sans"/>
-      </a:majorFont>
-      <a:minorFont>
-        <a:latin typeface="Arial"/>
-        <a:ea typeface="DejaVu Sans"/>
-        <a:cs typeface="DejaVu Sans"/>
-      </a:minorFont>
-    </a:fontScheme>
-    <a:fmtScheme name="Office">
-      <a:fillStyleLst>
-        <a:solidFill>
-          <a:schemeClr val="phClr"/>
-        </a:solidFill>
-        <a:gradFill rotWithShape="1">
-          <a:gsLst>
-            <a:gs pos="0">
-              <a:schemeClr val="phClr">
-                <a:tint val="50000"/>
-                <a:satMod val="300000"/>
-              </a:schemeClr>
-            </a:gs>
-            <a:gs pos="35000">
-              <a:schemeClr val="phClr">
-                <a:tint val="37000"/>
-                <a:satMod val="300000"/>
-              </a:schemeClr>
-            </a:gs>
-            <a:gs pos="100000">
-              <a:schemeClr val="phClr">
-                <a:tint val="15000"/>
-                <a:satMod val="350000"/>
-              </a:schemeClr>
-            </a:gs>
-          </a:gsLst>
-          <a:lin ang="16200000" scaled="1"/>
-        </a:gradFill>
-        <a:gradFill rotWithShape="1">
-          <a:gsLst>
-            <a:gs pos="0">
-              <a:schemeClr val="phClr">
-                <a:shade val="51000"/>
-                <a:satMod val="130000"/>
-              </a:schemeClr>
-            </a:gs>
-            <a:gs pos="80000">
-              <a:schemeClr val="phClr">
-                <a:shade val="93000"/>
-                <a:satMod val="130000"/>
-              </a:schemeClr>
-            </a:gs>
-            <a:gs pos="100000">
-              <a:schemeClr val="phClr">
-                <a:shade val="94000"/>
-                <a:satMod val="135000"/>
-              </a:schemeClr>
-            </a:gs>
-          </a:gsLst>
-          <a:lin ang="16200000" scaled="0"/>
-        </a:gradFill>
-      </a:fillStyleLst>
-      <a:lnStyleLst>
-        <a:ln w="9525" cap="flat" cmpd="sng" algn="ctr">
-          <a:solidFill>
-            <a:schemeClr val="phClr">
-              <a:shade val="95000"/>
-              <a:satMod val="105000"/>
-            </a:schemeClr>
-          </a:solidFill>
-          <a:prstDash val="solid"/>
-          <a:miter/>
-        </a:ln>
-        <a:ln w="25400" cap="flat" cmpd="sng" algn="ctr">
-          <a:solidFill>
-            <a:schemeClr val="phClr"/>
-          </a:solidFill>
-          <a:prstDash val="solid"/>
-          <a:miter/>
-        </a:ln>
-        <a:ln w="38100" cap="flat" cmpd="sng" algn="ctr">
-          <a:solidFill>
-            <a:schemeClr val="phClr"/>
-          </a:solidFill>
-          <a:prstDash val="solid"/>
-          <a:miter/>
-        </a:ln>
-      </a:lnStyleLst>
-      <a:effectStyleLst>
-        <a:effectStyle>
-          <a:effectLst>
-            <a:outerShdw blurRad="40000" dist="20000" dir="5400000" rotWithShape="0">
-              <a:srgbClr val="000000">
-                <a:alpha val="38000"/>
-              </a:srgbClr>
-            </a:outerShdw>
-          </a:effectLst>
-        </a:effectStyle>
-        <a:effectStyle>
-          <a:effectLst>
-            <a:outerShdw blurRad="40000" dist="23000" dir="5400000" rotWithShape="0">
-              <a:srgbClr val="000000">
-                <a:alpha val="35000"/>
-              </a:srgbClr>
-            </a:outerShdw>
-          </a:effectLst>
-        </a:effectStyle>
-        <a:effectStyle>
-          <a:effectLst>
-            <a:outerShdw blurRad="40000" dist="23000" dir="5400000" rotWithShape="0">
-              <a:srgbClr val="000000">
-                <a:alpha val="35000"/>
-              </a:srgbClr>
-            </a:outerShdw>
-          </a:effectLst>
-          <a:scene3d>
-            <a:camera prst="orthographicFront">
-              <a:rot lat="0" lon="0" rev="0"/>
-            </a:camera>
-            <a:lightRig rig="threePt" dir="t">
-              <a:rot lat="0" lon="0" rev="1200000"/>
-            </a:lightRig>
-          </a:scene3d>
-          <a:sp3d>
-            <a:bevelT w="63500" h="25400"/>
-          </a:sp3d>
-        </a:effectStyle>
-      </a:effectStyleLst>
-      <a:bgFillStyleLst>
-        <a:solidFill>
-          <a:schemeClr val="phClr"/>
-        </a:solidFill>
-        <a:gradFill rotWithShape="1">
-          <a:gsLst>
-            <a:gs pos="0">
-              <a:schemeClr val="phClr">
-                <a:tint val="40000"/>
-                <a:satMod val="350000"/>
-              </a:schemeClr>
-            </a:gs>
-            <a:gs pos="40000">
-              <a:schemeClr val="phClr">
-                <a:tint val="45000"/>
-                <a:shade val="99000"/>
-                <a:satMod val="350000"/>
-              </a:schemeClr>
-            </a:gs>
-            <a:gs pos="100000">
-              <a:schemeClr val="phClr">
-                <a:shade val="20000"/>
-                <a:satMod val="255000"/>
-              </a:schemeClr>
-            </a:gs>
-          </a:gsLst>
-          <a:path path="circle">
-            <a:fillToRect l="50000" t="-80000" r="50000" b="180000"/>
-          </a:path>
-        </a:gradFill>
-        <a:gradFill rotWithShape="1">
-          <a:gsLst>
-            <a:gs pos="0">
-              <a:schemeClr val="phClr">
-                <a:tint val="80000"/>
-                <a:satMod val="300000"/>
-              </a:schemeClr>
-            </a:gs>
-            <a:gs pos="100000">
-              <a:schemeClr val="phClr">
-                <a:shade val="30000"/>
-                <a:satMod val="200000"/>
-              </a:schemeClr>
-            </a:gs>
-          </a:gsLst>
-          <a:path path="circle">
-            <a:fillToRect l="50000" t="50000" r="50000" b="50000"/>
-          </a:path>
-        </a:gradFill>
-      </a:bgFillStyleLst>
-    </a:fmtScheme>
-  </a:themeElements>
-</a:theme>
 </file>